--- a/03-iterators&comprehension/programming2_iterable.pptx
+++ b/03-iterators&comprehension/programming2_iterable.pptx
@@ -806,119 +806,7 @@
           <a:bodyPr/>
           <a:lstStyle/>
           <a:p>
-            <a:r>
-              <a:rPr lang="nl-BE"/>
-              <a:t>Small </a:t>
-            </a:r>
-            <a:r>
-              <a:rPr lang="nl-BE" err="1"/>
-              <a:t>exercise</a:t>
-            </a:r>
-            <a:r>
-              <a:rPr lang="nl-BE"/>
-              <a:t> </a:t>
-            </a:r>
-            <a:r>
-              <a:rPr lang="nl-BE" err="1"/>
-              <a:t>so</a:t>
-            </a:r>
-            <a:r>
-              <a:rPr lang="nl-BE"/>
-              <a:t> </a:t>
-            </a:r>
-            <a:r>
-              <a:rPr lang="nl-BE" err="1"/>
-              <a:t>that</a:t>
-            </a:r>
-            <a:r>
-              <a:rPr lang="nl-BE"/>
-              <a:t> </a:t>
-            </a:r>
-            <a:r>
-              <a:rPr lang="nl-BE" err="1"/>
-              <a:t>the</a:t>
-            </a:r>
-            <a:r>
-              <a:rPr lang="nl-BE"/>
-              <a:t> </a:t>
-            </a:r>
-            <a:r>
-              <a:rPr lang="nl-BE" err="1"/>
-              <a:t>students</a:t>
-            </a:r>
-            <a:r>
-              <a:rPr lang="nl-BE"/>
-              <a:t> </a:t>
-            </a:r>
-            <a:r>
-              <a:rPr lang="nl-BE" err="1"/>
-              <a:t>understand</a:t>
-            </a:r>
-            <a:r>
-              <a:rPr lang="nl-BE"/>
-              <a:t> </a:t>
-            </a:r>
-            <a:r>
-              <a:rPr lang="nl-BE" err="1"/>
-              <a:t>it</a:t>
-            </a:r>
-            <a:r>
-              <a:rPr lang="nl-BE"/>
-              <a:t> </a:t>
-            </a:r>
-            <a:r>
-              <a:rPr lang="nl-BE" err="1"/>
-              <a:t>better</a:t>
-            </a:r>
-            <a:r>
-              <a:rPr lang="nl-BE"/>
-              <a:t> </a:t>
-            </a:r>
-            <a:r>
-              <a:rPr lang="nl-BE" err="1"/>
-              <a:t>and</a:t>
-            </a:r>
-            <a:r>
-              <a:rPr lang="nl-BE"/>
-              <a:t> we </a:t>
-            </a:r>
-            <a:r>
-              <a:rPr lang="nl-BE" err="1"/>
-              <a:t>can</a:t>
-            </a:r>
-            <a:r>
-              <a:rPr lang="nl-BE"/>
-              <a:t> go </a:t>
-            </a:r>
-            <a:r>
-              <a:rPr lang="nl-BE" err="1"/>
-              <a:t>further</a:t>
-            </a:r>
-            <a:r>
-              <a:rPr lang="nl-BE"/>
-              <a:t> </a:t>
-            </a:r>
-            <a:r>
-              <a:rPr lang="nl-BE" err="1"/>
-              <a:t>with</a:t>
-            </a:r>
-            <a:r>
-              <a:rPr lang="nl-BE"/>
-              <a:t> </a:t>
-            </a:r>
-            <a:r>
-              <a:rPr lang="nl-BE" err="1"/>
-              <a:t>the</a:t>
-            </a:r>
-            <a:r>
-              <a:rPr lang="nl-BE"/>
-              <a:t> </a:t>
-            </a:r>
-            <a:r>
-              <a:rPr lang="nl-BE" err="1"/>
-              <a:t>theory</a:t>
-            </a:r>
-            <a:endParaRPr lang="en-US"/>
+            <a:endParaRPr lang="en-US" dirty="0"/>
           </a:p>
         </p:txBody>
       </p:sp>
@@ -1002,119 +890,7 @@
           <a:bodyPr/>
           <a:lstStyle/>
           <a:p>
-            <a:r>
-              <a:rPr lang="nl-BE"/>
-              <a:t>Small </a:t>
-            </a:r>
-            <a:r>
-              <a:rPr lang="nl-BE" err="1"/>
-              <a:t>exercise</a:t>
-            </a:r>
-            <a:r>
-              <a:rPr lang="nl-BE"/>
-              <a:t> </a:t>
-            </a:r>
-            <a:r>
-              <a:rPr lang="nl-BE" err="1"/>
-              <a:t>so</a:t>
-            </a:r>
-            <a:r>
-              <a:rPr lang="nl-BE"/>
-              <a:t> </a:t>
-            </a:r>
-            <a:r>
-              <a:rPr lang="nl-BE" err="1"/>
-              <a:t>that</a:t>
-            </a:r>
-            <a:r>
-              <a:rPr lang="nl-BE"/>
-              <a:t> </a:t>
-            </a:r>
-            <a:r>
-              <a:rPr lang="nl-BE" err="1"/>
-              <a:t>the</a:t>
-            </a:r>
-            <a:r>
-              <a:rPr lang="nl-BE"/>
-              <a:t> </a:t>
-            </a:r>
-            <a:r>
-              <a:rPr lang="nl-BE" err="1"/>
-              <a:t>students</a:t>
-            </a:r>
-            <a:r>
-              <a:rPr lang="nl-BE"/>
-              <a:t> </a:t>
-            </a:r>
-            <a:r>
-              <a:rPr lang="nl-BE" err="1"/>
-              <a:t>understand</a:t>
-            </a:r>
-            <a:r>
-              <a:rPr lang="nl-BE"/>
-              <a:t> </a:t>
-            </a:r>
-            <a:r>
-              <a:rPr lang="nl-BE" err="1"/>
-              <a:t>it</a:t>
-            </a:r>
-            <a:r>
-              <a:rPr lang="nl-BE"/>
-              <a:t> </a:t>
-            </a:r>
-            <a:r>
-              <a:rPr lang="nl-BE" err="1"/>
-              <a:t>better</a:t>
-            </a:r>
-            <a:r>
-              <a:rPr lang="nl-BE"/>
-              <a:t> </a:t>
-            </a:r>
-            <a:r>
-              <a:rPr lang="nl-BE" err="1"/>
-              <a:t>and</a:t>
-            </a:r>
-            <a:r>
-              <a:rPr lang="nl-BE"/>
-              <a:t> we </a:t>
-            </a:r>
-            <a:r>
-              <a:rPr lang="nl-BE" err="1"/>
-              <a:t>can</a:t>
-            </a:r>
-            <a:r>
-              <a:rPr lang="nl-BE"/>
-              <a:t> go </a:t>
-            </a:r>
-            <a:r>
-              <a:rPr lang="nl-BE" err="1"/>
-              <a:t>further</a:t>
-            </a:r>
-            <a:r>
-              <a:rPr lang="nl-BE"/>
-              <a:t> </a:t>
-            </a:r>
-            <a:r>
-              <a:rPr lang="nl-BE" err="1"/>
-              <a:t>with</a:t>
-            </a:r>
-            <a:r>
-              <a:rPr lang="nl-BE"/>
-              <a:t> </a:t>
-            </a:r>
-            <a:r>
-              <a:rPr lang="nl-BE" err="1"/>
-              <a:t>the</a:t>
-            </a:r>
-            <a:r>
-              <a:rPr lang="nl-BE"/>
-              <a:t> </a:t>
-            </a:r>
-            <a:r>
-              <a:rPr lang="nl-BE" err="1"/>
-              <a:t>theory</a:t>
-            </a:r>
-            <a:endParaRPr lang="en-US"/>
+            <a:endParaRPr lang="en-US" dirty="0"/>
           </a:p>
         </p:txBody>
       </p:sp>
@@ -1198,119 +974,7 @@
           <a:bodyPr/>
           <a:lstStyle/>
           <a:p>
-            <a:r>
-              <a:rPr lang="nl-BE"/>
-              <a:t>Small </a:t>
-            </a:r>
-            <a:r>
-              <a:rPr lang="nl-BE" err="1"/>
-              <a:t>exercise</a:t>
-            </a:r>
-            <a:r>
-              <a:rPr lang="nl-BE"/>
-              <a:t> </a:t>
-            </a:r>
-            <a:r>
-              <a:rPr lang="nl-BE" err="1"/>
-              <a:t>so</a:t>
-            </a:r>
-            <a:r>
-              <a:rPr lang="nl-BE"/>
-              <a:t> </a:t>
-            </a:r>
-            <a:r>
-              <a:rPr lang="nl-BE" err="1"/>
-              <a:t>that</a:t>
-            </a:r>
-            <a:r>
-              <a:rPr lang="nl-BE"/>
-              <a:t> </a:t>
-            </a:r>
-            <a:r>
-              <a:rPr lang="nl-BE" err="1"/>
-              <a:t>the</a:t>
-            </a:r>
-            <a:r>
-              <a:rPr lang="nl-BE"/>
-              <a:t> </a:t>
-            </a:r>
-            <a:r>
-              <a:rPr lang="nl-BE" err="1"/>
-              <a:t>students</a:t>
-            </a:r>
-            <a:r>
-              <a:rPr lang="nl-BE"/>
-              <a:t> </a:t>
-            </a:r>
-            <a:r>
-              <a:rPr lang="nl-BE" err="1"/>
-              <a:t>understand</a:t>
-            </a:r>
-            <a:r>
-              <a:rPr lang="nl-BE"/>
-              <a:t> </a:t>
-            </a:r>
-            <a:r>
-              <a:rPr lang="nl-BE" err="1"/>
-              <a:t>it</a:t>
-            </a:r>
-            <a:r>
-              <a:rPr lang="nl-BE"/>
-              <a:t> </a:t>
-            </a:r>
-            <a:r>
-              <a:rPr lang="nl-BE" err="1"/>
-              <a:t>better</a:t>
-            </a:r>
-            <a:r>
-              <a:rPr lang="nl-BE"/>
-              <a:t> </a:t>
-            </a:r>
-            <a:r>
-              <a:rPr lang="nl-BE" err="1"/>
-              <a:t>and</a:t>
-            </a:r>
-            <a:r>
-              <a:rPr lang="nl-BE"/>
-              <a:t> we </a:t>
-            </a:r>
-            <a:r>
-              <a:rPr lang="nl-BE" err="1"/>
-              <a:t>can</a:t>
-            </a:r>
-            <a:r>
-              <a:rPr lang="nl-BE"/>
-              <a:t> go </a:t>
-            </a:r>
-            <a:r>
-              <a:rPr lang="nl-BE" err="1"/>
-              <a:t>further</a:t>
-            </a:r>
-            <a:r>
-              <a:rPr lang="nl-BE"/>
-              <a:t> </a:t>
-            </a:r>
-            <a:r>
-              <a:rPr lang="nl-BE" err="1"/>
-              <a:t>with</a:t>
-            </a:r>
-            <a:r>
-              <a:rPr lang="nl-BE"/>
-              <a:t> </a:t>
-            </a:r>
-            <a:r>
-              <a:rPr lang="nl-BE" err="1"/>
-              <a:t>the</a:t>
-            </a:r>
-            <a:r>
-              <a:rPr lang="nl-BE"/>
-              <a:t> </a:t>
-            </a:r>
-            <a:r>
-              <a:rPr lang="nl-BE" err="1"/>
-              <a:t>theory</a:t>
-            </a:r>
-            <a:endParaRPr lang="en-US"/>
+            <a:endParaRPr lang="en-US" dirty="0"/>
           </a:p>
         </p:txBody>
       </p:sp>
@@ -1394,119 +1058,7 @@
           <a:bodyPr/>
           <a:lstStyle/>
           <a:p>
-            <a:r>
-              <a:rPr lang="nl-BE"/>
-              <a:t>Small </a:t>
-            </a:r>
-            <a:r>
-              <a:rPr lang="nl-BE" err="1"/>
-              <a:t>exercise</a:t>
-            </a:r>
-            <a:r>
-              <a:rPr lang="nl-BE"/>
-              <a:t> </a:t>
-            </a:r>
-            <a:r>
-              <a:rPr lang="nl-BE" err="1"/>
-              <a:t>so</a:t>
-            </a:r>
-            <a:r>
-              <a:rPr lang="nl-BE"/>
-              <a:t> </a:t>
-            </a:r>
-            <a:r>
-              <a:rPr lang="nl-BE" err="1"/>
-              <a:t>that</a:t>
-            </a:r>
-            <a:r>
-              <a:rPr lang="nl-BE"/>
-              <a:t> </a:t>
-            </a:r>
-            <a:r>
-              <a:rPr lang="nl-BE" err="1"/>
-              <a:t>the</a:t>
-            </a:r>
-            <a:r>
-              <a:rPr lang="nl-BE"/>
-              <a:t> </a:t>
-            </a:r>
-            <a:r>
-              <a:rPr lang="nl-BE" err="1"/>
-              <a:t>students</a:t>
-            </a:r>
-            <a:r>
-              <a:rPr lang="nl-BE"/>
-              <a:t> </a:t>
-            </a:r>
-            <a:r>
-              <a:rPr lang="nl-BE" err="1"/>
-              <a:t>understand</a:t>
-            </a:r>
-            <a:r>
-              <a:rPr lang="nl-BE"/>
-              <a:t> </a:t>
-            </a:r>
-            <a:r>
-              <a:rPr lang="nl-BE" err="1"/>
-              <a:t>it</a:t>
-            </a:r>
-            <a:r>
-              <a:rPr lang="nl-BE"/>
-              <a:t> </a:t>
-            </a:r>
-            <a:r>
-              <a:rPr lang="nl-BE" err="1"/>
-              <a:t>better</a:t>
-            </a:r>
-            <a:r>
-              <a:rPr lang="nl-BE"/>
-              <a:t> </a:t>
-            </a:r>
-            <a:r>
-              <a:rPr lang="nl-BE" err="1"/>
-              <a:t>and</a:t>
-            </a:r>
-            <a:r>
-              <a:rPr lang="nl-BE"/>
-              <a:t> we </a:t>
-            </a:r>
-            <a:r>
-              <a:rPr lang="nl-BE" err="1"/>
-              <a:t>can</a:t>
-            </a:r>
-            <a:r>
-              <a:rPr lang="nl-BE"/>
-              <a:t> go </a:t>
-            </a:r>
-            <a:r>
-              <a:rPr lang="nl-BE" err="1"/>
-              <a:t>further</a:t>
-            </a:r>
-            <a:r>
-              <a:rPr lang="nl-BE"/>
-              <a:t> </a:t>
-            </a:r>
-            <a:r>
-              <a:rPr lang="nl-BE" err="1"/>
-              <a:t>with</a:t>
-            </a:r>
-            <a:r>
-              <a:rPr lang="nl-BE"/>
-              <a:t> </a:t>
-            </a:r>
-            <a:r>
-              <a:rPr lang="nl-BE" err="1"/>
-              <a:t>the</a:t>
-            </a:r>
-            <a:r>
-              <a:rPr lang="nl-BE"/>
-              <a:t> </a:t>
-            </a:r>
-            <a:r>
-              <a:rPr lang="nl-BE" err="1"/>
-              <a:t>theory</a:t>
-            </a:r>
-            <a:endParaRPr lang="en-US"/>
+            <a:endParaRPr lang="en-US" dirty="0"/>
           </a:p>
         </p:txBody>
       </p:sp>
@@ -1870,119 +1422,7 @@
           <a:bodyPr/>
           <a:lstStyle/>
           <a:p>
-            <a:r>
-              <a:rPr lang="nl-BE"/>
-              <a:t>Small </a:t>
-            </a:r>
-            <a:r>
-              <a:rPr lang="nl-BE" err="1"/>
-              <a:t>exercise</a:t>
-            </a:r>
-            <a:r>
-              <a:rPr lang="nl-BE"/>
-              <a:t> </a:t>
-            </a:r>
-            <a:r>
-              <a:rPr lang="nl-BE" err="1"/>
-              <a:t>so</a:t>
-            </a:r>
-            <a:r>
-              <a:rPr lang="nl-BE"/>
-              <a:t> </a:t>
-            </a:r>
-            <a:r>
-              <a:rPr lang="nl-BE" err="1"/>
-              <a:t>that</a:t>
-            </a:r>
-            <a:r>
-              <a:rPr lang="nl-BE"/>
-              <a:t> </a:t>
-            </a:r>
-            <a:r>
-              <a:rPr lang="nl-BE" err="1"/>
-              <a:t>the</a:t>
-            </a:r>
-            <a:r>
-              <a:rPr lang="nl-BE"/>
-              <a:t> </a:t>
-            </a:r>
-            <a:r>
-              <a:rPr lang="nl-BE" err="1"/>
-              <a:t>students</a:t>
-            </a:r>
-            <a:r>
-              <a:rPr lang="nl-BE"/>
-              <a:t> </a:t>
-            </a:r>
-            <a:r>
-              <a:rPr lang="nl-BE" err="1"/>
-              <a:t>understand</a:t>
-            </a:r>
-            <a:r>
-              <a:rPr lang="nl-BE"/>
-              <a:t> </a:t>
-            </a:r>
-            <a:r>
-              <a:rPr lang="nl-BE" err="1"/>
-              <a:t>it</a:t>
-            </a:r>
-            <a:r>
-              <a:rPr lang="nl-BE"/>
-              <a:t> </a:t>
-            </a:r>
-            <a:r>
-              <a:rPr lang="nl-BE" err="1"/>
-              <a:t>better</a:t>
-            </a:r>
-            <a:r>
-              <a:rPr lang="nl-BE"/>
-              <a:t> </a:t>
-            </a:r>
-            <a:r>
-              <a:rPr lang="nl-BE" err="1"/>
-              <a:t>and</a:t>
-            </a:r>
-            <a:r>
-              <a:rPr lang="nl-BE"/>
-              <a:t> we </a:t>
-            </a:r>
-            <a:r>
-              <a:rPr lang="nl-BE" err="1"/>
-              <a:t>can</a:t>
-            </a:r>
-            <a:r>
-              <a:rPr lang="nl-BE"/>
-              <a:t> go </a:t>
-            </a:r>
-            <a:r>
-              <a:rPr lang="nl-BE" err="1"/>
-              <a:t>further</a:t>
-            </a:r>
-            <a:r>
-              <a:rPr lang="nl-BE"/>
-              <a:t> </a:t>
-            </a:r>
-            <a:r>
-              <a:rPr lang="nl-BE" err="1"/>
-              <a:t>with</a:t>
-            </a:r>
-            <a:r>
-              <a:rPr lang="nl-BE"/>
-              <a:t> </a:t>
-            </a:r>
-            <a:r>
-              <a:rPr lang="nl-BE" err="1"/>
-              <a:t>the</a:t>
-            </a:r>
-            <a:r>
-              <a:rPr lang="nl-BE"/>
-              <a:t> </a:t>
-            </a:r>
-            <a:r>
-              <a:rPr lang="nl-BE" err="1"/>
-              <a:t>theory</a:t>
-            </a:r>
-            <a:endParaRPr lang="en-US"/>
+            <a:endParaRPr lang="en-US" dirty="0"/>
           </a:p>
         </p:txBody>
       </p:sp>
@@ -2066,119 +1506,7 @@
           <a:bodyPr/>
           <a:lstStyle/>
           <a:p>
-            <a:r>
-              <a:rPr lang="nl-BE"/>
-              <a:t>Small </a:t>
-            </a:r>
-            <a:r>
-              <a:rPr lang="nl-BE" err="1"/>
-              <a:t>exercise</a:t>
-            </a:r>
-            <a:r>
-              <a:rPr lang="nl-BE"/>
-              <a:t> </a:t>
-            </a:r>
-            <a:r>
-              <a:rPr lang="nl-BE" err="1"/>
-              <a:t>so</a:t>
-            </a:r>
-            <a:r>
-              <a:rPr lang="nl-BE"/>
-              <a:t> </a:t>
-            </a:r>
-            <a:r>
-              <a:rPr lang="nl-BE" err="1"/>
-              <a:t>that</a:t>
-            </a:r>
-            <a:r>
-              <a:rPr lang="nl-BE"/>
-              <a:t> </a:t>
-            </a:r>
-            <a:r>
-              <a:rPr lang="nl-BE" err="1"/>
-              <a:t>the</a:t>
-            </a:r>
-            <a:r>
-              <a:rPr lang="nl-BE"/>
-              <a:t> </a:t>
-            </a:r>
-            <a:r>
-              <a:rPr lang="nl-BE" err="1"/>
-              <a:t>students</a:t>
-            </a:r>
-            <a:r>
-              <a:rPr lang="nl-BE"/>
-              <a:t> </a:t>
-            </a:r>
-            <a:r>
-              <a:rPr lang="nl-BE" err="1"/>
-              <a:t>understand</a:t>
-            </a:r>
-            <a:r>
-              <a:rPr lang="nl-BE"/>
-              <a:t> </a:t>
-            </a:r>
-            <a:r>
-              <a:rPr lang="nl-BE" err="1"/>
-              <a:t>it</a:t>
-            </a:r>
-            <a:r>
-              <a:rPr lang="nl-BE"/>
-              <a:t> </a:t>
-            </a:r>
-            <a:r>
-              <a:rPr lang="nl-BE" err="1"/>
-              <a:t>better</a:t>
-            </a:r>
-            <a:r>
-              <a:rPr lang="nl-BE"/>
-              <a:t> </a:t>
-            </a:r>
-            <a:r>
-              <a:rPr lang="nl-BE" err="1"/>
-              <a:t>and</a:t>
-            </a:r>
-            <a:r>
-              <a:rPr lang="nl-BE"/>
-              <a:t> we </a:t>
-            </a:r>
-            <a:r>
-              <a:rPr lang="nl-BE" err="1"/>
-              <a:t>can</a:t>
-            </a:r>
-            <a:r>
-              <a:rPr lang="nl-BE"/>
-              <a:t> go </a:t>
-            </a:r>
-            <a:r>
-              <a:rPr lang="nl-BE" err="1"/>
-              <a:t>further</a:t>
-            </a:r>
-            <a:r>
-              <a:rPr lang="nl-BE"/>
-              <a:t> </a:t>
-            </a:r>
-            <a:r>
-              <a:rPr lang="nl-BE" err="1"/>
-              <a:t>with</a:t>
-            </a:r>
-            <a:r>
-              <a:rPr lang="nl-BE"/>
-              <a:t> </a:t>
-            </a:r>
-            <a:r>
-              <a:rPr lang="nl-BE" err="1"/>
-              <a:t>the</a:t>
-            </a:r>
-            <a:r>
-              <a:rPr lang="nl-BE"/>
-              <a:t> </a:t>
-            </a:r>
-            <a:r>
-              <a:rPr lang="nl-BE" err="1"/>
-              <a:t>theory</a:t>
-            </a:r>
-            <a:endParaRPr lang="en-US"/>
+            <a:endParaRPr lang="en-US" dirty="0"/>
           </a:p>
         </p:txBody>
       </p:sp>
@@ -2346,119 +1674,7 @@
           <a:bodyPr/>
           <a:lstStyle/>
           <a:p>
-            <a:r>
-              <a:rPr lang="nl-BE"/>
-              <a:t>Small </a:t>
-            </a:r>
-            <a:r>
-              <a:rPr lang="nl-BE" err="1"/>
-              <a:t>exercise</a:t>
-            </a:r>
-            <a:r>
-              <a:rPr lang="nl-BE"/>
-              <a:t> </a:t>
-            </a:r>
-            <a:r>
-              <a:rPr lang="nl-BE" err="1"/>
-              <a:t>so</a:t>
-            </a:r>
-            <a:r>
-              <a:rPr lang="nl-BE"/>
-              <a:t> </a:t>
-            </a:r>
-            <a:r>
-              <a:rPr lang="nl-BE" err="1"/>
-              <a:t>that</a:t>
-            </a:r>
-            <a:r>
-              <a:rPr lang="nl-BE"/>
-              <a:t> </a:t>
-            </a:r>
-            <a:r>
-              <a:rPr lang="nl-BE" err="1"/>
-              <a:t>the</a:t>
-            </a:r>
-            <a:r>
-              <a:rPr lang="nl-BE"/>
-              <a:t> </a:t>
-            </a:r>
-            <a:r>
-              <a:rPr lang="nl-BE" err="1"/>
-              <a:t>students</a:t>
-            </a:r>
-            <a:r>
-              <a:rPr lang="nl-BE"/>
-              <a:t> </a:t>
-            </a:r>
-            <a:r>
-              <a:rPr lang="nl-BE" err="1"/>
-              <a:t>understand</a:t>
-            </a:r>
-            <a:r>
-              <a:rPr lang="nl-BE"/>
-              <a:t> </a:t>
-            </a:r>
-            <a:r>
-              <a:rPr lang="nl-BE" err="1"/>
-              <a:t>it</a:t>
-            </a:r>
-            <a:r>
-              <a:rPr lang="nl-BE"/>
-              <a:t> </a:t>
-            </a:r>
-            <a:r>
-              <a:rPr lang="nl-BE" err="1"/>
-              <a:t>better</a:t>
-            </a:r>
-            <a:r>
-              <a:rPr lang="nl-BE"/>
-              <a:t> </a:t>
-            </a:r>
-            <a:r>
-              <a:rPr lang="nl-BE" err="1"/>
-              <a:t>and</a:t>
-            </a:r>
-            <a:r>
-              <a:rPr lang="nl-BE"/>
-              <a:t> we </a:t>
-            </a:r>
-            <a:r>
-              <a:rPr lang="nl-BE" err="1"/>
-              <a:t>can</a:t>
-            </a:r>
-            <a:r>
-              <a:rPr lang="nl-BE"/>
-              <a:t> go </a:t>
-            </a:r>
-            <a:r>
-              <a:rPr lang="nl-BE" err="1"/>
-              <a:t>further</a:t>
-            </a:r>
-            <a:r>
-              <a:rPr lang="nl-BE"/>
-              <a:t> </a:t>
-            </a:r>
-            <a:r>
-              <a:rPr lang="nl-BE" err="1"/>
-              <a:t>with</a:t>
-            </a:r>
-            <a:r>
-              <a:rPr lang="nl-BE"/>
-              <a:t> </a:t>
-            </a:r>
-            <a:r>
-              <a:rPr lang="nl-BE" err="1"/>
-              <a:t>the</a:t>
-            </a:r>
-            <a:r>
-              <a:rPr lang="nl-BE"/>
-              <a:t> </a:t>
-            </a:r>
-            <a:r>
-              <a:rPr lang="nl-BE" err="1"/>
-              <a:t>theory</a:t>
-            </a:r>
-            <a:endParaRPr lang="en-US"/>
+            <a:endParaRPr lang="en-US" dirty="0"/>
           </a:p>
         </p:txBody>
       </p:sp>
@@ -10565,7 +9781,7 @@
           </a:ln>
           <a:extLst>
             <a:ext uri="{C572A759-6A51-4108-AA02-DFA0A04FC94B}">
-              <ma14:wrappingTextBoxFlag xmlns:ma14="http://schemas.microsoft.com/office/mac/drawingml/2011/main" xmlns="" val="1"/>
+              <ma14:wrappingTextBoxFlag xmlns="" xmlns:ma14="http://schemas.microsoft.com/office/mac/drawingml/2011/main" val="1"/>
             </a:ext>
           </a:extLst>
         </p:spPr>
@@ -11255,7 +10471,7 @@
           </a:ln>
           <a:extLst>
             <a:ext uri="{C572A759-6A51-4108-AA02-DFA0A04FC94B}">
-              <ma14:wrappingTextBoxFlag xmlns:ma14="http://schemas.microsoft.com/office/mac/drawingml/2011/main" xmlns="" val="1"/>
+              <ma14:wrappingTextBoxFlag xmlns="" xmlns:ma14="http://schemas.microsoft.com/office/mac/drawingml/2011/main" val="1"/>
             </a:ext>
           </a:extLst>
         </p:spPr>
@@ -11601,7 +10817,7 @@
           </a:ln>
           <a:extLst>
             <a:ext uri="{C572A759-6A51-4108-AA02-DFA0A04FC94B}">
-              <ma14:wrappingTextBoxFlag xmlns:ma14="http://schemas.microsoft.com/office/mac/drawingml/2011/main" xmlns="" val="1"/>
+              <ma14:wrappingTextBoxFlag xmlns="" xmlns:ma14="http://schemas.microsoft.com/office/mac/drawingml/2011/main" val="1"/>
             </a:ext>
           </a:extLst>
         </p:spPr>
@@ -12265,7 +11481,7 @@
           </a:ln>
           <a:extLst>
             <a:ext uri="{C572A759-6A51-4108-AA02-DFA0A04FC94B}">
-              <ma14:wrappingTextBoxFlag xmlns:ma14="http://schemas.microsoft.com/office/mac/drawingml/2011/main" xmlns="" val="1"/>
+              <ma14:wrappingTextBoxFlag xmlns="" xmlns:ma14="http://schemas.microsoft.com/office/mac/drawingml/2011/main" val="1"/>
             </a:ext>
           </a:extLst>
         </p:spPr>
@@ -13126,7 +12342,7 @@
           </a:ln>
           <a:extLst>
             <a:ext uri="{C572A759-6A51-4108-AA02-DFA0A04FC94B}">
-              <ma14:wrappingTextBoxFlag xmlns:ma14="http://schemas.microsoft.com/office/mac/drawingml/2011/main" xmlns="" val="1"/>
+              <ma14:wrappingTextBoxFlag xmlns="" xmlns:ma14="http://schemas.microsoft.com/office/mac/drawingml/2011/main" val="1"/>
             </a:ext>
           </a:extLst>
         </p:spPr>
@@ -13936,7 +13152,7 @@
           </a:ln>
           <a:extLst>
             <a:ext uri="{C572A759-6A51-4108-AA02-DFA0A04FC94B}">
-              <ma14:wrappingTextBoxFlag xmlns:ma14="http://schemas.microsoft.com/office/mac/drawingml/2011/main" xmlns="" val="1"/>
+              <ma14:wrappingTextBoxFlag xmlns="" xmlns:ma14="http://schemas.microsoft.com/office/mac/drawingml/2011/main" val="1"/>
             </a:ext>
           </a:extLst>
         </p:spPr>
@@ -14274,7 +13490,7 @@
           </a:ln>
           <a:extLst>
             <a:ext uri="{C572A759-6A51-4108-AA02-DFA0A04FC94B}">
-              <ma14:wrappingTextBoxFlag xmlns:ma14="http://schemas.microsoft.com/office/mac/drawingml/2011/main" xmlns="" val="1"/>
+              <ma14:wrappingTextBoxFlag xmlns="" xmlns:ma14="http://schemas.microsoft.com/office/mac/drawingml/2011/main" val="1"/>
             </a:ext>
           </a:extLst>
         </p:spPr>
@@ -15049,7 +14265,7 @@
           </a:ln>
           <a:extLst>
             <a:ext uri="{C572A759-6A51-4108-AA02-DFA0A04FC94B}">
-              <ma14:wrappingTextBoxFlag xmlns:ma14="http://schemas.microsoft.com/office/mac/drawingml/2011/main" xmlns="" val="1"/>
+              <ma14:wrappingTextBoxFlag xmlns="" xmlns:ma14="http://schemas.microsoft.com/office/mac/drawingml/2011/main" val="1"/>
             </a:ext>
           </a:extLst>
         </p:spPr>
@@ -17848,7 +17064,7 @@
           </a:ln>
           <a:extLst>
             <a:ext uri="{C572A759-6A51-4108-AA02-DFA0A04FC94B}">
-              <ma14:wrappingTextBoxFlag xmlns:ma14="http://schemas.microsoft.com/office/mac/drawingml/2011/main" xmlns="" val="1"/>
+              <ma14:wrappingTextBoxFlag xmlns="" xmlns:ma14="http://schemas.microsoft.com/office/mac/drawingml/2011/main" val="1"/>
             </a:ext>
           </a:extLst>
         </p:spPr>
@@ -18986,7 +18202,7 @@
           </a:ln>
           <a:extLst>
             <a:ext uri="{C572A759-6A51-4108-AA02-DFA0A04FC94B}">
-              <ma14:wrappingTextBoxFlag xmlns:ma14="http://schemas.microsoft.com/office/mac/drawingml/2011/main" xmlns="" val="1"/>
+              <ma14:wrappingTextBoxFlag xmlns="" xmlns:ma14="http://schemas.microsoft.com/office/mac/drawingml/2011/main" val="1"/>
             </a:ext>
           </a:extLst>
         </p:spPr>
@@ -20344,7 +19560,7 @@
           </a:ln>
           <a:extLst>
             <a:ext uri="{C572A759-6A51-4108-AA02-DFA0A04FC94B}">
-              <ma14:wrappingTextBoxFlag xmlns:ma14="http://schemas.microsoft.com/office/mac/drawingml/2011/main" xmlns="" val="1"/>
+              <ma14:wrappingTextBoxFlag xmlns="" xmlns:ma14="http://schemas.microsoft.com/office/mac/drawingml/2011/main" val="1"/>
             </a:ext>
           </a:extLst>
         </p:spPr>
@@ -21512,7 +20728,7 @@
           </a:ln>
           <a:extLst>
             <a:ext uri="{C572A759-6A51-4108-AA02-DFA0A04FC94B}">
-              <ma14:wrappingTextBoxFlag xmlns:ma14="http://schemas.microsoft.com/office/mac/drawingml/2011/main" xmlns="" val="1"/>
+              <ma14:wrappingTextBoxFlag xmlns="" xmlns:ma14="http://schemas.microsoft.com/office/mac/drawingml/2011/main" val="1"/>
             </a:ext>
           </a:extLst>
         </p:spPr>
@@ -22208,7 +21424,7 @@
           </a:ln>
           <a:extLst>
             <a:ext uri="{C572A759-6A51-4108-AA02-DFA0A04FC94B}">
-              <ma14:wrappingTextBoxFlag xmlns:ma14="http://schemas.microsoft.com/office/mac/drawingml/2011/main" xmlns="" val="1"/>
+              <ma14:wrappingTextBoxFlag xmlns="" xmlns:ma14="http://schemas.microsoft.com/office/mac/drawingml/2011/main" val="1"/>
             </a:ext>
           </a:extLst>
         </p:spPr>
@@ -23376,7 +22592,7 @@
           </a:ln>
           <a:extLst>
             <a:ext uri="{C572A759-6A51-4108-AA02-DFA0A04FC94B}">
-              <ma14:wrappingTextBoxFlag xmlns:ma14="http://schemas.microsoft.com/office/mac/drawingml/2011/main" xmlns="" val="1"/>
+              <ma14:wrappingTextBoxFlag xmlns="" xmlns:ma14="http://schemas.microsoft.com/office/mac/drawingml/2011/main" val="1"/>
             </a:ext>
           </a:extLst>
         </p:spPr>
@@ -25030,7 +24246,7 @@
             </a:lvl9pPr>
           </a:lstStyle>
           <a:p>
-            <a:pPr marL="0" indent="0" algn="l">
+            <a:pPr marL="0" indent="0" algn="just">
               <a:buNone/>
             </a:pPr>
             <a:r>
@@ -25045,7 +24261,7 @@
                 <a:effectLst/>
                 <a:latin typeface="_"/>
               </a:rPr>
-              <a:t> are methods that iterate collections like lists, tuples, etc. Using an iterator method, we can loop through an object and return its elements.</a:t>
+              <a:t> are methods that iterate collections like lists, tuples, dictionaries, etc. Using an iterator method, we can loop through an object and return its elements.</a:t>
             </a:r>
           </a:p>
         </p:txBody>
@@ -25575,7 +24791,7 @@
           </a:ln>
           <a:extLst>
             <a:ext uri="{C572A759-6A51-4108-AA02-DFA0A04FC94B}">
-              <ma14:wrappingTextBoxFlag xmlns:ma14="http://schemas.microsoft.com/office/mac/drawingml/2011/main" xmlns="" val="1"/>
+              <ma14:wrappingTextBoxFlag xmlns="" xmlns:ma14="http://schemas.microsoft.com/office/mac/drawingml/2011/main" val="1"/>
             </a:ext>
           </a:extLst>
         </p:spPr>
@@ -26835,7 +26051,7 @@
           </a:ln>
           <a:extLst>
             <a:ext uri="{C572A759-6A51-4108-AA02-DFA0A04FC94B}">
-              <ma14:wrappingTextBoxFlag xmlns:ma14="http://schemas.microsoft.com/office/mac/drawingml/2011/main" xmlns="" val="1"/>
+              <ma14:wrappingTextBoxFlag xmlns="" xmlns:ma14="http://schemas.microsoft.com/office/mac/drawingml/2011/main" val="1"/>
             </a:ext>
           </a:extLst>
         </p:spPr>
@@ -28647,7 +27863,7 @@
           </a:ln>
           <a:extLst>
             <a:ext uri="{C572A759-6A51-4108-AA02-DFA0A04FC94B}">
-              <ma14:wrappingTextBoxFlag xmlns:ma14="http://schemas.microsoft.com/office/mac/drawingml/2011/main" xmlns="" val="1"/>
+              <ma14:wrappingTextBoxFlag xmlns="" xmlns:ma14="http://schemas.microsoft.com/office/mac/drawingml/2011/main" val="1"/>
             </a:ext>
           </a:extLst>
         </p:spPr>
@@ -29601,7 +28817,7 @@
           </a:ln>
           <a:extLst>
             <a:ext uri="{C572A759-6A51-4108-AA02-DFA0A04FC94B}">
-              <ma14:wrappingTextBoxFlag xmlns:ma14="http://schemas.microsoft.com/office/mac/drawingml/2011/main" xmlns="" val="1"/>
+              <ma14:wrappingTextBoxFlag xmlns="" xmlns:ma14="http://schemas.microsoft.com/office/mac/drawingml/2011/main" val="1"/>
             </a:ext>
           </a:extLst>
         </p:spPr>
@@ -30112,7 +29328,7 @@
           </a:ln>
           <a:extLst>
             <a:ext uri="{C572A759-6A51-4108-AA02-DFA0A04FC94B}">
-              <ma14:wrappingTextBoxFlag xmlns:ma14="http://schemas.microsoft.com/office/mac/drawingml/2011/main" xmlns="" val="1"/>
+              <ma14:wrappingTextBoxFlag xmlns="" xmlns:ma14="http://schemas.microsoft.com/office/mac/drawingml/2011/main" val="1"/>
             </a:ext>
           </a:extLst>
         </p:spPr>
@@ -31036,7 +30252,7 @@
           </a:ln>
           <a:extLst>
             <a:ext uri="{C572A759-6A51-4108-AA02-DFA0A04FC94B}">
-              <ma14:wrappingTextBoxFlag xmlns:ma14="http://schemas.microsoft.com/office/mac/drawingml/2011/main" xmlns="" val="1"/>
+              <ma14:wrappingTextBoxFlag xmlns="" xmlns:ma14="http://schemas.microsoft.com/office/mac/drawingml/2011/main" val="1"/>
             </a:ext>
           </a:extLst>
         </p:spPr>
@@ -31472,7 +30688,7 @@
           </a:ln>
           <a:extLst>
             <a:ext uri="{C572A759-6A51-4108-AA02-DFA0A04FC94B}">
-              <ma14:wrappingTextBoxFlag xmlns:ma14="http://schemas.microsoft.com/office/mac/drawingml/2011/main" xmlns="" val="1"/>
+              <ma14:wrappingTextBoxFlag xmlns="" xmlns:ma14="http://schemas.microsoft.com/office/mac/drawingml/2011/main" val="1"/>
             </a:ext>
           </a:extLst>
         </p:spPr>
@@ -31964,7 +31180,7 @@
           </a:ln>
           <a:extLst>
             <a:ext uri="{C572A759-6A51-4108-AA02-DFA0A04FC94B}">
-              <ma14:wrappingTextBoxFlag xmlns:ma14="http://schemas.microsoft.com/office/mac/drawingml/2011/main" xmlns="" val="1"/>
+              <ma14:wrappingTextBoxFlag xmlns="" xmlns:ma14="http://schemas.microsoft.com/office/mac/drawingml/2011/main" val="1"/>
             </a:ext>
           </a:extLst>
         </p:spPr>
@@ -33941,7 +33157,7 @@
           </a:ln>
           <a:extLst>
             <a:ext uri="{C572A759-6A51-4108-AA02-DFA0A04FC94B}">
-              <ma14:wrappingTextBoxFlag xmlns:ma14="http://schemas.microsoft.com/office/mac/drawingml/2011/main" xmlns="" val="1"/>
+              <ma14:wrappingTextBoxFlag xmlns="" xmlns:ma14="http://schemas.microsoft.com/office/mac/drawingml/2011/main" val="1"/>
             </a:ext>
           </a:extLst>
         </p:spPr>
@@ -34564,7 +33780,7 @@
           </a:ln>
           <a:extLst>
             <a:ext uri="{C572A759-6A51-4108-AA02-DFA0A04FC94B}">
-              <ma14:wrappingTextBoxFlag xmlns:ma14="http://schemas.microsoft.com/office/mac/drawingml/2011/main" xmlns="" val="1"/>
+              <ma14:wrappingTextBoxFlag xmlns="" xmlns:ma14="http://schemas.microsoft.com/office/mac/drawingml/2011/main" val="1"/>
             </a:ext>
           </a:extLst>
         </p:spPr>
@@ -35360,7 +34576,7 @@
           </a:ln>
           <a:extLst>
             <a:ext uri="{C572A759-6A51-4108-AA02-DFA0A04FC94B}">
-              <ma14:wrappingTextBoxFlag xmlns:ma14="http://schemas.microsoft.com/office/mac/drawingml/2011/main" xmlns="" val="1"/>
+              <ma14:wrappingTextBoxFlag xmlns="" xmlns:ma14="http://schemas.microsoft.com/office/mac/drawingml/2011/main" val="1"/>
             </a:ext>
           </a:extLst>
         </p:spPr>
@@ -35929,7 +35145,7 @@
           </a:ln>
           <a:extLst>
             <a:ext uri="{C572A759-6A51-4108-AA02-DFA0A04FC94B}">
-              <ma14:wrappingTextBoxFlag xmlns:ma14="http://schemas.microsoft.com/office/mac/drawingml/2011/main" xmlns="" val="1"/>
+              <ma14:wrappingTextBoxFlag xmlns="" xmlns:ma14="http://schemas.microsoft.com/office/mac/drawingml/2011/main" val="1"/>
             </a:ext>
           </a:extLst>
         </p:spPr>
@@ -37328,7 +36544,7 @@
           </a:ln>
           <a:extLst>
             <a:ext uri="{C572A759-6A51-4108-AA02-DFA0A04FC94B}">
-              <ma14:wrappingTextBoxFlag xmlns:ma14="http://schemas.microsoft.com/office/mac/drawingml/2011/main" xmlns="" val="1"/>
+              <ma14:wrappingTextBoxFlag xmlns="" xmlns:ma14="http://schemas.microsoft.com/office/mac/drawingml/2011/main" val="1"/>
             </a:ext>
           </a:extLst>
         </p:spPr>
@@ -38636,7 +37852,7 @@
           </a:ln>
           <a:extLst>
             <a:ext uri="{C572A759-6A51-4108-AA02-DFA0A04FC94B}">
-              <ma14:wrappingTextBoxFlag xmlns:ma14="http://schemas.microsoft.com/office/mac/drawingml/2011/main" xmlns="" val="1"/>
+              <ma14:wrappingTextBoxFlag xmlns="" xmlns:ma14="http://schemas.microsoft.com/office/mac/drawingml/2011/main" val="1"/>
             </a:ext>
           </a:extLst>
         </p:spPr>
@@ -39883,7 +39099,7 @@
           </a:ln>
           <a:extLst>
             <a:ext uri="{C572A759-6A51-4108-AA02-DFA0A04FC94B}">
-              <ma14:wrappingTextBoxFlag xmlns:ma14="http://schemas.microsoft.com/office/mac/drawingml/2011/main" xmlns="" val="1"/>
+              <ma14:wrappingTextBoxFlag xmlns="" xmlns:ma14="http://schemas.microsoft.com/office/mac/drawingml/2011/main" val="1"/>
             </a:ext>
           </a:extLst>
         </p:spPr>
@@ -40572,7 +39788,7 @@
           </a:ln>
           <a:extLst>
             <a:ext uri="{C572A759-6A51-4108-AA02-DFA0A04FC94B}">
-              <ma14:wrappingTextBoxFlag xmlns:ma14="http://schemas.microsoft.com/office/mac/drawingml/2011/main" xmlns="" val="1"/>
+              <ma14:wrappingTextBoxFlag xmlns="" xmlns:ma14="http://schemas.microsoft.com/office/mac/drawingml/2011/main" val="1"/>
             </a:ext>
           </a:extLst>
         </p:spPr>
@@ -41788,7 +41004,7 @@
           </a:ln>
           <a:extLst>
             <a:ext uri="{C572A759-6A51-4108-AA02-DFA0A04FC94B}">
-              <ma14:wrappingTextBoxFlag xmlns:ma14="http://schemas.microsoft.com/office/mac/drawingml/2011/main" xmlns="" val="1"/>
+              <ma14:wrappingTextBoxFlag xmlns="" xmlns:ma14="http://schemas.microsoft.com/office/mac/drawingml/2011/main" val="1"/>
             </a:ext>
           </a:extLst>
         </p:spPr>
@@ -42946,7 +42162,7 @@
           </a:ln>
           <a:extLst>
             <a:ext uri="{C572A759-6A51-4108-AA02-DFA0A04FC94B}">
-              <ma14:wrappingTextBoxFlag xmlns:ma14="http://schemas.microsoft.com/office/mac/drawingml/2011/main" xmlns="" val="1"/>
+              <ma14:wrappingTextBoxFlag xmlns="" xmlns:ma14="http://schemas.microsoft.com/office/mac/drawingml/2011/main" val="1"/>
             </a:ext>
           </a:extLst>
         </p:spPr>
@@ -43589,7 +42805,7 @@
           </a:ln>
           <a:extLst>
             <a:ext uri="{C572A759-6A51-4108-AA02-DFA0A04FC94B}">
-              <ma14:wrappingTextBoxFlag xmlns:ma14="http://schemas.microsoft.com/office/mac/drawingml/2011/main" xmlns="" val="1"/>
+              <ma14:wrappingTextBoxFlag xmlns="" xmlns:ma14="http://schemas.microsoft.com/office/mac/drawingml/2011/main" val="1"/>
             </a:ext>
           </a:extLst>
         </p:spPr>
@@ -44387,23 +43603,7 @@
                   <a:srgbClr val="FF0000"/>
                 </a:solidFill>
               </a:rPr>
-              <a:t>Using List </a:t>
-            </a:r>
-            <a:r>
-              <a:rPr lang="en-US" b="1" dirty="0" err="1">
-                <a:solidFill>
-                  <a:srgbClr val="FF0000"/>
-                </a:solidFill>
-              </a:rPr>
-              <a:t>comeprehension</a:t>
-            </a:r>
-            <a:r>
-              <a:rPr lang="en-US" b="1" dirty="0">
-                <a:solidFill>
-                  <a:srgbClr val="FF0000"/>
-                </a:solidFill>
-              </a:rPr>
-              <a:t>:</a:t>
+              <a:t>Using List comprehension:</a:t>
             </a:r>
           </a:p>
           <a:p>
@@ -46326,7 +45526,7 @@
           </a:ln>
           <a:extLst>
             <a:ext uri="{C572A759-6A51-4108-AA02-DFA0A04FC94B}">
-              <ma14:wrappingTextBoxFlag xmlns:ma14="http://schemas.microsoft.com/office/mac/drawingml/2011/main" xmlns="" val="1"/>
+              <ma14:wrappingTextBoxFlag xmlns="" xmlns:ma14="http://schemas.microsoft.com/office/mac/drawingml/2011/main" val="1"/>
             </a:ext>
           </a:extLst>
         </p:spPr>
@@ -47205,7 +46405,7 @@
           </a:ln>
           <a:extLst>
             <a:ext uri="{C572A759-6A51-4108-AA02-DFA0A04FC94B}">
-              <ma14:wrappingTextBoxFlag xmlns:ma14="http://schemas.microsoft.com/office/mac/drawingml/2011/main" xmlns="" val="1"/>
+              <ma14:wrappingTextBoxFlag xmlns="" xmlns:ma14="http://schemas.microsoft.com/office/mac/drawingml/2011/main" val="1"/>
             </a:ext>
           </a:extLst>
         </p:spPr>
@@ -48348,7 +47548,7 @@
           </a:ln>
           <a:extLst>
             <a:ext uri="{C572A759-6A51-4108-AA02-DFA0A04FC94B}">
-              <ma14:wrappingTextBoxFlag xmlns:ma14="http://schemas.microsoft.com/office/mac/drawingml/2011/main" xmlns="" val="1"/>
+              <ma14:wrappingTextBoxFlag xmlns="" xmlns:ma14="http://schemas.microsoft.com/office/mac/drawingml/2011/main" val="1"/>
             </a:ext>
           </a:extLst>
         </p:spPr>
@@ -49162,7 +48362,7 @@
           </a:ln>
           <a:extLst>
             <a:ext uri="{C572A759-6A51-4108-AA02-DFA0A04FC94B}">
-              <ma14:wrappingTextBoxFlag xmlns:ma14="http://schemas.microsoft.com/office/mac/drawingml/2011/main" xmlns="" val="1"/>
+              <ma14:wrappingTextBoxFlag xmlns="" xmlns:ma14="http://schemas.microsoft.com/office/mac/drawingml/2011/main" val="1"/>
             </a:ext>
           </a:extLst>
         </p:spPr>
@@ -49511,7 +48711,7 @@
           </a:ln>
           <a:extLst>
             <a:ext uri="{C572A759-6A51-4108-AA02-DFA0A04FC94B}">
-              <ma14:wrappingTextBoxFlag xmlns:ma14="http://schemas.microsoft.com/office/mac/drawingml/2011/main" xmlns="" val="1"/>
+              <ma14:wrappingTextBoxFlag xmlns="" xmlns:ma14="http://schemas.microsoft.com/office/mac/drawingml/2011/main" val="1"/>
             </a:ext>
           </a:extLst>
         </p:spPr>
@@ -50201,7 +49401,7 @@
           </a:ln>
           <a:extLst>
             <a:ext uri="{C572A759-6A51-4108-AA02-DFA0A04FC94B}">
-              <ma14:wrappingTextBoxFlag xmlns:ma14="http://schemas.microsoft.com/office/mac/drawingml/2011/main" xmlns="" val="1"/>
+              <ma14:wrappingTextBoxFlag xmlns="" xmlns:ma14="http://schemas.microsoft.com/office/mac/drawingml/2011/main" val="1"/>
             </a:ext>
           </a:extLst>
         </p:spPr>
@@ -51123,15 +50323,6 @@
 </file>
 
 <file path=customXml/item1.xml><?xml version="1.0" encoding="utf-8"?>
-<?mso-contentType ?>
-<FormTemplates xmlns="http://schemas.microsoft.com/sharepoint/v3/contenttype/forms">
-  <Display>DocumentLibraryForm</Display>
-  <Edit>DocumentLibraryForm</Edit>
-  <New>DocumentLibraryForm</New>
-</FormTemplates>
-</file>
-
-<file path=customXml/item2.xml><?xml version="1.0" encoding="utf-8"?>
 <ct:contentTypeSchema xmlns:ct="http://schemas.microsoft.com/office/2006/metadata/contentType" xmlns:ma="http://schemas.microsoft.com/office/2006/metadata/properties/metaAttributes" ct:_="" ma:_="" ma:contentTypeName="Document" ma:contentTypeID="0x010100F1325F46957A7D4694A8ACC888AA2621" ma:contentTypeVersion="7" ma:contentTypeDescription="Een nieuw document maken." ma:contentTypeScope="" ma:versionID="14c5700b56297cf9c66eff42b9f64bd4">
   <xsd:schema xmlns:xsd="http://www.w3.org/2001/XMLSchema" xmlns:xs="http://www.w3.org/2001/XMLSchema" xmlns:p="http://schemas.microsoft.com/office/2006/metadata/properties" xmlns:ns2="9b614674-bb2d-4c45-94ea-39f42762d3ae" targetNamespace="http://schemas.microsoft.com/office/2006/metadata/properties" ma:root="true" ma:fieldsID="4e421ba7028bb8b9c0acf45abfb7d816" ns2:_="">
     <xsd:import namespace="9b614674-bb2d-4c45-94ea-39f42762d3ae"/>
@@ -51291,6 +50482,15 @@
 </ct:contentTypeSchema>
 </file>
 
+<file path=customXml/item2.xml><?xml version="1.0" encoding="utf-8"?>
+<?mso-contentType ?>
+<FormTemplates xmlns="http://schemas.microsoft.com/sharepoint/v3/contenttype/forms">
+  <Display>DocumentLibraryForm</Display>
+  <Edit>DocumentLibraryForm</Edit>
+  <New>DocumentLibraryForm</New>
+</FormTemplates>
+</file>
+
 <file path=customXml/item3.xml><?xml version="1.0" encoding="utf-8"?>
 <p:properties xmlns:p="http://schemas.microsoft.com/office/2006/metadata/properties" xmlns:xsi="http://www.w3.org/2001/XMLSchema-instance" xmlns:pc="http://schemas.microsoft.com/office/infopath/2007/PartnerControls">
   <documentManagement>
@@ -51302,14 +50502,6 @@
 </file>
 
 <file path=customXml/itemProps1.xml><?xml version="1.0" encoding="utf-8"?>
-<ds:datastoreItem xmlns:ds="http://schemas.openxmlformats.org/officeDocument/2006/customXml" ds:itemID="{126BFA21-774C-45F5-BE3E-541B29302740}">
-  <ds:schemaRefs>
-    <ds:schemaRef ds:uri="http://schemas.microsoft.com/sharepoint/v3/contenttype/forms"/>
-  </ds:schemaRefs>
-</ds:datastoreItem>
-</file>
-
-<file path=customXml/itemProps2.xml><?xml version="1.0" encoding="utf-8"?>
 <ds:datastoreItem xmlns:ds="http://schemas.openxmlformats.org/officeDocument/2006/customXml" ds:itemID="{91A37897-CF46-4B8E-B11C-A11B11EC42BB}">
   <ds:schemaRefs>
     <ds:schemaRef ds:uri="http://schemas.microsoft.com/office/2006/metadata/contentType"/>
@@ -51327,6 +50519,14 @@
 </ds:datastoreItem>
 </file>
 
+<file path=customXml/itemProps2.xml><?xml version="1.0" encoding="utf-8"?>
+<ds:datastoreItem xmlns:ds="http://schemas.openxmlformats.org/officeDocument/2006/customXml" ds:itemID="{126BFA21-774C-45F5-BE3E-541B29302740}">
+  <ds:schemaRefs>
+    <ds:schemaRef ds:uri="http://schemas.microsoft.com/sharepoint/v3/contenttype/forms"/>
+  </ds:schemaRefs>
+</ds:datastoreItem>
+</file>
+
 <file path=customXml/itemProps3.xml><?xml version="1.0" encoding="utf-8"?>
 <ds:datastoreItem xmlns:ds="http://schemas.openxmlformats.org/officeDocument/2006/customXml" ds:itemID="{4B4D6183-A0C2-41B9-BD62-0CD29AC5B1EF}">
   <ds:schemaRefs>

--- a/03-iterators&comprehension/programming2_iterable.pptx
+++ b/03-iterators&comprehension/programming2_iterable.pptx
@@ -9781,7 +9781,7 @@
           </a:ln>
           <a:extLst>
             <a:ext uri="{C572A759-6A51-4108-AA02-DFA0A04FC94B}">
-              <ma14:wrappingTextBoxFlag xmlns="" xmlns:ma14="http://schemas.microsoft.com/office/mac/drawingml/2011/main" val="1"/>
+              <ma14:wrappingTextBoxFlag xmlns:ma14="http://schemas.microsoft.com/office/mac/drawingml/2011/main" xmlns="" val="1"/>
             </a:ext>
           </a:extLst>
         </p:spPr>
@@ -10067,7 +10067,7 @@
               <a:buNone/>
             </a:pPr>
             <a:r>
-              <a:rPr lang="en-US" sz="1600" err="1">
+              <a:rPr lang="en-US" sz="1600" dirty="0" err="1">
                 <a:solidFill>
                   <a:schemeClr val="tx1"/>
                 </a:solidFill>
@@ -10076,7 +10076,7 @@
               <a:t>dict_states</a:t>
             </a:r>
             <a:r>
-              <a:rPr lang="en-US" sz="1600">
+              <a:rPr lang="en-US" sz="1600" dirty="0">
                 <a:solidFill>
                   <a:schemeClr val="tx1"/>
                 </a:solidFill>
@@ -10085,7 +10085,7 @@
               <a:t> = </a:t>
             </a:r>
             <a:r>
-              <a:rPr lang="en-US" sz="1600">
+              <a:rPr lang="en-US" sz="1600" dirty="0">
                 <a:solidFill>
                   <a:schemeClr val="accent1"/>
                 </a:solidFill>
@@ -10099,7 +10099,7 @@
               <a:buNone/>
             </a:pPr>
             <a:r>
-              <a:rPr lang="en-US" sz="1600">
+              <a:rPr lang="en-US" sz="1600" dirty="0">
                 <a:solidFill>
                   <a:schemeClr val="tx1"/>
                 </a:solidFill>
@@ -10108,7 +10108,7 @@
               <a:t>    '</a:t>
             </a:r>
             <a:r>
-              <a:rPr lang="en-US" sz="1600">
+              <a:rPr lang="en-US" sz="1600" dirty="0">
                 <a:solidFill>
                   <a:schemeClr val="accent2"/>
                 </a:solidFill>
@@ -10117,7 +10117,7 @@
               <a:t>California</a:t>
             </a:r>
             <a:r>
-              <a:rPr lang="en-US" sz="1600">
+              <a:rPr lang="en-US" sz="1600" dirty="0">
                 <a:solidFill>
                   <a:schemeClr val="tx1"/>
                 </a:solidFill>
@@ -10126,7 +10126,7 @@
               <a:t>': '</a:t>
             </a:r>
             <a:r>
-              <a:rPr lang="en-US" sz="1600">
+              <a:rPr lang="en-US" sz="1600" dirty="0">
                 <a:solidFill>
                   <a:schemeClr val="accent2"/>
                 </a:solidFill>
@@ -10135,7 +10135,7 @@
               <a:t>Sacramento</a:t>
             </a:r>
             <a:r>
-              <a:rPr lang="en-US" sz="1600">
+              <a:rPr lang="en-US" sz="1600" dirty="0">
                 <a:solidFill>
                   <a:schemeClr val="tx1"/>
                 </a:solidFill>
@@ -10149,7 +10149,7 @@
               <a:buNone/>
             </a:pPr>
             <a:r>
-              <a:rPr lang="en-US" sz="1600">
+              <a:rPr lang="en-US" sz="1600" dirty="0">
                 <a:solidFill>
                   <a:schemeClr val="tx1"/>
                 </a:solidFill>
@@ -10158,7 +10158,7 @@
               <a:t>    '</a:t>
             </a:r>
             <a:r>
-              <a:rPr lang="en-US" sz="1600">
+              <a:rPr lang="en-US" sz="1600" dirty="0">
                 <a:solidFill>
                   <a:schemeClr val="accent2"/>
                 </a:solidFill>
@@ -10167,7 +10167,7 @@
               <a:t>New York</a:t>
             </a:r>
             <a:r>
-              <a:rPr lang="en-US" sz="1600">
+              <a:rPr lang="en-US" sz="1600" dirty="0">
                 <a:solidFill>
                   <a:schemeClr val="tx1"/>
                 </a:solidFill>
@@ -10176,7 +10176,7 @@
               <a:t>': '</a:t>
             </a:r>
             <a:r>
-              <a:rPr lang="en-US" sz="1600">
+              <a:rPr lang="en-US" sz="1600" dirty="0">
                 <a:solidFill>
                   <a:schemeClr val="accent2"/>
                 </a:solidFill>
@@ -10185,7 +10185,7 @@
               <a:t>Albany</a:t>
             </a:r>
             <a:r>
-              <a:rPr lang="en-US" sz="1600">
+              <a:rPr lang="en-US" sz="1600" dirty="0">
                 <a:solidFill>
                   <a:schemeClr val="tx1"/>
                 </a:solidFill>
@@ -10199,7 +10199,7 @@
               <a:buNone/>
             </a:pPr>
             <a:r>
-              <a:rPr lang="en-US" sz="1600">
+              <a:rPr lang="en-US" sz="1600" dirty="0">
                 <a:solidFill>
                   <a:schemeClr val="tx1"/>
                 </a:solidFill>
@@ -10208,7 +10208,7 @@
               <a:t>    '</a:t>
             </a:r>
             <a:r>
-              <a:rPr lang="en-US" sz="1600">
+              <a:rPr lang="en-US" sz="1600" dirty="0">
                 <a:solidFill>
                   <a:schemeClr val="accent2"/>
                 </a:solidFill>
@@ -10217,7 +10217,7 @@
               <a:t>Texas</a:t>
             </a:r>
             <a:r>
-              <a:rPr lang="en-US" sz="1600">
+              <a:rPr lang="en-US" sz="1600" dirty="0">
                 <a:solidFill>
                   <a:schemeClr val="tx1"/>
                 </a:solidFill>
@@ -10226,7 +10226,7 @@
               <a:t>': '</a:t>
             </a:r>
             <a:r>
-              <a:rPr lang="en-US" sz="1600">
+              <a:rPr lang="en-US" sz="1600" dirty="0">
                 <a:solidFill>
                   <a:schemeClr val="accent2"/>
                 </a:solidFill>
@@ -10235,7 +10235,7 @@
               <a:t>Austin</a:t>
             </a:r>
             <a:r>
-              <a:rPr lang="en-US" sz="1600">
+              <a:rPr lang="en-US" sz="1600" dirty="0">
                 <a:solidFill>
                   <a:schemeClr val="tx1"/>
                 </a:solidFill>
@@ -10249,7 +10249,7 @@
               <a:buNone/>
             </a:pPr>
             <a:r>
-              <a:rPr lang="en-US" sz="1600">
+              <a:rPr lang="en-US" sz="1600" dirty="0">
                 <a:solidFill>
                   <a:schemeClr val="accent1"/>
                 </a:solidFill>
@@ -10257,7 +10257,7 @@
               </a:rPr>
               <a:t>}</a:t>
             </a:r>
-            <a:endParaRPr lang="en-US" sz="1600">
+            <a:endParaRPr lang="en-US" sz="1600" dirty="0">
               <a:solidFill>
                 <a:schemeClr val="tx1"/>
               </a:solidFill>
@@ -10269,7 +10269,7 @@
               <a:buNone/>
             </a:pPr>
             <a:r>
-              <a:rPr lang="en-US" sz="1600" err="1">
+              <a:rPr lang="en-US" sz="1600" dirty="0" err="1">
                 <a:solidFill>
                   <a:schemeClr val="tx1"/>
                 </a:solidFill>
@@ -10278,7 +10278,7 @@
               <a:t>dict_states</a:t>
             </a:r>
             <a:r>
-              <a:rPr lang="en-US" sz="1600">
+              <a:rPr lang="en-US" sz="1600" dirty="0">
                 <a:solidFill>
                   <a:schemeClr val="accent6"/>
                 </a:solidFill>
@@ -10287,7 +10287,7 @@
               <a:t>[</a:t>
             </a:r>
             <a:r>
-              <a:rPr lang="en-US" sz="1600">
+              <a:rPr lang="en-US" sz="1600" dirty="0">
                 <a:solidFill>
                   <a:schemeClr val="tx1"/>
                 </a:solidFill>
@@ -10296,7 +10296,7 @@
               <a:t>'</a:t>
             </a:r>
             <a:r>
-              <a:rPr lang="en-US" sz="1600">
+              <a:rPr lang="en-US" sz="1600" dirty="0">
                 <a:solidFill>
                   <a:schemeClr val="accent2"/>
                 </a:solidFill>
@@ -10305,7 +10305,7 @@
               <a:t>Colorado</a:t>
             </a:r>
             <a:r>
-              <a:rPr lang="en-US" sz="1600">
+              <a:rPr lang="en-US" sz="1600" dirty="0">
                 <a:solidFill>
                   <a:schemeClr val="tx1"/>
                 </a:solidFill>
@@ -10314,7 +10314,7 @@
               <a:t>'</a:t>
             </a:r>
             <a:r>
-              <a:rPr lang="en-US" sz="1600">
+              <a:rPr lang="en-US" sz="1600" dirty="0">
                 <a:solidFill>
                   <a:schemeClr val="accent6"/>
                 </a:solidFill>
@@ -10323,16 +10323,16 @@
               <a:t>]</a:t>
             </a:r>
             <a:r>
-              <a:rPr lang="en-US" sz="1600">
+              <a:rPr lang="en-US" sz="1600" dirty="0">
                 <a:solidFill>
                   <a:schemeClr val="accent1"/>
                 </a:solidFill>
                 <a:latin typeface="Consolas" panose="020B0609020204030204" pitchFamily="49" charset="0"/>
               </a:rPr>
-              <a:t>) = </a:t>
-            </a:r>
-            <a:r>
-              <a:rPr lang="en-US" sz="1600">
+              <a:t> = </a:t>
+            </a:r>
+            <a:r>
+              <a:rPr lang="en-US" sz="1600" dirty="0">
                 <a:solidFill>
                   <a:schemeClr val="tx1"/>
                 </a:solidFill>
@@ -10341,7 +10341,7 @@
               <a:t>'</a:t>
             </a:r>
             <a:r>
-              <a:rPr lang="en-US" sz="1600">
+              <a:rPr lang="en-US" sz="1600" dirty="0">
                 <a:solidFill>
                   <a:schemeClr val="accent2"/>
                 </a:solidFill>
@@ -10350,7 +10350,7 @@
               <a:t>Denver</a:t>
             </a:r>
             <a:r>
-              <a:rPr lang="en-US" sz="1600">
+              <a:rPr lang="en-US" sz="1600" dirty="0">
                 <a:solidFill>
                   <a:schemeClr val="tx1"/>
                 </a:solidFill>
@@ -10358,7 +10358,7 @@
               </a:rPr>
               <a:t>'</a:t>
             </a:r>
-            <a:endParaRPr lang="en-US" sz="1600">
+            <a:endParaRPr lang="en-US" sz="1600" dirty="0">
               <a:solidFill>
                 <a:schemeClr val="accent1"/>
               </a:solidFill>
@@ -10370,7 +10370,7 @@
               <a:buNone/>
             </a:pPr>
             <a:r>
-              <a:rPr lang="en-US" sz="1600">
+              <a:rPr lang="en-US" sz="1600" dirty="0">
                 <a:solidFill>
                   <a:schemeClr val="tx1"/>
                 </a:solidFill>
@@ -10379,7 +10379,7 @@
               <a:t>print</a:t>
             </a:r>
             <a:r>
-              <a:rPr lang="en-US" sz="1600">
+              <a:rPr lang="en-US" sz="1600" dirty="0">
                 <a:solidFill>
                   <a:schemeClr val="accent1"/>
                 </a:solidFill>
@@ -10388,7 +10388,7 @@
               <a:t>(</a:t>
             </a:r>
             <a:r>
-              <a:rPr lang="en-US" sz="1600" err="1">
+              <a:rPr lang="en-US" sz="1600" dirty="0" err="1">
                 <a:solidFill>
                   <a:schemeClr val="tx1"/>
                 </a:solidFill>
@@ -10397,7 +10397,7 @@
               <a:t>dict_states</a:t>
             </a:r>
             <a:r>
-              <a:rPr lang="en-US" sz="1600">
+              <a:rPr lang="en-US" sz="1600" dirty="0">
                 <a:solidFill>
                   <a:schemeClr val="accent1"/>
                 </a:solidFill>
@@ -10410,7 +10410,7 @@
             <a:pPr marL="0" indent="0" hangingPunct="1">
               <a:buNone/>
             </a:pPr>
-            <a:endParaRPr lang="en-US" sz="1600">
+            <a:endParaRPr lang="en-US" sz="1600" dirty="0">
               <a:solidFill>
                 <a:schemeClr val="tx1"/>
               </a:solidFill>
@@ -10421,7 +10421,7 @@
             <a:pPr marL="0" indent="0" hangingPunct="1">
               <a:buNone/>
             </a:pPr>
-            <a:endParaRPr lang="en-US" sz="1600">
+            <a:endParaRPr lang="en-US" sz="1600" dirty="0">
               <a:solidFill>
                 <a:schemeClr val="accent1"/>
               </a:solidFill>
@@ -10432,7 +10432,7 @@
             <a:pPr marL="0" indent="0" hangingPunct="1">
               <a:buNone/>
             </a:pPr>
-            <a:endParaRPr lang="en-US" sz="1600">
+            <a:endParaRPr lang="en-US" sz="1600" dirty="0">
               <a:solidFill>
                 <a:schemeClr val="accent1"/>
               </a:solidFill>
@@ -10471,7 +10471,7 @@
           </a:ln>
           <a:extLst>
             <a:ext uri="{C572A759-6A51-4108-AA02-DFA0A04FC94B}">
-              <ma14:wrappingTextBoxFlag xmlns="" xmlns:ma14="http://schemas.microsoft.com/office/mac/drawingml/2011/main" val="1"/>
+              <ma14:wrappingTextBoxFlag xmlns:ma14="http://schemas.microsoft.com/office/mac/drawingml/2011/main" xmlns="" val="1"/>
             </a:ext>
           </a:extLst>
         </p:spPr>
@@ -10817,7 +10817,7 @@
           </a:ln>
           <a:extLst>
             <a:ext uri="{C572A759-6A51-4108-AA02-DFA0A04FC94B}">
-              <ma14:wrappingTextBoxFlag xmlns="" xmlns:ma14="http://schemas.microsoft.com/office/mac/drawingml/2011/main" val="1"/>
+              <ma14:wrappingTextBoxFlag xmlns:ma14="http://schemas.microsoft.com/office/mac/drawingml/2011/main" xmlns="" val="1"/>
             </a:ext>
           </a:extLst>
         </p:spPr>
@@ -11103,7 +11103,7 @@
               <a:buNone/>
             </a:pPr>
             <a:r>
-              <a:rPr lang="en-US" sz="1600" err="1">
+              <a:rPr lang="en-US" sz="1600" dirty="0" err="1">
                 <a:solidFill>
                   <a:schemeClr val="tx1"/>
                 </a:solidFill>
@@ -11112,7 +11112,7 @@
               <a:t>dict_states</a:t>
             </a:r>
             <a:r>
-              <a:rPr lang="en-US" sz="1600">
+              <a:rPr lang="en-US" sz="1600" dirty="0">
                 <a:solidFill>
                   <a:schemeClr val="tx1"/>
                 </a:solidFill>
@@ -11121,7 +11121,7 @@
               <a:t> = </a:t>
             </a:r>
             <a:r>
-              <a:rPr lang="en-US" sz="1600">
+              <a:rPr lang="en-US" sz="1600" dirty="0">
                 <a:solidFill>
                   <a:schemeClr val="accent1"/>
                 </a:solidFill>
@@ -11135,7 +11135,7 @@
               <a:buNone/>
             </a:pPr>
             <a:r>
-              <a:rPr lang="en-US" sz="1600">
+              <a:rPr lang="en-US" sz="1600" dirty="0">
                 <a:solidFill>
                   <a:schemeClr val="tx1"/>
                 </a:solidFill>
@@ -11144,7 +11144,7 @@
               <a:t>    '</a:t>
             </a:r>
             <a:r>
-              <a:rPr lang="en-US" sz="1600">
+              <a:rPr lang="en-US" sz="1600" dirty="0">
                 <a:solidFill>
                   <a:schemeClr val="accent2"/>
                 </a:solidFill>
@@ -11153,7 +11153,7 @@
               <a:t>California</a:t>
             </a:r>
             <a:r>
-              <a:rPr lang="en-US" sz="1600">
+              <a:rPr lang="en-US" sz="1600" dirty="0">
                 <a:solidFill>
                   <a:schemeClr val="tx1"/>
                 </a:solidFill>
@@ -11162,7 +11162,7 @@
               <a:t>': '</a:t>
             </a:r>
             <a:r>
-              <a:rPr lang="en-US" sz="1600">
+              <a:rPr lang="en-US" sz="1600" dirty="0">
                 <a:solidFill>
                   <a:schemeClr val="accent2"/>
                 </a:solidFill>
@@ -11171,7 +11171,7 @@
               <a:t>Sacramento</a:t>
             </a:r>
             <a:r>
-              <a:rPr lang="en-US" sz="1600">
+              <a:rPr lang="en-US" sz="1600" dirty="0">
                 <a:solidFill>
                   <a:schemeClr val="tx1"/>
                 </a:solidFill>
@@ -11185,7 +11185,7 @@
               <a:buNone/>
             </a:pPr>
             <a:r>
-              <a:rPr lang="en-US" sz="1600">
+              <a:rPr lang="en-US" sz="1600" dirty="0">
                 <a:solidFill>
                   <a:schemeClr val="tx1"/>
                 </a:solidFill>
@@ -11194,7 +11194,7 @@
               <a:t>    '</a:t>
             </a:r>
             <a:r>
-              <a:rPr lang="en-US" sz="1600">
+              <a:rPr lang="en-US" sz="1600" dirty="0">
                 <a:solidFill>
                   <a:schemeClr val="accent2"/>
                 </a:solidFill>
@@ -11203,7 +11203,7 @@
               <a:t>New York</a:t>
             </a:r>
             <a:r>
-              <a:rPr lang="en-US" sz="1600">
+              <a:rPr lang="en-US" sz="1600" dirty="0">
                 <a:solidFill>
                   <a:schemeClr val="tx1"/>
                 </a:solidFill>
@@ -11212,7 +11212,7 @@
               <a:t>': '</a:t>
             </a:r>
             <a:r>
-              <a:rPr lang="en-US" sz="1600">
+              <a:rPr lang="en-US" sz="1600" dirty="0">
                 <a:solidFill>
                   <a:schemeClr val="accent2"/>
                 </a:solidFill>
@@ -11221,7 +11221,7 @@
               <a:t>Albany</a:t>
             </a:r>
             <a:r>
-              <a:rPr lang="en-US" sz="1600">
+              <a:rPr lang="en-US" sz="1600" dirty="0">
                 <a:solidFill>
                   <a:schemeClr val="tx1"/>
                 </a:solidFill>
@@ -11235,7 +11235,7 @@
               <a:buNone/>
             </a:pPr>
             <a:r>
-              <a:rPr lang="en-US" sz="1600">
+              <a:rPr lang="en-US" sz="1600" dirty="0">
                 <a:solidFill>
                   <a:schemeClr val="tx1"/>
                 </a:solidFill>
@@ -11244,7 +11244,7 @@
               <a:t>    '</a:t>
             </a:r>
             <a:r>
-              <a:rPr lang="en-US" sz="1600">
+              <a:rPr lang="en-US" sz="1600" dirty="0">
                 <a:solidFill>
                   <a:schemeClr val="accent2"/>
                 </a:solidFill>
@@ -11253,7 +11253,7 @@
               <a:t>Texas</a:t>
             </a:r>
             <a:r>
-              <a:rPr lang="en-US" sz="1600">
+              <a:rPr lang="en-US" sz="1600" dirty="0">
                 <a:solidFill>
                   <a:schemeClr val="tx1"/>
                 </a:solidFill>
@@ -11262,7 +11262,7 @@
               <a:t>': '</a:t>
             </a:r>
             <a:r>
-              <a:rPr lang="en-US" sz="1600">
+              <a:rPr lang="en-US" sz="1600" dirty="0">
                 <a:solidFill>
                   <a:schemeClr val="accent2"/>
                 </a:solidFill>
@@ -11271,7 +11271,7 @@
               <a:t>Austin</a:t>
             </a:r>
             <a:r>
-              <a:rPr lang="en-US" sz="1600">
+              <a:rPr lang="en-US" sz="1600" dirty="0">
                 <a:solidFill>
                   <a:schemeClr val="tx1"/>
                 </a:solidFill>
@@ -11285,7 +11285,7 @@
               <a:buNone/>
             </a:pPr>
             <a:r>
-              <a:rPr lang="en-US" sz="1600">
+              <a:rPr lang="en-US" sz="1600" dirty="0">
                 <a:solidFill>
                   <a:schemeClr val="accent1"/>
                 </a:solidFill>
@@ -11293,7 +11293,7 @@
               </a:rPr>
               <a:t>}</a:t>
             </a:r>
-            <a:endParaRPr lang="en-US" sz="1600">
+            <a:endParaRPr lang="en-US" sz="1600" dirty="0">
               <a:solidFill>
                 <a:schemeClr val="tx1"/>
               </a:solidFill>
@@ -11305,7 +11305,7 @@
               <a:buNone/>
             </a:pPr>
             <a:r>
-              <a:rPr lang="en-US" sz="1600">
+              <a:rPr lang="en-US" sz="1600" dirty="0">
                 <a:solidFill>
                   <a:schemeClr val="accent1"/>
                 </a:solidFill>
@@ -11314,7 +11314,7 @@
               <a:t>del</a:t>
             </a:r>
             <a:r>
-              <a:rPr lang="en-US" sz="1600">
+              <a:rPr lang="en-US" sz="1600" dirty="0">
                 <a:solidFill>
                   <a:schemeClr val="tx1"/>
                 </a:solidFill>
@@ -11323,7 +11323,7 @@
               <a:t> </a:t>
             </a:r>
             <a:r>
-              <a:rPr lang="en-US" sz="1600" err="1">
+              <a:rPr lang="en-US" sz="1600" dirty="0" err="1">
                 <a:solidFill>
                   <a:schemeClr val="tx1"/>
                 </a:solidFill>
@@ -11332,7 +11332,7 @@
               <a:t>dict_states</a:t>
             </a:r>
             <a:r>
-              <a:rPr lang="en-US" sz="1600">
+              <a:rPr lang="en-US" sz="1600" dirty="0">
                 <a:solidFill>
                   <a:schemeClr val="accent6"/>
                 </a:solidFill>
@@ -11341,7 +11341,7 @@
               <a:t>[</a:t>
             </a:r>
             <a:r>
-              <a:rPr lang="en-US" sz="1600">
+              <a:rPr lang="en-US" sz="1600" dirty="0">
                 <a:solidFill>
                   <a:schemeClr val="tx1"/>
                 </a:solidFill>
@@ -11350,7 +11350,7 @@
               <a:t>'</a:t>
             </a:r>
             <a:r>
-              <a:rPr lang="en-US" sz="1600">
+              <a:rPr lang="en-US" sz="1600" dirty="0">
                 <a:solidFill>
                   <a:schemeClr val="accent2"/>
                 </a:solidFill>
@@ -11359,7 +11359,7 @@
               <a:t>California</a:t>
             </a:r>
             <a:r>
-              <a:rPr lang="en-US" sz="1600">
+              <a:rPr lang="en-US" sz="1600" dirty="0">
                 <a:solidFill>
                   <a:schemeClr val="tx1"/>
                 </a:solidFill>
@@ -11368,7 +11368,7 @@
               <a:t>'</a:t>
             </a:r>
             <a:r>
-              <a:rPr lang="en-US" sz="1600">
+              <a:rPr lang="en-US" sz="1600" dirty="0">
                 <a:solidFill>
                   <a:schemeClr val="accent6"/>
                 </a:solidFill>
@@ -11376,62 +11376,7 @@
               </a:rPr>
               <a:t>]</a:t>
             </a:r>
-            <a:r>
-              <a:rPr lang="en-US" sz="1600">
-                <a:solidFill>
-                  <a:schemeClr val="accent1"/>
-                </a:solidFill>
-                <a:latin typeface="Consolas" panose="020B0609020204030204" pitchFamily="49" charset="0"/>
-              </a:rPr>
-              <a:t>)</a:t>
-            </a:r>
-          </a:p>
-          <a:p>
-            <a:pPr marL="0" indent="0" hangingPunct="1">
-              <a:buNone/>
-            </a:pPr>
-            <a:r>
-              <a:rPr lang="en-US" sz="1600">
-                <a:solidFill>
-                  <a:schemeClr val="tx1"/>
-                </a:solidFill>
-                <a:latin typeface="Consolas" panose="020B0609020204030204" pitchFamily="49" charset="0"/>
-              </a:rPr>
-              <a:t>print</a:t>
-            </a:r>
-            <a:r>
-              <a:rPr lang="en-US" sz="1600">
-                <a:solidFill>
-                  <a:schemeClr val="accent1"/>
-                </a:solidFill>
-                <a:latin typeface="Consolas" panose="020B0609020204030204" pitchFamily="49" charset="0"/>
-              </a:rPr>
-              <a:t>(</a:t>
-            </a:r>
-            <a:r>
-              <a:rPr lang="en-US" sz="1600" err="1">
-                <a:solidFill>
-                  <a:schemeClr val="tx1"/>
-                </a:solidFill>
-                <a:latin typeface="Consolas" panose="020B0609020204030204" pitchFamily="49" charset="0"/>
-              </a:rPr>
-              <a:t>dict_states</a:t>
-            </a:r>
-            <a:r>
-              <a:rPr lang="en-US" sz="1600">
-                <a:solidFill>
-                  <a:schemeClr val="accent1"/>
-                </a:solidFill>
-                <a:latin typeface="Consolas" panose="020B0609020204030204" pitchFamily="49" charset="0"/>
-              </a:rPr>
-              <a:t>)</a:t>
-            </a:r>
-          </a:p>
-          <a:p>
-            <a:pPr marL="0" indent="0" hangingPunct="1">
-              <a:buNone/>
-            </a:pPr>
-            <a:endParaRPr lang="en-US" sz="1600">
+            <a:endParaRPr lang="en-US" sz="1600" dirty="0">
               <a:solidFill>
                 <a:schemeClr val="accent1"/>
               </a:solidFill>
@@ -11442,7 +11387,59 @@
             <a:pPr marL="0" indent="0" hangingPunct="1">
               <a:buNone/>
             </a:pPr>
-            <a:endParaRPr lang="en-US" sz="1600">
+            <a:r>
+              <a:rPr lang="en-US" sz="1600" dirty="0">
+                <a:solidFill>
+                  <a:schemeClr val="tx1"/>
+                </a:solidFill>
+                <a:latin typeface="Consolas" panose="020B0609020204030204" pitchFamily="49" charset="0"/>
+              </a:rPr>
+              <a:t>print</a:t>
+            </a:r>
+            <a:r>
+              <a:rPr lang="en-US" sz="1600" dirty="0">
+                <a:solidFill>
+                  <a:schemeClr val="accent1"/>
+                </a:solidFill>
+                <a:latin typeface="Consolas" panose="020B0609020204030204" pitchFamily="49" charset="0"/>
+              </a:rPr>
+              <a:t>(</a:t>
+            </a:r>
+            <a:r>
+              <a:rPr lang="en-US" sz="1600" dirty="0" err="1">
+                <a:solidFill>
+                  <a:schemeClr val="tx1"/>
+                </a:solidFill>
+                <a:latin typeface="Consolas" panose="020B0609020204030204" pitchFamily="49" charset="0"/>
+              </a:rPr>
+              <a:t>dict_states</a:t>
+            </a:r>
+            <a:r>
+              <a:rPr lang="en-US" sz="1600" dirty="0">
+                <a:solidFill>
+                  <a:schemeClr val="accent1"/>
+                </a:solidFill>
+                <a:latin typeface="Consolas" panose="020B0609020204030204" pitchFamily="49" charset="0"/>
+              </a:rPr>
+              <a:t>)</a:t>
+            </a:r>
+          </a:p>
+          <a:p>
+            <a:pPr marL="0" indent="0" hangingPunct="1">
+              <a:buNone/>
+            </a:pPr>
+            <a:endParaRPr lang="en-US" sz="1600" dirty="0">
+              <a:solidFill>
+                <a:schemeClr val="accent1"/>
+              </a:solidFill>
+              <a:latin typeface="Consolas" panose="020B0609020204030204" pitchFamily="49" charset="0"/>
+            </a:endParaRPr>
+          </a:p>
+          <a:p>
+            <a:pPr marL="0" indent="0" hangingPunct="1">
+              <a:buNone/>
+            </a:pPr>
+            <a:endParaRPr lang="en-US" sz="1600" dirty="0">
               <a:solidFill>
                 <a:schemeClr val="accent1"/>
               </a:solidFill>
@@ -11481,7 +11478,7 @@
           </a:ln>
           <a:extLst>
             <a:ext uri="{C572A759-6A51-4108-AA02-DFA0A04FC94B}">
-              <ma14:wrappingTextBoxFlag xmlns="" xmlns:ma14="http://schemas.microsoft.com/office/mac/drawingml/2011/main" val="1"/>
+              <ma14:wrappingTextBoxFlag xmlns:ma14="http://schemas.microsoft.com/office/mac/drawingml/2011/main" xmlns="" val="1"/>
             </a:ext>
           </a:extLst>
         </p:spPr>
@@ -12342,7 +12339,7 @@
           </a:ln>
           <a:extLst>
             <a:ext uri="{C572A759-6A51-4108-AA02-DFA0A04FC94B}">
-              <ma14:wrappingTextBoxFlag xmlns="" xmlns:ma14="http://schemas.microsoft.com/office/mac/drawingml/2011/main" val="1"/>
+              <ma14:wrappingTextBoxFlag xmlns:ma14="http://schemas.microsoft.com/office/mac/drawingml/2011/main" xmlns="" val="1"/>
             </a:ext>
           </a:extLst>
         </p:spPr>
@@ -13152,7 +13149,7 @@
           </a:ln>
           <a:extLst>
             <a:ext uri="{C572A759-6A51-4108-AA02-DFA0A04FC94B}">
-              <ma14:wrappingTextBoxFlag xmlns="" xmlns:ma14="http://schemas.microsoft.com/office/mac/drawingml/2011/main" val="1"/>
+              <ma14:wrappingTextBoxFlag xmlns:ma14="http://schemas.microsoft.com/office/mac/drawingml/2011/main" xmlns="" val="1"/>
             </a:ext>
           </a:extLst>
         </p:spPr>
@@ -13490,7 +13487,7 @@
           </a:ln>
           <a:extLst>
             <a:ext uri="{C572A759-6A51-4108-AA02-DFA0A04FC94B}">
-              <ma14:wrappingTextBoxFlag xmlns="" xmlns:ma14="http://schemas.microsoft.com/office/mac/drawingml/2011/main" val="1"/>
+              <ma14:wrappingTextBoxFlag xmlns:ma14="http://schemas.microsoft.com/office/mac/drawingml/2011/main" xmlns="" val="1"/>
             </a:ext>
           </a:extLst>
         </p:spPr>
@@ -13776,7 +13773,7 @@
               <a:buNone/>
             </a:pPr>
             <a:r>
-              <a:rPr lang="en-US" sz="1600" err="1">
+              <a:rPr lang="en-US" sz="1600" dirty="0" err="1">
                 <a:solidFill>
                   <a:schemeClr val="tx1"/>
                 </a:solidFill>
@@ -13785,7 +13782,7 @@
               <a:t>dict_states</a:t>
             </a:r>
             <a:r>
-              <a:rPr lang="en-US" sz="1600">
+              <a:rPr lang="en-US" sz="1600" dirty="0">
                 <a:solidFill>
                   <a:schemeClr val="tx1"/>
                 </a:solidFill>
@@ -13794,7 +13791,7 @@
               <a:t> = </a:t>
             </a:r>
             <a:r>
-              <a:rPr lang="en-US" sz="1600">
+              <a:rPr lang="en-US" sz="1600" dirty="0">
                 <a:solidFill>
                   <a:schemeClr val="accent1"/>
                 </a:solidFill>
@@ -13808,7 +13805,7 @@
               <a:buNone/>
             </a:pPr>
             <a:r>
-              <a:rPr lang="en-US" sz="1600">
+              <a:rPr lang="en-US" sz="1600" dirty="0">
                 <a:solidFill>
                   <a:schemeClr val="tx1"/>
                 </a:solidFill>
@@ -13817,7 +13814,7 @@
               <a:t>    '</a:t>
             </a:r>
             <a:r>
-              <a:rPr lang="en-US" sz="1600">
+              <a:rPr lang="en-US" sz="1600" dirty="0">
                 <a:solidFill>
                   <a:schemeClr val="accent2"/>
                 </a:solidFill>
@@ -13826,7 +13823,7 @@
               <a:t>California</a:t>
             </a:r>
             <a:r>
-              <a:rPr lang="en-US" sz="1600">
+              <a:rPr lang="en-US" sz="1600" dirty="0">
                 <a:solidFill>
                   <a:schemeClr val="tx1"/>
                 </a:solidFill>
@@ -13835,7 +13832,7 @@
               <a:t>': '</a:t>
             </a:r>
             <a:r>
-              <a:rPr lang="en-US" sz="1600">
+              <a:rPr lang="en-US" sz="1600" dirty="0">
                 <a:solidFill>
                   <a:schemeClr val="accent2"/>
                 </a:solidFill>
@@ -13844,7 +13841,7 @@
               <a:t>Sacramento</a:t>
             </a:r>
             <a:r>
-              <a:rPr lang="en-US" sz="1600">
+              <a:rPr lang="en-US" sz="1600" dirty="0">
                 <a:solidFill>
                   <a:schemeClr val="tx1"/>
                 </a:solidFill>
@@ -13858,7 +13855,7 @@
               <a:buNone/>
             </a:pPr>
             <a:r>
-              <a:rPr lang="en-US" sz="1600">
+              <a:rPr lang="en-US" sz="1600" dirty="0">
                 <a:solidFill>
                   <a:schemeClr val="tx1"/>
                 </a:solidFill>
@@ -13867,7 +13864,7 @@
               <a:t>    '</a:t>
             </a:r>
             <a:r>
-              <a:rPr lang="en-US" sz="1600">
+              <a:rPr lang="en-US" sz="1600" dirty="0">
                 <a:solidFill>
                   <a:schemeClr val="accent2"/>
                 </a:solidFill>
@@ -13876,7 +13873,7 @@
               <a:t>New York</a:t>
             </a:r>
             <a:r>
-              <a:rPr lang="en-US" sz="1600">
+              <a:rPr lang="en-US" sz="1600" dirty="0">
                 <a:solidFill>
                   <a:schemeClr val="tx1"/>
                 </a:solidFill>
@@ -13885,7 +13882,7 @@
               <a:t>': '</a:t>
             </a:r>
             <a:r>
-              <a:rPr lang="en-US" sz="1600">
+              <a:rPr lang="en-US" sz="1600" dirty="0">
                 <a:solidFill>
                   <a:schemeClr val="accent2"/>
                 </a:solidFill>
@@ -13894,7 +13891,7 @@
               <a:t>Albany</a:t>
             </a:r>
             <a:r>
-              <a:rPr lang="en-US" sz="1600">
+              <a:rPr lang="en-US" sz="1600" dirty="0">
                 <a:solidFill>
                   <a:schemeClr val="tx1"/>
                 </a:solidFill>
@@ -13908,7 +13905,7 @@
               <a:buNone/>
             </a:pPr>
             <a:r>
-              <a:rPr lang="en-US" sz="1600">
+              <a:rPr lang="en-US" sz="1600" dirty="0">
                 <a:solidFill>
                   <a:schemeClr val="tx1"/>
                 </a:solidFill>
@@ -13917,7 +13914,7 @@
               <a:t>    '</a:t>
             </a:r>
             <a:r>
-              <a:rPr lang="en-US" sz="1600">
+              <a:rPr lang="en-US" sz="1600" dirty="0">
                 <a:solidFill>
                   <a:schemeClr val="accent2"/>
                 </a:solidFill>
@@ -13926,7 +13923,7 @@
               <a:t>Texas</a:t>
             </a:r>
             <a:r>
-              <a:rPr lang="en-US" sz="1600">
+              <a:rPr lang="en-US" sz="1600" dirty="0">
                 <a:solidFill>
                   <a:schemeClr val="tx1"/>
                 </a:solidFill>
@@ -13935,7 +13932,7 @@
               <a:t>': '</a:t>
             </a:r>
             <a:r>
-              <a:rPr lang="en-US" sz="1600">
+              <a:rPr lang="en-US" sz="1600" dirty="0">
                 <a:solidFill>
                   <a:schemeClr val="accent2"/>
                 </a:solidFill>
@@ -13944,7 +13941,7 @@
               <a:t>Austin</a:t>
             </a:r>
             <a:r>
-              <a:rPr lang="en-US" sz="1600">
+              <a:rPr lang="en-US" sz="1600" dirty="0">
                 <a:solidFill>
                   <a:schemeClr val="tx1"/>
                 </a:solidFill>
@@ -13958,7 +13955,7 @@
               <a:buNone/>
             </a:pPr>
             <a:r>
-              <a:rPr lang="en-US" sz="1600">
+              <a:rPr lang="en-US" sz="1600" dirty="0">
                 <a:solidFill>
                   <a:schemeClr val="accent1"/>
                 </a:solidFill>
@@ -13972,7 +13969,7 @@
               <a:buNone/>
             </a:pPr>
             <a:r>
-              <a:rPr lang="en-US" sz="1600">
+              <a:rPr lang="en-US" sz="1600" dirty="0">
                 <a:solidFill>
                   <a:schemeClr val="accent6"/>
                 </a:solidFill>
@@ -13980,7 +13977,7 @@
               </a:rPr>
               <a:t>#Items() returns a list-like object containing tuples of key-value pairs</a:t>
             </a:r>
-            <a:endParaRPr lang="en-US" sz="1600">
+            <a:endParaRPr lang="en-US" sz="1600" dirty="0">
               <a:solidFill>
                 <a:schemeClr val="tx1"/>
               </a:solidFill>
@@ -13992,7 +13989,7 @@
               <a:buNone/>
             </a:pPr>
             <a:r>
-              <a:rPr lang="en-US" sz="1600">
+              <a:rPr lang="en-US" sz="1600" dirty="0">
                 <a:solidFill>
                   <a:schemeClr val="accent1"/>
                 </a:solidFill>
@@ -14001,7 +13998,7 @@
               <a:t>for</a:t>
             </a:r>
             <a:r>
-              <a:rPr lang="en-US" sz="1600">
+              <a:rPr lang="en-US" sz="1600" dirty="0">
                 <a:solidFill>
                   <a:schemeClr val="tx1"/>
                 </a:solidFill>
@@ -14010,7 +14007,7 @@
               <a:t> state, capital </a:t>
             </a:r>
             <a:r>
-              <a:rPr lang="en-US" sz="1600">
+              <a:rPr lang="en-US" sz="1600" dirty="0">
                 <a:solidFill>
                   <a:schemeClr val="accent1"/>
                 </a:solidFill>
@@ -14019,7 +14016,7 @@
               <a:t>in</a:t>
             </a:r>
             <a:r>
-              <a:rPr lang="en-US" sz="1600">
+              <a:rPr lang="en-US" sz="1600" dirty="0">
                 <a:solidFill>
                   <a:schemeClr val="tx1"/>
                 </a:solidFill>
@@ -14028,7 +14025,7 @@
               <a:t> </a:t>
             </a:r>
             <a:r>
-              <a:rPr lang="en-US" sz="1600" err="1">
+              <a:rPr lang="en-US" sz="1600" dirty="0" err="1">
                 <a:solidFill>
                   <a:schemeClr val="tx1"/>
                 </a:solidFill>
@@ -14037,7 +14034,7 @@
               <a:t>dict_states.items</a:t>
             </a:r>
             <a:r>
-              <a:rPr lang="en-US" sz="1600">
+              <a:rPr lang="en-US" sz="1600" dirty="0">
                 <a:solidFill>
                   <a:schemeClr val="accent1"/>
                 </a:solidFill>
@@ -14046,7 +14043,7 @@
               <a:t>()</a:t>
             </a:r>
             <a:r>
-              <a:rPr lang="en-US" sz="1600">
+              <a:rPr lang="en-US" sz="1600" dirty="0">
                 <a:solidFill>
                   <a:schemeClr val="tx1"/>
                 </a:solidFill>
@@ -14060,7 +14057,7 @@
               <a:buNone/>
             </a:pPr>
             <a:r>
-              <a:rPr lang="en-US" sz="1600">
+              <a:rPr lang="en-US" sz="1600" dirty="0">
                 <a:solidFill>
                   <a:schemeClr val="tx1"/>
                 </a:solidFill>
@@ -14069,7 +14066,7 @@
               <a:t>    print</a:t>
             </a:r>
             <a:r>
-              <a:rPr lang="en-US" sz="1600">
+              <a:rPr lang="en-US" sz="1600" dirty="0">
                 <a:solidFill>
                   <a:schemeClr val="accent1"/>
                 </a:solidFill>
@@ -14078,7 +14075,7 @@
               <a:t>(</a:t>
             </a:r>
             <a:r>
-              <a:rPr lang="en-US" sz="1600" err="1">
+              <a:rPr lang="en-US" sz="1600" dirty="0" err="1">
                 <a:solidFill>
                   <a:schemeClr val="accent1"/>
                 </a:solidFill>
@@ -14087,7 +14084,7 @@
               <a:t>f</a:t>
             </a:r>
             <a:r>
-              <a:rPr lang="en-US" sz="1600" err="1">
+              <a:rPr lang="en-US" sz="1600" dirty="0" err="1">
                 <a:solidFill>
                   <a:schemeClr val="tx1"/>
                 </a:solidFill>
@@ -14096,7 +14093,7 @@
               <a:t>'</a:t>
             </a:r>
             <a:r>
-              <a:rPr lang="en-US" sz="1600" err="1">
+              <a:rPr lang="en-US" sz="1600" dirty="0" err="1">
                 <a:solidFill>
                   <a:schemeClr val="accent2"/>
                 </a:solidFill>
@@ -14105,7 +14102,7 @@
               <a:t>the</a:t>
             </a:r>
             <a:r>
-              <a:rPr lang="en-US" sz="1600">
+              <a:rPr lang="en-US" sz="1600" dirty="0">
                 <a:solidFill>
                   <a:schemeClr val="accent2"/>
                 </a:solidFill>
@@ -14114,7 +14111,7 @@
               <a:t> capital of</a:t>
             </a:r>
             <a:r>
-              <a:rPr lang="en-US" sz="1600">
+              <a:rPr lang="en-US" sz="1600" dirty="0">
                 <a:solidFill>
                   <a:schemeClr val="accent1"/>
                 </a:solidFill>
@@ -14123,7 +14120,7 @@
               <a:t> </a:t>
             </a:r>
             <a:r>
-              <a:rPr lang="en-US" sz="1600">
+              <a:rPr lang="en-US" sz="1600" dirty="0">
                 <a:solidFill>
                   <a:schemeClr val="accent6"/>
                 </a:solidFill>
@@ -14132,7 +14129,7 @@
               <a:t>{</a:t>
             </a:r>
             <a:r>
-              <a:rPr lang="en-US" sz="1600">
+              <a:rPr lang="en-US" sz="1600" dirty="0">
                 <a:solidFill>
                   <a:schemeClr val="tx1"/>
                 </a:solidFill>
@@ -14141,7 +14138,7 @@
               <a:t>state</a:t>
             </a:r>
             <a:r>
-              <a:rPr lang="en-US" sz="1600">
+              <a:rPr lang="en-US" sz="1600" dirty="0">
                 <a:solidFill>
                   <a:schemeClr val="accent6"/>
                 </a:solidFill>
@@ -14150,7 +14147,7 @@
               <a:t>}</a:t>
             </a:r>
             <a:r>
-              <a:rPr lang="en-US" sz="1600">
+              <a:rPr lang="en-US" sz="1600" dirty="0">
                 <a:solidFill>
                   <a:schemeClr val="accent1"/>
                 </a:solidFill>
@@ -14159,7 +14156,7 @@
               <a:t> </a:t>
             </a:r>
             <a:r>
-              <a:rPr lang="en-US" sz="1600">
+              <a:rPr lang="en-US" sz="1600" dirty="0">
                 <a:solidFill>
                   <a:schemeClr val="accent2"/>
                 </a:solidFill>
@@ -14168,7 +14165,7 @@
               <a:t>is</a:t>
             </a:r>
             <a:r>
-              <a:rPr lang="en-US" sz="1600">
+              <a:rPr lang="en-US" sz="1600" dirty="0">
                 <a:solidFill>
                   <a:schemeClr val="accent1"/>
                 </a:solidFill>
@@ -14177,7 +14174,7 @@
               <a:t> </a:t>
             </a:r>
             <a:r>
-              <a:rPr lang="en-US" sz="1600">
+              <a:rPr lang="en-US" sz="1600" dirty="0">
                 <a:solidFill>
                   <a:schemeClr val="accent6"/>
                 </a:solidFill>
@@ -14186,7 +14183,7 @@
               <a:t>{</a:t>
             </a:r>
             <a:r>
-              <a:rPr lang="en-US" sz="1600">
+              <a:rPr lang="en-US" sz="1600" dirty="0">
                 <a:solidFill>
                   <a:schemeClr val="tx1"/>
                 </a:solidFill>
@@ -14195,7 +14192,7 @@
               <a:t>capital</a:t>
             </a:r>
             <a:r>
-              <a:rPr lang="en-US" sz="1600">
+              <a:rPr lang="en-US" sz="1600" dirty="0">
                 <a:solidFill>
                   <a:schemeClr val="accent6"/>
                 </a:solidFill>
@@ -14204,7 +14201,7 @@
               <a:t>}</a:t>
             </a:r>
             <a:r>
-              <a:rPr lang="en-US" sz="1600">
+              <a:rPr lang="en-US" sz="1600" dirty="0">
                 <a:solidFill>
                   <a:schemeClr val="tx1"/>
                 </a:solidFill>
@@ -14213,7 +14210,7 @@
               <a:t>'</a:t>
             </a:r>
             <a:r>
-              <a:rPr lang="en-US" sz="1600">
+              <a:rPr lang="en-US" sz="1600" dirty="0">
                 <a:solidFill>
                   <a:schemeClr val="accent1"/>
                 </a:solidFill>
@@ -14226,7 +14223,7 @@
             <a:pPr marL="0" indent="0" hangingPunct="1">
               <a:buNone/>
             </a:pPr>
-            <a:endParaRPr lang="en-US" sz="1600">
+            <a:endParaRPr lang="en-US" sz="1600" dirty="0">
               <a:solidFill>
                 <a:schemeClr val="accent1"/>
               </a:solidFill>
@@ -14265,7 +14262,7 @@
           </a:ln>
           <a:extLst>
             <a:ext uri="{C572A759-6A51-4108-AA02-DFA0A04FC94B}">
-              <ma14:wrappingTextBoxFlag xmlns="" xmlns:ma14="http://schemas.microsoft.com/office/mac/drawingml/2011/main" val="1"/>
+              <ma14:wrappingTextBoxFlag xmlns:ma14="http://schemas.microsoft.com/office/mac/drawingml/2011/main" xmlns="" val="1"/>
             </a:ext>
           </a:extLst>
         </p:spPr>
@@ -15308,13 +15305,16 @@
             </a:r>
             <a:r>
               <a:rPr lang="en-US" sz="2000" dirty="0">
-                <a:solidFill>
-                  <a:schemeClr val="tx1"/>
-                </a:solidFill>
                 <a:latin typeface="Consolas" panose="020B0609020204030204" pitchFamily="49" charset="0"/>
               </a:rPr>
               <a:t>’</a:t>
             </a:r>
+            <a:endParaRPr lang="en-US" sz="2000" dirty="0">
+              <a:solidFill>
+                <a:schemeClr val="tx1"/>
+              </a:solidFill>
+              <a:latin typeface="Consolas" panose="020B0609020204030204" pitchFamily="49" charset="0"/>
+            </a:endParaRPr>
           </a:p>
           <a:p>
             <a:pPr marL="457200" indent="-457200">
@@ -17064,7 +17064,7 @@
           </a:ln>
           <a:extLst>
             <a:ext uri="{C572A759-6A51-4108-AA02-DFA0A04FC94B}">
-              <ma14:wrappingTextBoxFlag xmlns="" xmlns:ma14="http://schemas.microsoft.com/office/mac/drawingml/2011/main" val="1"/>
+              <ma14:wrappingTextBoxFlag xmlns:ma14="http://schemas.microsoft.com/office/mac/drawingml/2011/main" xmlns="" val="1"/>
             </a:ext>
           </a:extLst>
         </p:spPr>
@@ -18202,7 +18202,7 @@
           </a:ln>
           <a:extLst>
             <a:ext uri="{C572A759-6A51-4108-AA02-DFA0A04FC94B}">
-              <ma14:wrappingTextBoxFlag xmlns="" xmlns:ma14="http://schemas.microsoft.com/office/mac/drawingml/2011/main" val="1"/>
+              <ma14:wrappingTextBoxFlag xmlns:ma14="http://schemas.microsoft.com/office/mac/drawingml/2011/main" xmlns="" val="1"/>
             </a:ext>
           </a:extLst>
         </p:spPr>
@@ -19560,7 +19560,7 @@
           </a:ln>
           <a:extLst>
             <a:ext uri="{C572A759-6A51-4108-AA02-DFA0A04FC94B}">
-              <ma14:wrappingTextBoxFlag xmlns="" xmlns:ma14="http://schemas.microsoft.com/office/mac/drawingml/2011/main" val="1"/>
+              <ma14:wrappingTextBoxFlag xmlns:ma14="http://schemas.microsoft.com/office/mac/drawingml/2011/main" xmlns="" val="1"/>
             </a:ext>
           </a:extLst>
         </p:spPr>
@@ -20728,7 +20728,7 @@
           </a:ln>
           <a:extLst>
             <a:ext uri="{C572A759-6A51-4108-AA02-DFA0A04FC94B}">
-              <ma14:wrappingTextBoxFlag xmlns="" xmlns:ma14="http://schemas.microsoft.com/office/mac/drawingml/2011/main" val="1"/>
+              <ma14:wrappingTextBoxFlag xmlns:ma14="http://schemas.microsoft.com/office/mac/drawingml/2011/main" xmlns="" val="1"/>
             </a:ext>
           </a:extLst>
         </p:spPr>
@@ -21424,7 +21424,7 @@
           </a:ln>
           <a:extLst>
             <a:ext uri="{C572A759-6A51-4108-AA02-DFA0A04FC94B}">
-              <ma14:wrappingTextBoxFlag xmlns="" xmlns:ma14="http://schemas.microsoft.com/office/mac/drawingml/2011/main" val="1"/>
+              <ma14:wrappingTextBoxFlag xmlns:ma14="http://schemas.microsoft.com/office/mac/drawingml/2011/main" xmlns="" val="1"/>
             </a:ext>
           </a:extLst>
         </p:spPr>
@@ -22592,7 +22592,7 @@
           </a:ln>
           <a:extLst>
             <a:ext uri="{C572A759-6A51-4108-AA02-DFA0A04FC94B}">
-              <ma14:wrappingTextBoxFlag xmlns="" xmlns:ma14="http://schemas.microsoft.com/office/mac/drawingml/2011/main" val="1"/>
+              <ma14:wrappingTextBoxFlag xmlns:ma14="http://schemas.microsoft.com/office/mac/drawingml/2011/main" xmlns="" val="1"/>
             </a:ext>
           </a:extLst>
         </p:spPr>
@@ -24791,7 +24791,7 @@
           </a:ln>
           <a:extLst>
             <a:ext uri="{C572A759-6A51-4108-AA02-DFA0A04FC94B}">
-              <ma14:wrappingTextBoxFlag xmlns="" xmlns:ma14="http://schemas.microsoft.com/office/mac/drawingml/2011/main" val="1"/>
+              <ma14:wrappingTextBoxFlag xmlns:ma14="http://schemas.microsoft.com/office/mac/drawingml/2011/main" xmlns="" val="1"/>
             </a:ext>
           </a:extLst>
         </p:spPr>
@@ -26051,7 +26051,7 @@
           </a:ln>
           <a:extLst>
             <a:ext uri="{C572A759-6A51-4108-AA02-DFA0A04FC94B}">
-              <ma14:wrappingTextBoxFlag xmlns="" xmlns:ma14="http://schemas.microsoft.com/office/mac/drawingml/2011/main" val="1"/>
+              <ma14:wrappingTextBoxFlag xmlns:ma14="http://schemas.microsoft.com/office/mac/drawingml/2011/main" xmlns="" val="1"/>
             </a:ext>
           </a:extLst>
         </p:spPr>
@@ -27863,7 +27863,7 @@
           </a:ln>
           <a:extLst>
             <a:ext uri="{C572A759-6A51-4108-AA02-DFA0A04FC94B}">
-              <ma14:wrappingTextBoxFlag xmlns="" xmlns:ma14="http://schemas.microsoft.com/office/mac/drawingml/2011/main" val="1"/>
+              <ma14:wrappingTextBoxFlag xmlns:ma14="http://schemas.microsoft.com/office/mac/drawingml/2011/main" xmlns="" val="1"/>
             </a:ext>
           </a:extLst>
         </p:spPr>
@@ -28817,7 +28817,7 @@
           </a:ln>
           <a:extLst>
             <a:ext uri="{C572A759-6A51-4108-AA02-DFA0A04FC94B}">
-              <ma14:wrappingTextBoxFlag xmlns="" xmlns:ma14="http://schemas.microsoft.com/office/mac/drawingml/2011/main" val="1"/>
+              <ma14:wrappingTextBoxFlag xmlns:ma14="http://schemas.microsoft.com/office/mac/drawingml/2011/main" xmlns="" val="1"/>
             </a:ext>
           </a:extLst>
         </p:spPr>
@@ -29328,7 +29328,7 @@
           </a:ln>
           <a:extLst>
             <a:ext uri="{C572A759-6A51-4108-AA02-DFA0A04FC94B}">
-              <ma14:wrappingTextBoxFlag xmlns="" xmlns:ma14="http://schemas.microsoft.com/office/mac/drawingml/2011/main" val="1"/>
+              <ma14:wrappingTextBoxFlag xmlns:ma14="http://schemas.microsoft.com/office/mac/drawingml/2011/main" xmlns="" val="1"/>
             </a:ext>
           </a:extLst>
         </p:spPr>
@@ -30252,7 +30252,7 @@
           </a:ln>
           <a:extLst>
             <a:ext uri="{C572A759-6A51-4108-AA02-DFA0A04FC94B}">
-              <ma14:wrappingTextBoxFlag xmlns="" xmlns:ma14="http://schemas.microsoft.com/office/mac/drawingml/2011/main" val="1"/>
+              <ma14:wrappingTextBoxFlag xmlns:ma14="http://schemas.microsoft.com/office/mac/drawingml/2011/main" xmlns="" val="1"/>
             </a:ext>
           </a:extLst>
         </p:spPr>
@@ -30688,7 +30688,7 @@
           </a:ln>
           <a:extLst>
             <a:ext uri="{C572A759-6A51-4108-AA02-DFA0A04FC94B}">
-              <ma14:wrappingTextBoxFlag xmlns="" xmlns:ma14="http://schemas.microsoft.com/office/mac/drawingml/2011/main" val="1"/>
+              <ma14:wrappingTextBoxFlag xmlns:ma14="http://schemas.microsoft.com/office/mac/drawingml/2011/main" xmlns="" val="1"/>
             </a:ext>
           </a:extLst>
         </p:spPr>
@@ -31180,7 +31180,7 @@
           </a:ln>
           <a:extLst>
             <a:ext uri="{C572A759-6A51-4108-AA02-DFA0A04FC94B}">
-              <ma14:wrappingTextBoxFlag xmlns="" xmlns:ma14="http://schemas.microsoft.com/office/mac/drawingml/2011/main" val="1"/>
+              <ma14:wrappingTextBoxFlag xmlns:ma14="http://schemas.microsoft.com/office/mac/drawingml/2011/main" xmlns="" val="1"/>
             </a:ext>
           </a:extLst>
         </p:spPr>
@@ -33157,7 +33157,7 @@
           </a:ln>
           <a:extLst>
             <a:ext uri="{C572A759-6A51-4108-AA02-DFA0A04FC94B}">
-              <ma14:wrappingTextBoxFlag xmlns="" xmlns:ma14="http://schemas.microsoft.com/office/mac/drawingml/2011/main" val="1"/>
+              <ma14:wrappingTextBoxFlag xmlns:ma14="http://schemas.microsoft.com/office/mac/drawingml/2011/main" xmlns="" val="1"/>
             </a:ext>
           </a:extLst>
         </p:spPr>
@@ -33780,7 +33780,7 @@
           </a:ln>
           <a:extLst>
             <a:ext uri="{C572A759-6A51-4108-AA02-DFA0A04FC94B}">
-              <ma14:wrappingTextBoxFlag xmlns="" xmlns:ma14="http://schemas.microsoft.com/office/mac/drawingml/2011/main" val="1"/>
+              <ma14:wrappingTextBoxFlag xmlns:ma14="http://schemas.microsoft.com/office/mac/drawingml/2011/main" xmlns="" val="1"/>
             </a:ext>
           </a:extLst>
         </p:spPr>
@@ -34576,7 +34576,7 @@
           </a:ln>
           <a:extLst>
             <a:ext uri="{C572A759-6A51-4108-AA02-DFA0A04FC94B}">
-              <ma14:wrappingTextBoxFlag xmlns="" xmlns:ma14="http://schemas.microsoft.com/office/mac/drawingml/2011/main" val="1"/>
+              <ma14:wrappingTextBoxFlag xmlns:ma14="http://schemas.microsoft.com/office/mac/drawingml/2011/main" xmlns="" val="1"/>
             </a:ext>
           </a:extLst>
         </p:spPr>
@@ -35145,7 +35145,7 @@
           </a:ln>
           <a:extLst>
             <a:ext uri="{C572A759-6A51-4108-AA02-DFA0A04FC94B}">
-              <ma14:wrappingTextBoxFlag xmlns="" xmlns:ma14="http://schemas.microsoft.com/office/mac/drawingml/2011/main" val="1"/>
+              <ma14:wrappingTextBoxFlag xmlns:ma14="http://schemas.microsoft.com/office/mac/drawingml/2011/main" xmlns="" val="1"/>
             </a:ext>
           </a:extLst>
         </p:spPr>
@@ -36544,7 +36544,7 @@
           </a:ln>
           <a:extLst>
             <a:ext uri="{C572A759-6A51-4108-AA02-DFA0A04FC94B}">
-              <ma14:wrappingTextBoxFlag xmlns="" xmlns:ma14="http://schemas.microsoft.com/office/mac/drawingml/2011/main" val="1"/>
+              <ma14:wrappingTextBoxFlag xmlns:ma14="http://schemas.microsoft.com/office/mac/drawingml/2011/main" xmlns="" val="1"/>
             </a:ext>
           </a:extLst>
         </p:spPr>
@@ -37852,7 +37852,7 @@
           </a:ln>
           <a:extLst>
             <a:ext uri="{C572A759-6A51-4108-AA02-DFA0A04FC94B}">
-              <ma14:wrappingTextBoxFlag xmlns="" xmlns:ma14="http://schemas.microsoft.com/office/mac/drawingml/2011/main" val="1"/>
+              <ma14:wrappingTextBoxFlag xmlns:ma14="http://schemas.microsoft.com/office/mac/drawingml/2011/main" xmlns="" val="1"/>
             </a:ext>
           </a:extLst>
         </p:spPr>
@@ -39099,7 +39099,7 @@
           </a:ln>
           <a:extLst>
             <a:ext uri="{C572A759-6A51-4108-AA02-DFA0A04FC94B}">
-              <ma14:wrappingTextBoxFlag xmlns="" xmlns:ma14="http://schemas.microsoft.com/office/mac/drawingml/2011/main" val="1"/>
+              <ma14:wrappingTextBoxFlag xmlns:ma14="http://schemas.microsoft.com/office/mac/drawingml/2011/main" xmlns="" val="1"/>
             </a:ext>
           </a:extLst>
         </p:spPr>
@@ -39788,7 +39788,7 @@
           </a:ln>
           <a:extLst>
             <a:ext uri="{C572A759-6A51-4108-AA02-DFA0A04FC94B}">
-              <ma14:wrappingTextBoxFlag xmlns="" xmlns:ma14="http://schemas.microsoft.com/office/mac/drawingml/2011/main" val="1"/>
+              <ma14:wrappingTextBoxFlag xmlns:ma14="http://schemas.microsoft.com/office/mac/drawingml/2011/main" xmlns="" val="1"/>
             </a:ext>
           </a:extLst>
         </p:spPr>
@@ -41004,7 +41004,7 @@
           </a:ln>
           <a:extLst>
             <a:ext uri="{C572A759-6A51-4108-AA02-DFA0A04FC94B}">
-              <ma14:wrappingTextBoxFlag xmlns="" xmlns:ma14="http://schemas.microsoft.com/office/mac/drawingml/2011/main" val="1"/>
+              <ma14:wrappingTextBoxFlag xmlns:ma14="http://schemas.microsoft.com/office/mac/drawingml/2011/main" xmlns="" val="1"/>
             </a:ext>
           </a:extLst>
         </p:spPr>
@@ -42162,7 +42162,7 @@
           </a:ln>
           <a:extLst>
             <a:ext uri="{C572A759-6A51-4108-AA02-DFA0A04FC94B}">
-              <ma14:wrappingTextBoxFlag xmlns="" xmlns:ma14="http://schemas.microsoft.com/office/mac/drawingml/2011/main" val="1"/>
+              <ma14:wrappingTextBoxFlag xmlns:ma14="http://schemas.microsoft.com/office/mac/drawingml/2011/main" xmlns="" val="1"/>
             </a:ext>
           </a:extLst>
         </p:spPr>
@@ -42805,7 +42805,7 @@
           </a:ln>
           <a:extLst>
             <a:ext uri="{C572A759-6A51-4108-AA02-DFA0A04FC94B}">
-              <ma14:wrappingTextBoxFlag xmlns="" xmlns:ma14="http://schemas.microsoft.com/office/mac/drawingml/2011/main" val="1"/>
+              <ma14:wrappingTextBoxFlag xmlns:ma14="http://schemas.microsoft.com/office/mac/drawingml/2011/main" xmlns="" val="1"/>
             </a:ext>
           </a:extLst>
         </p:spPr>
@@ -45526,7 +45526,7 @@
           </a:ln>
           <a:extLst>
             <a:ext uri="{C572A759-6A51-4108-AA02-DFA0A04FC94B}">
-              <ma14:wrappingTextBoxFlag xmlns="" xmlns:ma14="http://schemas.microsoft.com/office/mac/drawingml/2011/main" val="1"/>
+              <ma14:wrappingTextBoxFlag xmlns:ma14="http://schemas.microsoft.com/office/mac/drawingml/2011/main" xmlns="" val="1"/>
             </a:ext>
           </a:extLst>
         </p:spPr>
@@ -46405,7 +46405,7 @@
           </a:ln>
           <a:extLst>
             <a:ext uri="{C572A759-6A51-4108-AA02-DFA0A04FC94B}">
-              <ma14:wrappingTextBoxFlag xmlns="" xmlns:ma14="http://schemas.microsoft.com/office/mac/drawingml/2011/main" val="1"/>
+              <ma14:wrappingTextBoxFlag xmlns:ma14="http://schemas.microsoft.com/office/mac/drawingml/2011/main" xmlns="" val="1"/>
             </a:ext>
           </a:extLst>
         </p:spPr>
@@ -47548,7 +47548,7 @@
           </a:ln>
           <a:extLst>
             <a:ext uri="{C572A759-6A51-4108-AA02-DFA0A04FC94B}">
-              <ma14:wrappingTextBoxFlag xmlns="" xmlns:ma14="http://schemas.microsoft.com/office/mac/drawingml/2011/main" val="1"/>
+              <ma14:wrappingTextBoxFlag xmlns:ma14="http://schemas.microsoft.com/office/mac/drawingml/2011/main" xmlns="" val="1"/>
             </a:ext>
           </a:extLst>
         </p:spPr>
@@ -48362,7 +48362,7 @@
           </a:ln>
           <a:extLst>
             <a:ext uri="{C572A759-6A51-4108-AA02-DFA0A04FC94B}">
-              <ma14:wrappingTextBoxFlag xmlns="" xmlns:ma14="http://schemas.microsoft.com/office/mac/drawingml/2011/main" val="1"/>
+              <ma14:wrappingTextBoxFlag xmlns:ma14="http://schemas.microsoft.com/office/mac/drawingml/2011/main" xmlns="" val="1"/>
             </a:ext>
           </a:extLst>
         </p:spPr>
@@ -48711,7 +48711,7 @@
           </a:ln>
           <a:extLst>
             <a:ext uri="{C572A759-6A51-4108-AA02-DFA0A04FC94B}">
-              <ma14:wrappingTextBoxFlag xmlns="" xmlns:ma14="http://schemas.microsoft.com/office/mac/drawingml/2011/main" val="1"/>
+              <ma14:wrappingTextBoxFlag xmlns:ma14="http://schemas.microsoft.com/office/mac/drawingml/2011/main" xmlns="" val="1"/>
             </a:ext>
           </a:extLst>
         </p:spPr>
@@ -49401,7 +49401,7 @@
           </a:ln>
           <a:extLst>
             <a:ext uri="{C572A759-6A51-4108-AA02-DFA0A04FC94B}">
-              <ma14:wrappingTextBoxFlag xmlns="" xmlns:ma14="http://schemas.microsoft.com/office/mac/drawingml/2011/main" val="1"/>
+              <ma14:wrappingTextBoxFlag xmlns:ma14="http://schemas.microsoft.com/office/mac/drawingml/2011/main" xmlns="" val="1"/>
             </a:ext>
           </a:extLst>
         </p:spPr>
@@ -50323,6 +50323,15 @@
 </file>
 
 <file path=customXml/item1.xml><?xml version="1.0" encoding="utf-8"?>
+<?mso-contentType ?>
+<FormTemplates xmlns="http://schemas.microsoft.com/sharepoint/v3/contenttype/forms">
+  <Display>DocumentLibraryForm</Display>
+  <Edit>DocumentLibraryForm</Edit>
+  <New>DocumentLibraryForm</New>
+</FormTemplates>
+</file>
+
+<file path=customXml/item2.xml><?xml version="1.0" encoding="utf-8"?>
 <ct:contentTypeSchema xmlns:ct="http://schemas.microsoft.com/office/2006/metadata/contentType" xmlns:ma="http://schemas.microsoft.com/office/2006/metadata/properties/metaAttributes" ct:_="" ma:_="" ma:contentTypeName="Document" ma:contentTypeID="0x010100F1325F46957A7D4694A8ACC888AA2621" ma:contentTypeVersion="7" ma:contentTypeDescription="Een nieuw document maken." ma:contentTypeScope="" ma:versionID="14c5700b56297cf9c66eff42b9f64bd4">
   <xsd:schema xmlns:xsd="http://www.w3.org/2001/XMLSchema" xmlns:xs="http://www.w3.org/2001/XMLSchema" xmlns:p="http://schemas.microsoft.com/office/2006/metadata/properties" xmlns:ns2="9b614674-bb2d-4c45-94ea-39f42762d3ae" targetNamespace="http://schemas.microsoft.com/office/2006/metadata/properties" ma:root="true" ma:fieldsID="4e421ba7028bb8b9c0acf45abfb7d816" ns2:_="">
     <xsd:import namespace="9b614674-bb2d-4c45-94ea-39f42762d3ae"/>
@@ -50482,15 +50491,6 @@
 </ct:contentTypeSchema>
 </file>
 
-<file path=customXml/item2.xml><?xml version="1.0" encoding="utf-8"?>
-<?mso-contentType ?>
-<FormTemplates xmlns="http://schemas.microsoft.com/sharepoint/v3/contenttype/forms">
-  <Display>DocumentLibraryForm</Display>
-  <Edit>DocumentLibraryForm</Edit>
-  <New>DocumentLibraryForm</New>
-</FormTemplates>
-</file>
-
 <file path=customXml/item3.xml><?xml version="1.0" encoding="utf-8"?>
 <p:properties xmlns:p="http://schemas.microsoft.com/office/2006/metadata/properties" xmlns:xsi="http://www.w3.org/2001/XMLSchema-instance" xmlns:pc="http://schemas.microsoft.com/office/infopath/2007/PartnerControls">
   <documentManagement>
@@ -50502,6 +50502,14 @@
 </file>
 
 <file path=customXml/itemProps1.xml><?xml version="1.0" encoding="utf-8"?>
+<ds:datastoreItem xmlns:ds="http://schemas.openxmlformats.org/officeDocument/2006/customXml" ds:itemID="{126BFA21-774C-45F5-BE3E-541B29302740}">
+  <ds:schemaRefs>
+    <ds:schemaRef ds:uri="http://schemas.microsoft.com/sharepoint/v3/contenttype/forms"/>
+  </ds:schemaRefs>
+</ds:datastoreItem>
+</file>
+
+<file path=customXml/itemProps2.xml><?xml version="1.0" encoding="utf-8"?>
 <ds:datastoreItem xmlns:ds="http://schemas.openxmlformats.org/officeDocument/2006/customXml" ds:itemID="{91A37897-CF46-4B8E-B11C-A11B11EC42BB}">
   <ds:schemaRefs>
     <ds:schemaRef ds:uri="http://schemas.microsoft.com/office/2006/metadata/contentType"/>
@@ -50519,14 +50527,6 @@
 </ds:datastoreItem>
 </file>
 
-<file path=customXml/itemProps2.xml><?xml version="1.0" encoding="utf-8"?>
-<ds:datastoreItem xmlns:ds="http://schemas.openxmlformats.org/officeDocument/2006/customXml" ds:itemID="{126BFA21-774C-45F5-BE3E-541B29302740}">
-  <ds:schemaRefs>
-    <ds:schemaRef ds:uri="http://schemas.microsoft.com/sharepoint/v3/contenttype/forms"/>
-  </ds:schemaRefs>
-</ds:datastoreItem>
-</file>
-
 <file path=customXml/itemProps3.xml><?xml version="1.0" encoding="utf-8"?>
 <ds:datastoreItem xmlns:ds="http://schemas.openxmlformats.org/officeDocument/2006/customXml" ds:itemID="{4B4D6183-A0C2-41B9-BD62-0CD29AC5B1EF}">
   <ds:schemaRefs>

--- a/03-iterators&comprehension/programming2_iterable.pptx
+++ b/03-iterators&comprehension/programming2_iterable.pptx
@@ -9781,7 +9781,7 @@
           </a:ln>
           <a:extLst>
             <a:ext uri="{C572A759-6A51-4108-AA02-DFA0A04FC94B}">
-              <ma14:wrappingTextBoxFlag xmlns:ma14="http://schemas.microsoft.com/office/mac/drawingml/2011/main" xmlns="" val="1"/>
+              <ma14:wrappingTextBoxFlag xmlns="" xmlns:ma14="http://schemas.microsoft.com/office/mac/drawingml/2011/main" val="1"/>
             </a:ext>
           </a:extLst>
         </p:spPr>
@@ -10471,7 +10471,7 @@
           </a:ln>
           <a:extLst>
             <a:ext uri="{C572A759-6A51-4108-AA02-DFA0A04FC94B}">
-              <ma14:wrappingTextBoxFlag xmlns:ma14="http://schemas.microsoft.com/office/mac/drawingml/2011/main" xmlns="" val="1"/>
+              <ma14:wrappingTextBoxFlag xmlns="" xmlns:ma14="http://schemas.microsoft.com/office/mac/drawingml/2011/main" val="1"/>
             </a:ext>
           </a:extLst>
         </p:spPr>
@@ -10817,7 +10817,7 @@
           </a:ln>
           <a:extLst>
             <a:ext uri="{C572A759-6A51-4108-AA02-DFA0A04FC94B}">
-              <ma14:wrappingTextBoxFlag xmlns:ma14="http://schemas.microsoft.com/office/mac/drawingml/2011/main" xmlns="" val="1"/>
+              <ma14:wrappingTextBoxFlag xmlns="" xmlns:ma14="http://schemas.microsoft.com/office/mac/drawingml/2011/main" val="1"/>
             </a:ext>
           </a:extLst>
         </p:spPr>
@@ -11478,7 +11478,7 @@
           </a:ln>
           <a:extLst>
             <a:ext uri="{C572A759-6A51-4108-AA02-DFA0A04FC94B}">
-              <ma14:wrappingTextBoxFlag xmlns:ma14="http://schemas.microsoft.com/office/mac/drawingml/2011/main" xmlns="" val="1"/>
+              <ma14:wrappingTextBoxFlag xmlns="" xmlns:ma14="http://schemas.microsoft.com/office/mac/drawingml/2011/main" val="1"/>
             </a:ext>
           </a:extLst>
         </p:spPr>
@@ -12339,7 +12339,7 @@
           </a:ln>
           <a:extLst>
             <a:ext uri="{C572A759-6A51-4108-AA02-DFA0A04FC94B}">
-              <ma14:wrappingTextBoxFlag xmlns:ma14="http://schemas.microsoft.com/office/mac/drawingml/2011/main" xmlns="" val="1"/>
+              <ma14:wrappingTextBoxFlag xmlns="" xmlns:ma14="http://schemas.microsoft.com/office/mac/drawingml/2011/main" val="1"/>
             </a:ext>
           </a:extLst>
         </p:spPr>
@@ -13149,7 +13149,7 @@
           </a:ln>
           <a:extLst>
             <a:ext uri="{C572A759-6A51-4108-AA02-DFA0A04FC94B}">
-              <ma14:wrappingTextBoxFlag xmlns:ma14="http://schemas.microsoft.com/office/mac/drawingml/2011/main" xmlns="" val="1"/>
+              <ma14:wrappingTextBoxFlag xmlns="" xmlns:ma14="http://schemas.microsoft.com/office/mac/drawingml/2011/main" val="1"/>
             </a:ext>
           </a:extLst>
         </p:spPr>
@@ -13487,7 +13487,7 @@
           </a:ln>
           <a:extLst>
             <a:ext uri="{C572A759-6A51-4108-AA02-DFA0A04FC94B}">
-              <ma14:wrappingTextBoxFlag xmlns:ma14="http://schemas.microsoft.com/office/mac/drawingml/2011/main" xmlns="" val="1"/>
+              <ma14:wrappingTextBoxFlag xmlns="" xmlns:ma14="http://schemas.microsoft.com/office/mac/drawingml/2011/main" val="1"/>
             </a:ext>
           </a:extLst>
         </p:spPr>
@@ -14262,7 +14262,7 @@
           </a:ln>
           <a:extLst>
             <a:ext uri="{C572A759-6A51-4108-AA02-DFA0A04FC94B}">
-              <ma14:wrappingTextBoxFlag xmlns:ma14="http://schemas.microsoft.com/office/mac/drawingml/2011/main" xmlns="" val="1"/>
+              <ma14:wrappingTextBoxFlag xmlns="" xmlns:ma14="http://schemas.microsoft.com/office/mac/drawingml/2011/main" val="1"/>
             </a:ext>
           </a:extLst>
         </p:spPr>
@@ -17064,7 +17064,7 @@
           </a:ln>
           <a:extLst>
             <a:ext uri="{C572A759-6A51-4108-AA02-DFA0A04FC94B}">
-              <ma14:wrappingTextBoxFlag xmlns:ma14="http://schemas.microsoft.com/office/mac/drawingml/2011/main" xmlns="" val="1"/>
+              <ma14:wrappingTextBoxFlag xmlns="" xmlns:ma14="http://schemas.microsoft.com/office/mac/drawingml/2011/main" val="1"/>
             </a:ext>
           </a:extLst>
         </p:spPr>
@@ -18202,7 +18202,7 @@
           </a:ln>
           <a:extLst>
             <a:ext uri="{C572A759-6A51-4108-AA02-DFA0A04FC94B}">
-              <ma14:wrappingTextBoxFlag xmlns:ma14="http://schemas.microsoft.com/office/mac/drawingml/2011/main" xmlns="" val="1"/>
+              <ma14:wrappingTextBoxFlag xmlns="" xmlns:ma14="http://schemas.microsoft.com/office/mac/drawingml/2011/main" val="1"/>
             </a:ext>
           </a:extLst>
         </p:spPr>
@@ -19560,7 +19560,7 @@
           </a:ln>
           <a:extLst>
             <a:ext uri="{C572A759-6A51-4108-AA02-DFA0A04FC94B}">
-              <ma14:wrappingTextBoxFlag xmlns:ma14="http://schemas.microsoft.com/office/mac/drawingml/2011/main" xmlns="" val="1"/>
+              <ma14:wrappingTextBoxFlag xmlns="" xmlns:ma14="http://schemas.microsoft.com/office/mac/drawingml/2011/main" val="1"/>
             </a:ext>
           </a:extLst>
         </p:spPr>
@@ -20728,7 +20728,7 @@
           </a:ln>
           <a:extLst>
             <a:ext uri="{C572A759-6A51-4108-AA02-DFA0A04FC94B}">
-              <ma14:wrappingTextBoxFlag xmlns:ma14="http://schemas.microsoft.com/office/mac/drawingml/2011/main" xmlns="" val="1"/>
+              <ma14:wrappingTextBoxFlag xmlns="" xmlns:ma14="http://schemas.microsoft.com/office/mac/drawingml/2011/main" val="1"/>
             </a:ext>
           </a:extLst>
         </p:spPr>
@@ -21424,7 +21424,7 @@
           </a:ln>
           <a:extLst>
             <a:ext uri="{C572A759-6A51-4108-AA02-DFA0A04FC94B}">
-              <ma14:wrappingTextBoxFlag xmlns:ma14="http://schemas.microsoft.com/office/mac/drawingml/2011/main" xmlns="" val="1"/>
+              <ma14:wrappingTextBoxFlag xmlns="" xmlns:ma14="http://schemas.microsoft.com/office/mac/drawingml/2011/main" val="1"/>
             </a:ext>
           </a:extLst>
         </p:spPr>
@@ -22592,7 +22592,7 @@
           </a:ln>
           <a:extLst>
             <a:ext uri="{C572A759-6A51-4108-AA02-DFA0A04FC94B}">
-              <ma14:wrappingTextBoxFlag xmlns:ma14="http://schemas.microsoft.com/office/mac/drawingml/2011/main" xmlns="" val="1"/>
+              <ma14:wrappingTextBoxFlag xmlns="" xmlns:ma14="http://schemas.microsoft.com/office/mac/drawingml/2011/main" val="1"/>
             </a:ext>
           </a:extLst>
         </p:spPr>
@@ -24791,7 +24791,7 @@
           </a:ln>
           <a:extLst>
             <a:ext uri="{C572A759-6A51-4108-AA02-DFA0A04FC94B}">
-              <ma14:wrappingTextBoxFlag xmlns:ma14="http://schemas.microsoft.com/office/mac/drawingml/2011/main" xmlns="" val="1"/>
+              <ma14:wrappingTextBoxFlag xmlns="" xmlns:ma14="http://schemas.microsoft.com/office/mac/drawingml/2011/main" val="1"/>
             </a:ext>
           </a:extLst>
         </p:spPr>
@@ -26051,7 +26051,7 @@
           </a:ln>
           <a:extLst>
             <a:ext uri="{C572A759-6A51-4108-AA02-DFA0A04FC94B}">
-              <ma14:wrappingTextBoxFlag xmlns:ma14="http://schemas.microsoft.com/office/mac/drawingml/2011/main" xmlns="" val="1"/>
+              <ma14:wrappingTextBoxFlag xmlns="" xmlns:ma14="http://schemas.microsoft.com/office/mac/drawingml/2011/main" val="1"/>
             </a:ext>
           </a:extLst>
         </p:spPr>
@@ -27863,7 +27863,7 @@
           </a:ln>
           <a:extLst>
             <a:ext uri="{C572A759-6A51-4108-AA02-DFA0A04FC94B}">
-              <ma14:wrappingTextBoxFlag xmlns:ma14="http://schemas.microsoft.com/office/mac/drawingml/2011/main" xmlns="" val="1"/>
+              <ma14:wrappingTextBoxFlag xmlns="" xmlns:ma14="http://schemas.microsoft.com/office/mac/drawingml/2011/main" val="1"/>
             </a:ext>
           </a:extLst>
         </p:spPr>
@@ -28817,7 +28817,7 @@
           </a:ln>
           <a:extLst>
             <a:ext uri="{C572A759-6A51-4108-AA02-DFA0A04FC94B}">
-              <ma14:wrappingTextBoxFlag xmlns:ma14="http://schemas.microsoft.com/office/mac/drawingml/2011/main" xmlns="" val="1"/>
+              <ma14:wrappingTextBoxFlag xmlns="" xmlns:ma14="http://schemas.microsoft.com/office/mac/drawingml/2011/main" val="1"/>
             </a:ext>
           </a:extLst>
         </p:spPr>
@@ -29328,7 +29328,7 @@
           </a:ln>
           <a:extLst>
             <a:ext uri="{C572A759-6A51-4108-AA02-DFA0A04FC94B}">
-              <ma14:wrappingTextBoxFlag xmlns:ma14="http://schemas.microsoft.com/office/mac/drawingml/2011/main" xmlns="" val="1"/>
+              <ma14:wrappingTextBoxFlag xmlns="" xmlns:ma14="http://schemas.microsoft.com/office/mac/drawingml/2011/main" val="1"/>
             </a:ext>
           </a:extLst>
         </p:spPr>
@@ -30252,7 +30252,7 @@
           </a:ln>
           <a:extLst>
             <a:ext uri="{C572A759-6A51-4108-AA02-DFA0A04FC94B}">
-              <ma14:wrappingTextBoxFlag xmlns:ma14="http://schemas.microsoft.com/office/mac/drawingml/2011/main" xmlns="" val="1"/>
+              <ma14:wrappingTextBoxFlag xmlns="" xmlns:ma14="http://schemas.microsoft.com/office/mac/drawingml/2011/main" val="1"/>
             </a:ext>
           </a:extLst>
         </p:spPr>
@@ -30688,7 +30688,7 @@
           </a:ln>
           <a:extLst>
             <a:ext uri="{C572A759-6A51-4108-AA02-DFA0A04FC94B}">
-              <ma14:wrappingTextBoxFlag xmlns:ma14="http://schemas.microsoft.com/office/mac/drawingml/2011/main" xmlns="" val="1"/>
+              <ma14:wrappingTextBoxFlag xmlns="" xmlns:ma14="http://schemas.microsoft.com/office/mac/drawingml/2011/main" val="1"/>
             </a:ext>
           </a:extLst>
         </p:spPr>
@@ -31180,7 +31180,7 @@
           </a:ln>
           <a:extLst>
             <a:ext uri="{C572A759-6A51-4108-AA02-DFA0A04FC94B}">
-              <ma14:wrappingTextBoxFlag xmlns:ma14="http://schemas.microsoft.com/office/mac/drawingml/2011/main" xmlns="" val="1"/>
+              <ma14:wrappingTextBoxFlag xmlns="" xmlns:ma14="http://schemas.microsoft.com/office/mac/drawingml/2011/main" val="1"/>
             </a:ext>
           </a:extLst>
         </p:spPr>
@@ -33157,7 +33157,7 @@
           </a:ln>
           <a:extLst>
             <a:ext uri="{C572A759-6A51-4108-AA02-DFA0A04FC94B}">
-              <ma14:wrappingTextBoxFlag xmlns:ma14="http://schemas.microsoft.com/office/mac/drawingml/2011/main" xmlns="" val="1"/>
+              <ma14:wrappingTextBoxFlag xmlns="" xmlns:ma14="http://schemas.microsoft.com/office/mac/drawingml/2011/main" val="1"/>
             </a:ext>
           </a:extLst>
         </p:spPr>
@@ -33780,7 +33780,7 @@
           </a:ln>
           <a:extLst>
             <a:ext uri="{C572A759-6A51-4108-AA02-DFA0A04FC94B}">
-              <ma14:wrappingTextBoxFlag xmlns:ma14="http://schemas.microsoft.com/office/mac/drawingml/2011/main" xmlns="" val="1"/>
+              <ma14:wrappingTextBoxFlag xmlns="" xmlns:ma14="http://schemas.microsoft.com/office/mac/drawingml/2011/main" val="1"/>
             </a:ext>
           </a:extLst>
         </p:spPr>
@@ -34576,7 +34576,7 @@
           </a:ln>
           <a:extLst>
             <a:ext uri="{C572A759-6A51-4108-AA02-DFA0A04FC94B}">
-              <ma14:wrappingTextBoxFlag xmlns:ma14="http://schemas.microsoft.com/office/mac/drawingml/2011/main" xmlns="" val="1"/>
+              <ma14:wrappingTextBoxFlag xmlns="" xmlns:ma14="http://schemas.microsoft.com/office/mac/drawingml/2011/main" val="1"/>
             </a:ext>
           </a:extLst>
         </p:spPr>
@@ -35145,7 +35145,7 @@
           </a:ln>
           <a:extLst>
             <a:ext uri="{C572A759-6A51-4108-AA02-DFA0A04FC94B}">
-              <ma14:wrappingTextBoxFlag xmlns:ma14="http://schemas.microsoft.com/office/mac/drawingml/2011/main" xmlns="" val="1"/>
+              <ma14:wrappingTextBoxFlag xmlns="" xmlns:ma14="http://schemas.microsoft.com/office/mac/drawingml/2011/main" val="1"/>
             </a:ext>
           </a:extLst>
         </p:spPr>
@@ -36544,7 +36544,7 @@
           </a:ln>
           <a:extLst>
             <a:ext uri="{C572A759-6A51-4108-AA02-DFA0A04FC94B}">
-              <ma14:wrappingTextBoxFlag xmlns:ma14="http://schemas.microsoft.com/office/mac/drawingml/2011/main" xmlns="" val="1"/>
+              <ma14:wrappingTextBoxFlag xmlns="" xmlns:ma14="http://schemas.microsoft.com/office/mac/drawingml/2011/main" val="1"/>
             </a:ext>
           </a:extLst>
         </p:spPr>
@@ -37852,7 +37852,7 @@
           </a:ln>
           <a:extLst>
             <a:ext uri="{C572A759-6A51-4108-AA02-DFA0A04FC94B}">
-              <ma14:wrappingTextBoxFlag xmlns:ma14="http://schemas.microsoft.com/office/mac/drawingml/2011/main" xmlns="" val="1"/>
+              <ma14:wrappingTextBoxFlag xmlns="" xmlns:ma14="http://schemas.microsoft.com/office/mac/drawingml/2011/main" val="1"/>
             </a:ext>
           </a:extLst>
         </p:spPr>
@@ -39099,7 +39099,7 @@
           </a:ln>
           <a:extLst>
             <a:ext uri="{C572A759-6A51-4108-AA02-DFA0A04FC94B}">
-              <ma14:wrappingTextBoxFlag xmlns:ma14="http://schemas.microsoft.com/office/mac/drawingml/2011/main" xmlns="" val="1"/>
+              <ma14:wrappingTextBoxFlag xmlns="" xmlns:ma14="http://schemas.microsoft.com/office/mac/drawingml/2011/main" val="1"/>
             </a:ext>
           </a:extLst>
         </p:spPr>
@@ -39788,7 +39788,7 @@
           </a:ln>
           <a:extLst>
             <a:ext uri="{C572A759-6A51-4108-AA02-DFA0A04FC94B}">
-              <ma14:wrappingTextBoxFlag xmlns:ma14="http://schemas.microsoft.com/office/mac/drawingml/2011/main" xmlns="" val="1"/>
+              <ma14:wrappingTextBoxFlag xmlns="" xmlns:ma14="http://schemas.microsoft.com/office/mac/drawingml/2011/main" val="1"/>
             </a:ext>
           </a:extLst>
         </p:spPr>
@@ -41004,7 +41004,7 @@
           </a:ln>
           <a:extLst>
             <a:ext uri="{C572A759-6A51-4108-AA02-DFA0A04FC94B}">
-              <ma14:wrappingTextBoxFlag xmlns:ma14="http://schemas.microsoft.com/office/mac/drawingml/2011/main" xmlns="" val="1"/>
+              <ma14:wrappingTextBoxFlag xmlns="" xmlns:ma14="http://schemas.microsoft.com/office/mac/drawingml/2011/main" val="1"/>
             </a:ext>
           </a:extLst>
         </p:spPr>
@@ -42162,7 +42162,7 @@
           </a:ln>
           <a:extLst>
             <a:ext uri="{C572A759-6A51-4108-AA02-DFA0A04FC94B}">
-              <ma14:wrappingTextBoxFlag xmlns:ma14="http://schemas.microsoft.com/office/mac/drawingml/2011/main" xmlns="" val="1"/>
+              <ma14:wrappingTextBoxFlag xmlns="" xmlns:ma14="http://schemas.microsoft.com/office/mac/drawingml/2011/main" val="1"/>
             </a:ext>
           </a:extLst>
         </p:spPr>
@@ -42805,7 +42805,7 @@
           </a:ln>
           <a:extLst>
             <a:ext uri="{C572A759-6A51-4108-AA02-DFA0A04FC94B}">
-              <ma14:wrappingTextBoxFlag xmlns:ma14="http://schemas.microsoft.com/office/mac/drawingml/2011/main" xmlns="" val="1"/>
+              <ma14:wrappingTextBoxFlag xmlns="" xmlns:ma14="http://schemas.microsoft.com/office/mac/drawingml/2011/main" val="1"/>
             </a:ext>
           </a:extLst>
         </p:spPr>
@@ -43291,7 +43291,25 @@
                 </a:solidFill>
                 <a:latin typeface="Consolas" panose="020B0609020204030204" pitchFamily="49" charset="0"/>
               </a:rPr>
-              <a:t> "o" </a:t>
+              <a:t> </a:t>
+            </a:r>
+            <a:r>
+              <a:rPr lang="en-US" sz="1800" dirty="0">
+                <a:solidFill>
+                  <a:schemeClr val="accent2"/>
+                </a:solidFill>
+                <a:latin typeface="Consolas" panose="020B0609020204030204" pitchFamily="49" charset="0"/>
+              </a:rPr>
+              <a:t>"o"</a:t>
+            </a:r>
+            <a:r>
+              <a:rPr lang="en-US" sz="1800" dirty="0">
+                <a:solidFill>
+                  <a:schemeClr val="tx1"/>
+                </a:solidFill>
+                <a:latin typeface="Consolas" panose="020B0609020204030204" pitchFamily="49" charset="0"/>
+              </a:rPr>
+              <a:t> </a:t>
             </a:r>
             <a:r>
               <a:rPr lang="en-US" sz="1800" dirty="0">
@@ -45526,7 +45544,7 @@
           </a:ln>
           <a:extLst>
             <a:ext uri="{C572A759-6A51-4108-AA02-DFA0A04FC94B}">
-              <ma14:wrappingTextBoxFlag xmlns:ma14="http://schemas.microsoft.com/office/mac/drawingml/2011/main" xmlns="" val="1"/>
+              <ma14:wrappingTextBoxFlag xmlns="" xmlns:ma14="http://schemas.microsoft.com/office/mac/drawingml/2011/main" val="1"/>
             </a:ext>
           </a:extLst>
         </p:spPr>
@@ -46405,7 +46423,7 @@
           </a:ln>
           <a:extLst>
             <a:ext uri="{C572A759-6A51-4108-AA02-DFA0A04FC94B}">
-              <ma14:wrappingTextBoxFlag xmlns:ma14="http://schemas.microsoft.com/office/mac/drawingml/2011/main" xmlns="" val="1"/>
+              <ma14:wrappingTextBoxFlag xmlns="" xmlns:ma14="http://schemas.microsoft.com/office/mac/drawingml/2011/main" val="1"/>
             </a:ext>
           </a:extLst>
         </p:spPr>
@@ -47548,7 +47566,7 @@
           </a:ln>
           <a:extLst>
             <a:ext uri="{C572A759-6A51-4108-AA02-DFA0A04FC94B}">
-              <ma14:wrappingTextBoxFlag xmlns:ma14="http://schemas.microsoft.com/office/mac/drawingml/2011/main" xmlns="" val="1"/>
+              <ma14:wrappingTextBoxFlag xmlns="" xmlns:ma14="http://schemas.microsoft.com/office/mac/drawingml/2011/main" val="1"/>
             </a:ext>
           </a:extLst>
         </p:spPr>
@@ -48362,7 +48380,7 @@
           </a:ln>
           <a:extLst>
             <a:ext uri="{C572A759-6A51-4108-AA02-DFA0A04FC94B}">
-              <ma14:wrappingTextBoxFlag xmlns:ma14="http://schemas.microsoft.com/office/mac/drawingml/2011/main" xmlns="" val="1"/>
+              <ma14:wrappingTextBoxFlag xmlns="" xmlns:ma14="http://schemas.microsoft.com/office/mac/drawingml/2011/main" val="1"/>
             </a:ext>
           </a:extLst>
         </p:spPr>
@@ -48711,7 +48729,7 @@
           </a:ln>
           <a:extLst>
             <a:ext uri="{C572A759-6A51-4108-AA02-DFA0A04FC94B}">
-              <ma14:wrappingTextBoxFlag xmlns:ma14="http://schemas.microsoft.com/office/mac/drawingml/2011/main" xmlns="" val="1"/>
+              <ma14:wrappingTextBoxFlag xmlns="" xmlns:ma14="http://schemas.microsoft.com/office/mac/drawingml/2011/main" val="1"/>
             </a:ext>
           </a:extLst>
         </p:spPr>
@@ -49401,7 +49419,7 @@
           </a:ln>
           <a:extLst>
             <a:ext uri="{C572A759-6A51-4108-AA02-DFA0A04FC94B}">
-              <ma14:wrappingTextBoxFlag xmlns:ma14="http://schemas.microsoft.com/office/mac/drawingml/2011/main" xmlns="" val="1"/>
+              <ma14:wrappingTextBoxFlag xmlns="" xmlns:ma14="http://schemas.microsoft.com/office/mac/drawingml/2011/main" val="1"/>
             </a:ext>
           </a:extLst>
         </p:spPr>
@@ -50323,15 +50341,6 @@
 </file>
 
 <file path=customXml/item1.xml><?xml version="1.0" encoding="utf-8"?>
-<?mso-contentType ?>
-<FormTemplates xmlns="http://schemas.microsoft.com/sharepoint/v3/contenttype/forms">
-  <Display>DocumentLibraryForm</Display>
-  <Edit>DocumentLibraryForm</Edit>
-  <New>DocumentLibraryForm</New>
-</FormTemplates>
-</file>
-
-<file path=customXml/item2.xml><?xml version="1.0" encoding="utf-8"?>
 <ct:contentTypeSchema xmlns:ct="http://schemas.microsoft.com/office/2006/metadata/contentType" xmlns:ma="http://schemas.microsoft.com/office/2006/metadata/properties/metaAttributes" ct:_="" ma:_="" ma:contentTypeName="Document" ma:contentTypeID="0x010100F1325F46957A7D4694A8ACC888AA2621" ma:contentTypeVersion="7" ma:contentTypeDescription="Een nieuw document maken." ma:contentTypeScope="" ma:versionID="14c5700b56297cf9c66eff42b9f64bd4">
   <xsd:schema xmlns:xsd="http://www.w3.org/2001/XMLSchema" xmlns:xs="http://www.w3.org/2001/XMLSchema" xmlns:p="http://schemas.microsoft.com/office/2006/metadata/properties" xmlns:ns2="9b614674-bb2d-4c45-94ea-39f42762d3ae" targetNamespace="http://schemas.microsoft.com/office/2006/metadata/properties" ma:root="true" ma:fieldsID="4e421ba7028bb8b9c0acf45abfb7d816" ns2:_="">
     <xsd:import namespace="9b614674-bb2d-4c45-94ea-39f42762d3ae"/>
@@ -50491,6 +50500,15 @@
 </ct:contentTypeSchema>
 </file>
 
+<file path=customXml/item2.xml><?xml version="1.0" encoding="utf-8"?>
+<?mso-contentType ?>
+<FormTemplates xmlns="http://schemas.microsoft.com/sharepoint/v3/contenttype/forms">
+  <Display>DocumentLibraryForm</Display>
+  <Edit>DocumentLibraryForm</Edit>
+  <New>DocumentLibraryForm</New>
+</FormTemplates>
+</file>
+
 <file path=customXml/item3.xml><?xml version="1.0" encoding="utf-8"?>
 <p:properties xmlns:p="http://schemas.microsoft.com/office/2006/metadata/properties" xmlns:xsi="http://www.w3.org/2001/XMLSchema-instance" xmlns:pc="http://schemas.microsoft.com/office/infopath/2007/PartnerControls">
   <documentManagement>
@@ -50502,14 +50520,6 @@
 </file>
 
 <file path=customXml/itemProps1.xml><?xml version="1.0" encoding="utf-8"?>
-<ds:datastoreItem xmlns:ds="http://schemas.openxmlformats.org/officeDocument/2006/customXml" ds:itemID="{126BFA21-774C-45F5-BE3E-541B29302740}">
-  <ds:schemaRefs>
-    <ds:schemaRef ds:uri="http://schemas.microsoft.com/sharepoint/v3/contenttype/forms"/>
-  </ds:schemaRefs>
-</ds:datastoreItem>
-</file>
-
-<file path=customXml/itemProps2.xml><?xml version="1.0" encoding="utf-8"?>
 <ds:datastoreItem xmlns:ds="http://schemas.openxmlformats.org/officeDocument/2006/customXml" ds:itemID="{91A37897-CF46-4B8E-B11C-A11B11EC42BB}">
   <ds:schemaRefs>
     <ds:schemaRef ds:uri="http://schemas.microsoft.com/office/2006/metadata/contentType"/>
@@ -50527,6 +50537,14 @@
 </ds:datastoreItem>
 </file>
 
+<file path=customXml/itemProps2.xml><?xml version="1.0" encoding="utf-8"?>
+<ds:datastoreItem xmlns:ds="http://schemas.openxmlformats.org/officeDocument/2006/customXml" ds:itemID="{126BFA21-774C-45F5-BE3E-541B29302740}">
+  <ds:schemaRefs>
+    <ds:schemaRef ds:uri="http://schemas.microsoft.com/sharepoint/v3/contenttype/forms"/>
+  </ds:schemaRefs>
+</ds:datastoreItem>
+</file>
+
 <file path=customXml/itemProps3.xml><?xml version="1.0" encoding="utf-8"?>
 <ds:datastoreItem xmlns:ds="http://schemas.openxmlformats.org/officeDocument/2006/customXml" ds:itemID="{4B4D6183-A0C2-41B9-BD62-0CD29AC5B1EF}">
   <ds:schemaRefs>

--- a/03-iterators&comprehension/programming2_iterable.pptx
+++ b/03-iterators&comprehension/programming2_iterable.pptx
@@ -243,7 +243,7 @@
           <a:p>
             <a:fld id="{E2A76BDB-6153-47CC-BA45-D51AE7AEEC4D}" type="datetimeFigureOut">
               <a:rPr lang="en-US" smtClean="0"/>
-              <a:t>1/18/2023</a:t>
+              <a:t>2/1/2023</a:t>
             </a:fld>
             <a:endParaRPr lang="en-US"/>
           </a:p>
@@ -1674,6 +1674,46 @@
           <a:bodyPr/>
           <a:lstStyle/>
           <a:p>
+            <a:r>
+              <a:rPr lang="en-US" b="1" i="0" dirty="0">
+                <a:solidFill>
+                  <a:srgbClr val="5F6368"/>
+                </a:solidFill>
+                <a:effectLst/>
+                <a:latin typeface="arial" panose="020B0604020202020204" pitchFamily="34" charset="0"/>
+              </a:rPr>
+              <a:t>C3</a:t>
+            </a:r>
+            <a:r>
+              <a:rPr lang="en-US" b="0" i="0" dirty="0">
+                <a:solidFill>
+                  <a:srgbClr val="4D5156"/>
+                </a:solidFill>
+                <a:effectLst/>
+                <a:latin typeface="arial" panose="020B0604020202020204" pitchFamily="34" charset="0"/>
+              </a:rPr>
+              <a:t> superclass </a:t>
+            </a:r>
+            <a:r>
+              <a:rPr lang="en-US" b="1" i="0" dirty="0">
+                <a:solidFill>
+                  <a:srgbClr val="5F6368"/>
+                </a:solidFill>
+                <a:effectLst/>
+                <a:latin typeface="arial" panose="020B0604020202020204" pitchFamily="34" charset="0"/>
+              </a:rPr>
+              <a:t>linearization</a:t>
+            </a:r>
+            <a:r>
+              <a:rPr lang="en-US" b="0" i="0" dirty="0">
+                <a:solidFill>
+                  <a:srgbClr val="4D5156"/>
+                </a:solidFill>
+                <a:effectLst/>
+                <a:latin typeface="arial" panose="020B0604020202020204" pitchFamily="34" charset="0"/>
+              </a:rPr>
+              <a:t> is an algorithm used primarily to obtain the order in which methods should be inherited in the presence of multiple inheritance.</a:t>
+            </a:r>
             <a:endParaRPr lang="en-US" dirty="0"/>
           </a:p>
         </p:txBody>
@@ -5349,7 +5389,7 @@
           <a:p>
             <a:fld id="{1CD1815E-B49F-43FE-B280-CDF6682C3964}" type="datetimeFigureOut">
               <a:rPr lang="nl-BE" smtClean="0"/>
-              <a:t>18/01/2023</a:t>
+              <a:t>1/02/2023</a:t>
             </a:fld>
             <a:endParaRPr lang="nl-BE"/>
           </a:p>
@@ -5549,7 +5589,7 @@
           <a:p>
             <a:fld id="{1CD1815E-B49F-43FE-B280-CDF6682C3964}" type="datetimeFigureOut">
               <a:rPr lang="nl-BE" smtClean="0"/>
-              <a:t>18/01/2023</a:t>
+              <a:t>1/02/2023</a:t>
             </a:fld>
             <a:endParaRPr lang="nl-BE"/>
           </a:p>
@@ -5759,7 +5799,7 @@
           <a:p>
             <a:fld id="{1CD1815E-B49F-43FE-B280-CDF6682C3964}" type="datetimeFigureOut">
               <a:rPr lang="nl-BE" smtClean="0"/>
-              <a:t>18/01/2023</a:t>
+              <a:t>1/02/2023</a:t>
             </a:fld>
             <a:endParaRPr lang="nl-BE"/>
           </a:p>
@@ -5901,7 +5941,7 @@
           <a:p>
             <a:fld id="{1CD1815E-B49F-43FE-B280-CDF6682C3964}" type="datetimeFigureOut">
               <a:rPr lang="nl-BE" smtClean="0"/>
-              <a:t>18/01/2023</a:t>
+              <a:t>1/02/2023</a:t>
             </a:fld>
             <a:endParaRPr lang="nl-BE"/>
           </a:p>
@@ -6101,7 +6141,7 @@
           <a:p>
             <a:fld id="{1CD1815E-B49F-43FE-B280-CDF6682C3964}" type="datetimeFigureOut">
               <a:rPr lang="nl-BE" smtClean="0"/>
-              <a:t>18/01/2023</a:t>
+              <a:t>1/02/2023</a:t>
             </a:fld>
             <a:endParaRPr lang="nl-BE"/>
           </a:p>
@@ -6377,7 +6417,7 @@
           <a:p>
             <a:fld id="{1CD1815E-B49F-43FE-B280-CDF6682C3964}" type="datetimeFigureOut">
               <a:rPr lang="nl-BE" smtClean="0"/>
-              <a:t>18/01/2023</a:t>
+              <a:t>1/02/2023</a:t>
             </a:fld>
             <a:endParaRPr lang="nl-BE"/>
           </a:p>
@@ -6645,7 +6685,7 @@
           <a:p>
             <a:fld id="{1CD1815E-B49F-43FE-B280-CDF6682C3964}" type="datetimeFigureOut">
               <a:rPr lang="nl-BE" smtClean="0"/>
-              <a:t>18/01/2023</a:t>
+              <a:t>1/02/2023</a:t>
             </a:fld>
             <a:endParaRPr lang="nl-BE"/>
           </a:p>
@@ -7060,7 +7100,7 @@
           <a:p>
             <a:fld id="{1CD1815E-B49F-43FE-B280-CDF6682C3964}" type="datetimeFigureOut">
               <a:rPr lang="nl-BE" smtClean="0"/>
-              <a:t>18/01/2023</a:t>
+              <a:t>1/02/2023</a:t>
             </a:fld>
             <a:endParaRPr lang="nl-BE"/>
           </a:p>
@@ -7202,7 +7242,7 @@
           <a:p>
             <a:fld id="{1CD1815E-B49F-43FE-B280-CDF6682C3964}" type="datetimeFigureOut">
               <a:rPr lang="nl-BE" smtClean="0"/>
-              <a:t>18/01/2023</a:t>
+              <a:t>1/02/2023</a:t>
             </a:fld>
             <a:endParaRPr lang="nl-BE"/>
           </a:p>
@@ -7315,7 +7355,7 @@
           <a:p>
             <a:fld id="{1CD1815E-B49F-43FE-B280-CDF6682C3964}" type="datetimeFigureOut">
               <a:rPr lang="nl-BE" smtClean="0"/>
-              <a:t>18/01/2023</a:t>
+              <a:t>1/02/2023</a:t>
             </a:fld>
             <a:endParaRPr lang="nl-BE"/>
           </a:p>
@@ -7628,7 +7668,7 @@
           <a:p>
             <a:fld id="{1CD1815E-B49F-43FE-B280-CDF6682C3964}" type="datetimeFigureOut">
               <a:rPr lang="nl-BE" smtClean="0"/>
-              <a:t>18/01/2023</a:t>
+              <a:t>1/02/2023</a:t>
             </a:fld>
             <a:endParaRPr lang="nl-BE"/>
           </a:p>
@@ -7871,7 +7911,7 @@
           <a:p>
             <a:fld id="{1CD1815E-B49F-43FE-B280-CDF6682C3964}" type="datetimeFigureOut">
               <a:rPr lang="nl-BE" smtClean="0"/>
-              <a:t>18/01/2023</a:t>
+              <a:t>1/02/2023</a:t>
             </a:fld>
             <a:endParaRPr lang="nl-BE"/>
           </a:p>
@@ -9781,7 +9821,7 @@
           </a:ln>
           <a:extLst>
             <a:ext uri="{C572A759-6A51-4108-AA02-DFA0A04FC94B}">
-              <ma14:wrappingTextBoxFlag xmlns="" xmlns:ma14="http://schemas.microsoft.com/office/mac/drawingml/2011/main" val="1"/>
+              <ma14:wrappingTextBoxFlag xmlns:ma14="http://schemas.microsoft.com/office/mac/drawingml/2011/main" xmlns="" val="1"/>
             </a:ext>
           </a:extLst>
         </p:spPr>
@@ -10471,7 +10511,7 @@
           </a:ln>
           <a:extLst>
             <a:ext uri="{C572A759-6A51-4108-AA02-DFA0A04FC94B}">
-              <ma14:wrappingTextBoxFlag xmlns="" xmlns:ma14="http://schemas.microsoft.com/office/mac/drawingml/2011/main" val="1"/>
+              <ma14:wrappingTextBoxFlag xmlns:ma14="http://schemas.microsoft.com/office/mac/drawingml/2011/main" xmlns="" val="1"/>
             </a:ext>
           </a:extLst>
         </p:spPr>
@@ -10817,7 +10857,7 @@
           </a:ln>
           <a:extLst>
             <a:ext uri="{C572A759-6A51-4108-AA02-DFA0A04FC94B}">
-              <ma14:wrappingTextBoxFlag xmlns="" xmlns:ma14="http://schemas.microsoft.com/office/mac/drawingml/2011/main" val="1"/>
+              <ma14:wrappingTextBoxFlag xmlns:ma14="http://schemas.microsoft.com/office/mac/drawingml/2011/main" xmlns="" val="1"/>
             </a:ext>
           </a:extLst>
         </p:spPr>
@@ -11478,7 +11518,7 @@
           </a:ln>
           <a:extLst>
             <a:ext uri="{C572A759-6A51-4108-AA02-DFA0A04FC94B}">
-              <ma14:wrappingTextBoxFlag xmlns="" xmlns:ma14="http://schemas.microsoft.com/office/mac/drawingml/2011/main" val="1"/>
+              <ma14:wrappingTextBoxFlag xmlns:ma14="http://schemas.microsoft.com/office/mac/drawingml/2011/main" xmlns="" val="1"/>
             </a:ext>
           </a:extLst>
         </p:spPr>
@@ -12339,7 +12379,7 @@
           </a:ln>
           <a:extLst>
             <a:ext uri="{C572A759-6A51-4108-AA02-DFA0A04FC94B}">
-              <ma14:wrappingTextBoxFlag xmlns="" xmlns:ma14="http://schemas.microsoft.com/office/mac/drawingml/2011/main" val="1"/>
+              <ma14:wrappingTextBoxFlag xmlns:ma14="http://schemas.microsoft.com/office/mac/drawingml/2011/main" xmlns="" val="1"/>
             </a:ext>
           </a:extLst>
         </p:spPr>
@@ -13149,7 +13189,7 @@
           </a:ln>
           <a:extLst>
             <a:ext uri="{C572A759-6A51-4108-AA02-DFA0A04FC94B}">
-              <ma14:wrappingTextBoxFlag xmlns="" xmlns:ma14="http://schemas.microsoft.com/office/mac/drawingml/2011/main" val="1"/>
+              <ma14:wrappingTextBoxFlag xmlns:ma14="http://schemas.microsoft.com/office/mac/drawingml/2011/main" xmlns="" val="1"/>
             </a:ext>
           </a:extLst>
         </p:spPr>
@@ -13487,7 +13527,7 @@
           </a:ln>
           <a:extLst>
             <a:ext uri="{C572A759-6A51-4108-AA02-DFA0A04FC94B}">
-              <ma14:wrappingTextBoxFlag xmlns="" xmlns:ma14="http://schemas.microsoft.com/office/mac/drawingml/2011/main" val="1"/>
+              <ma14:wrappingTextBoxFlag xmlns:ma14="http://schemas.microsoft.com/office/mac/drawingml/2011/main" xmlns="" val="1"/>
             </a:ext>
           </a:extLst>
         </p:spPr>
@@ -14262,7 +14302,7 @@
           </a:ln>
           <a:extLst>
             <a:ext uri="{C572A759-6A51-4108-AA02-DFA0A04FC94B}">
-              <ma14:wrappingTextBoxFlag xmlns="" xmlns:ma14="http://schemas.microsoft.com/office/mac/drawingml/2011/main" val="1"/>
+              <ma14:wrappingTextBoxFlag xmlns:ma14="http://schemas.microsoft.com/office/mac/drawingml/2011/main" xmlns="" val="1"/>
             </a:ext>
           </a:extLst>
         </p:spPr>
@@ -17064,7 +17104,7 @@
           </a:ln>
           <a:extLst>
             <a:ext uri="{C572A759-6A51-4108-AA02-DFA0A04FC94B}">
-              <ma14:wrappingTextBoxFlag xmlns="" xmlns:ma14="http://schemas.microsoft.com/office/mac/drawingml/2011/main" val="1"/>
+              <ma14:wrappingTextBoxFlag xmlns:ma14="http://schemas.microsoft.com/office/mac/drawingml/2011/main" xmlns="" val="1"/>
             </a:ext>
           </a:extLst>
         </p:spPr>
@@ -18202,7 +18242,7 @@
           </a:ln>
           <a:extLst>
             <a:ext uri="{C572A759-6A51-4108-AA02-DFA0A04FC94B}">
-              <ma14:wrappingTextBoxFlag xmlns="" xmlns:ma14="http://schemas.microsoft.com/office/mac/drawingml/2011/main" val="1"/>
+              <ma14:wrappingTextBoxFlag xmlns:ma14="http://schemas.microsoft.com/office/mac/drawingml/2011/main" xmlns="" val="1"/>
             </a:ext>
           </a:extLst>
         </p:spPr>
@@ -19560,7 +19600,7 @@
           </a:ln>
           <a:extLst>
             <a:ext uri="{C572A759-6A51-4108-AA02-DFA0A04FC94B}">
-              <ma14:wrappingTextBoxFlag xmlns="" xmlns:ma14="http://schemas.microsoft.com/office/mac/drawingml/2011/main" val="1"/>
+              <ma14:wrappingTextBoxFlag xmlns:ma14="http://schemas.microsoft.com/office/mac/drawingml/2011/main" xmlns="" val="1"/>
             </a:ext>
           </a:extLst>
         </p:spPr>
@@ -20728,7 +20768,7 @@
           </a:ln>
           <a:extLst>
             <a:ext uri="{C572A759-6A51-4108-AA02-DFA0A04FC94B}">
-              <ma14:wrappingTextBoxFlag xmlns="" xmlns:ma14="http://schemas.microsoft.com/office/mac/drawingml/2011/main" val="1"/>
+              <ma14:wrappingTextBoxFlag xmlns:ma14="http://schemas.microsoft.com/office/mac/drawingml/2011/main" xmlns="" val="1"/>
             </a:ext>
           </a:extLst>
         </p:spPr>
@@ -21424,7 +21464,7 @@
           </a:ln>
           <a:extLst>
             <a:ext uri="{C572A759-6A51-4108-AA02-DFA0A04FC94B}">
-              <ma14:wrappingTextBoxFlag xmlns="" xmlns:ma14="http://schemas.microsoft.com/office/mac/drawingml/2011/main" val="1"/>
+              <ma14:wrappingTextBoxFlag xmlns:ma14="http://schemas.microsoft.com/office/mac/drawingml/2011/main" xmlns="" val="1"/>
             </a:ext>
           </a:extLst>
         </p:spPr>
@@ -22592,7 +22632,7 @@
           </a:ln>
           <a:extLst>
             <a:ext uri="{C572A759-6A51-4108-AA02-DFA0A04FC94B}">
-              <ma14:wrappingTextBoxFlag xmlns="" xmlns:ma14="http://schemas.microsoft.com/office/mac/drawingml/2011/main" val="1"/>
+              <ma14:wrappingTextBoxFlag xmlns:ma14="http://schemas.microsoft.com/office/mac/drawingml/2011/main" xmlns="" val="1"/>
             </a:ext>
           </a:extLst>
         </p:spPr>
@@ -24791,7 +24831,7 @@
           </a:ln>
           <a:extLst>
             <a:ext uri="{C572A759-6A51-4108-AA02-DFA0A04FC94B}">
-              <ma14:wrappingTextBoxFlag xmlns="" xmlns:ma14="http://schemas.microsoft.com/office/mac/drawingml/2011/main" val="1"/>
+              <ma14:wrappingTextBoxFlag xmlns:ma14="http://schemas.microsoft.com/office/mac/drawingml/2011/main" xmlns="" val="1"/>
             </a:ext>
           </a:extLst>
         </p:spPr>
@@ -26051,7 +26091,7 @@
           </a:ln>
           <a:extLst>
             <a:ext uri="{C572A759-6A51-4108-AA02-DFA0A04FC94B}">
-              <ma14:wrappingTextBoxFlag xmlns="" xmlns:ma14="http://schemas.microsoft.com/office/mac/drawingml/2011/main" val="1"/>
+              <ma14:wrappingTextBoxFlag xmlns:ma14="http://schemas.microsoft.com/office/mac/drawingml/2011/main" xmlns="" val="1"/>
             </a:ext>
           </a:extLst>
         </p:spPr>
@@ -27863,7 +27903,7 @@
           </a:ln>
           <a:extLst>
             <a:ext uri="{C572A759-6A51-4108-AA02-DFA0A04FC94B}">
-              <ma14:wrappingTextBoxFlag xmlns="" xmlns:ma14="http://schemas.microsoft.com/office/mac/drawingml/2011/main" val="1"/>
+              <ma14:wrappingTextBoxFlag xmlns:ma14="http://schemas.microsoft.com/office/mac/drawingml/2011/main" xmlns="" val="1"/>
             </a:ext>
           </a:extLst>
         </p:spPr>
@@ -28817,7 +28857,7 @@
           </a:ln>
           <a:extLst>
             <a:ext uri="{C572A759-6A51-4108-AA02-DFA0A04FC94B}">
-              <ma14:wrappingTextBoxFlag xmlns="" xmlns:ma14="http://schemas.microsoft.com/office/mac/drawingml/2011/main" val="1"/>
+              <ma14:wrappingTextBoxFlag xmlns:ma14="http://schemas.microsoft.com/office/mac/drawingml/2011/main" xmlns="" val="1"/>
             </a:ext>
           </a:extLst>
         </p:spPr>
@@ -29328,7 +29368,7 @@
           </a:ln>
           <a:extLst>
             <a:ext uri="{C572A759-6A51-4108-AA02-DFA0A04FC94B}">
-              <ma14:wrappingTextBoxFlag xmlns="" xmlns:ma14="http://schemas.microsoft.com/office/mac/drawingml/2011/main" val="1"/>
+              <ma14:wrappingTextBoxFlag xmlns:ma14="http://schemas.microsoft.com/office/mac/drawingml/2011/main" xmlns="" val="1"/>
             </a:ext>
           </a:extLst>
         </p:spPr>
@@ -30252,7 +30292,7 @@
           </a:ln>
           <a:extLst>
             <a:ext uri="{C572A759-6A51-4108-AA02-DFA0A04FC94B}">
-              <ma14:wrappingTextBoxFlag xmlns="" xmlns:ma14="http://schemas.microsoft.com/office/mac/drawingml/2011/main" val="1"/>
+              <ma14:wrappingTextBoxFlag xmlns:ma14="http://schemas.microsoft.com/office/mac/drawingml/2011/main" xmlns="" val="1"/>
             </a:ext>
           </a:extLst>
         </p:spPr>
@@ -30688,7 +30728,7 @@
           </a:ln>
           <a:extLst>
             <a:ext uri="{C572A759-6A51-4108-AA02-DFA0A04FC94B}">
-              <ma14:wrappingTextBoxFlag xmlns="" xmlns:ma14="http://schemas.microsoft.com/office/mac/drawingml/2011/main" val="1"/>
+              <ma14:wrappingTextBoxFlag xmlns:ma14="http://schemas.microsoft.com/office/mac/drawingml/2011/main" xmlns="" val="1"/>
             </a:ext>
           </a:extLst>
         </p:spPr>
@@ -31180,7 +31220,7 @@
           </a:ln>
           <a:extLst>
             <a:ext uri="{C572A759-6A51-4108-AA02-DFA0A04FC94B}">
-              <ma14:wrappingTextBoxFlag xmlns="" xmlns:ma14="http://schemas.microsoft.com/office/mac/drawingml/2011/main" val="1"/>
+              <ma14:wrappingTextBoxFlag xmlns:ma14="http://schemas.microsoft.com/office/mac/drawingml/2011/main" xmlns="" val="1"/>
             </a:ext>
           </a:extLst>
         </p:spPr>
@@ -33157,7 +33197,7 @@
           </a:ln>
           <a:extLst>
             <a:ext uri="{C572A759-6A51-4108-AA02-DFA0A04FC94B}">
-              <ma14:wrappingTextBoxFlag xmlns="" xmlns:ma14="http://schemas.microsoft.com/office/mac/drawingml/2011/main" val="1"/>
+              <ma14:wrappingTextBoxFlag xmlns:ma14="http://schemas.microsoft.com/office/mac/drawingml/2011/main" xmlns="" val="1"/>
             </a:ext>
           </a:extLst>
         </p:spPr>
@@ -33780,7 +33820,7 @@
           </a:ln>
           <a:extLst>
             <a:ext uri="{C572A759-6A51-4108-AA02-DFA0A04FC94B}">
-              <ma14:wrappingTextBoxFlag xmlns="" xmlns:ma14="http://schemas.microsoft.com/office/mac/drawingml/2011/main" val="1"/>
+              <ma14:wrappingTextBoxFlag xmlns:ma14="http://schemas.microsoft.com/office/mac/drawingml/2011/main" xmlns="" val="1"/>
             </a:ext>
           </a:extLst>
         </p:spPr>
@@ -34576,7 +34616,7 @@
           </a:ln>
           <a:extLst>
             <a:ext uri="{C572A759-6A51-4108-AA02-DFA0A04FC94B}">
-              <ma14:wrappingTextBoxFlag xmlns="" xmlns:ma14="http://schemas.microsoft.com/office/mac/drawingml/2011/main" val="1"/>
+              <ma14:wrappingTextBoxFlag xmlns:ma14="http://schemas.microsoft.com/office/mac/drawingml/2011/main" xmlns="" val="1"/>
             </a:ext>
           </a:extLst>
         </p:spPr>
@@ -35145,7 +35185,7 @@
           </a:ln>
           <a:extLst>
             <a:ext uri="{C572A759-6A51-4108-AA02-DFA0A04FC94B}">
-              <ma14:wrappingTextBoxFlag xmlns="" xmlns:ma14="http://schemas.microsoft.com/office/mac/drawingml/2011/main" val="1"/>
+              <ma14:wrappingTextBoxFlag xmlns:ma14="http://schemas.microsoft.com/office/mac/drawingml/2011/main" xmlns="" val="1"/>
             </a:ext>
           </a:extLst>
         </p:spPr>
@@ -36544,7 +36584,7 @@
           </a:ln>
           <a:extLst>
             <a:ext uri="{C572A759-6A51-4108-AA02-DFA0A04FC94B}">
-              <ma14:wrappingTextBoxFlag xmlns="" xmlns:ma14="http://schemas.microsoft.com/office/mac/drawingml/2011/main" val="1"/>
+              <ma14:wrappingTextBoxFlag xmlns:ma14="http://schemas.microsoft.com/office/mac/drawingml/2011/main" xmlns="" val="1"/>
             </a:ext>
           </a:extLst>
         </p:spPr>
@@ -37852,7 +37892,7 @@
           </a:ln>
           <a:extLst>
             <a:ext uri="{C572A759-6A51-4108-AA02-DFA0A04FC94B}">
-              <ma14:wrappingTextBoxFlag xmlns="" xmlns:ma14="http://schemas.microsoft.com/office/mac/drawingml/2011/main" val="1"/>
+              <ma14:wrappingTextBoxFlag xmlns:ma14="http://schemas.microsoft.com/office/mac/drawingml/2011/main" xmlns="" val="1"/>
             </a:ext>
           </a:extLst>
         </p:spPr>
@@ -39099,7 +39139,7 @@
           </a:ln>
           <a:extLst>
             <a:ext uri="{C572A759-6A51-4108-AA02-DFA0A04FC94B}">
-              <ma14:wrappingTextBoxFlag xmlns="" xmlns:ma14="http://schemas.microsoft.com/office/mac/drawingml/2011/main" val="1"/>
+              <ma14:wrappingTextBoxFlag xmlns:ma14="http://schemas.microsoft.com/office/mac/drawingml/2011/main" xmlns="" val="1"/>
             </a:ext>
           </a:extLst>
         </p:spPr>
@@ -39788,7 +39828,7 @@
           </a:ln>
           <a:extLst>
             <a:ext uri="{C572A759-6A51-4108-AA02-DFA0A04FC94B}">
-              <ma14:wrappingTextBoxFlag xmlns="" xmlns:ma14="http://schemas.microsoft.com/office/mac/drawingml/2011/main" val="1"/>
+              <ma14:wrappingTextBoxFlag xmlns:ma14="http://schemas.microsoft.com/office/mac/drawingml/2011/main" xmlns="" val="1"/>
             </a:ext>
           </a:extLst>
         </p:spPr>
@@ -41004,7 +41044,7 @@
           </a:ln>
           <a:extLst>
             <a:ext uri="{C572A759-6A51-4108-AA02-DFA0A04FC94B}">
-              <ma14:wrappingTextBoxFlag xmlns="" xmlns:ma14="http://schemas.microsoft.com/office/mac/drawingml/2011/main" val="1"/>
+              <ma14:wrappingTextBoxFlag xmlns:ma14="http://schemas.microsoft.com/office/mac/drawingml/2011/main" xmlns="" val="1"/>
             </a:ext>
           </a:extLst>
         </p:spPr>
@@ -42162,7 +42202,7 @@
           </a:ln>
           <a:extLst>
             <a:ext uri="{C572A759-6A51-4108-AA02-DFA0A04FC94B}">
-              <ma14:wrappingTextBoxFlag xmlns="" xmlns:ma14="http://schemas.microsoft.com/office/mac/drawingml/2011/main" val="1"/>
+              <ma14:wrappingTextBoxFlag xmlns:ma14="http://schemas.microsoft.com/office/mac/drawingml/2011/main" xmlns="" val="1"/>
             </a:ext>
           </a:extLst>
         </p:spPr>
@@ -42805,7 +42845,7 @@
           </a:ln>
           <a:extLst>
             <a:ext uri="{C572A759-6A51-4108-AA02-DFA0A04FC94B}">
-              <ma14:wrappingTextBoxFlag xmlns="" xmlns:ma14="http://schemas.microsoft.com/office/mac/drawingml/2011/main" val="1"/>
+              <ma14:wrappingTextBoxFlag xmlns:ma14="http://schemas.microsoft.com/office/mac/drawingml/2011/main" xmlns="" val="1"/>
             </a:ext>
           </a:extLst>
         </p:spPr>
@@ -45544,7 +45584,7 @@
           </a:ln>
           <a:extLst>
             <a:ext uri="{C572A759-6A51-4108-AA02-DFA0A04FC94B}">
-              <ma14:wrappingTextBoxFlag xmlns="" xmlns:ma14="http://schemas.microsoft.com/office/mac/drawingml/2011/main" val="1"/>
+              <ma14:wrappingTextBoxFlag xmlns:ma14="http://schemas.microsoft.com/office/mac/drawingml/2011/main" xmlns="" val="1"/>
             </a:ext>
           </a:extLst>
         </p:spPr>
@@ -46423,7 +46463,7 @@
           </a:ln>
           <a:extLst>
             <a:ext uri="{C572A759-6A51-4108-AA02-DFA0A04FC94B}">
-              <ma14:wrappingTextBoxFlag xmlns="" xmlns:ma14="http://schemas.microsoft.com/office/mac/drawingml/2011/main" val="1"/>
+              <ma14:wrappingTextBoxFlag xmlns:ma14="http://schemas.microsoft.com/office/mac/drawingml/2011/main" xmlns="" val="1"/>
             </a:ext>
           </a:extLst>
         </p:spPr>
@@ -47566,7 +47606,7 @@
           </a:ln>
           <a:extLst>
             <a:ext uri="{C572A759-6A51-4108-AA02-DFA0A04FC94B}">
-              <ma14:wrappingTextBoxFlag xmlns="" xmlns:ma14="http://schemas.microsoft.com/office/mac/drawingml/2011/main" val="1"/>
+              <ma14:wrappingTextBoxFlag xmlns:ma14="http://schemas.microsoft.com/office/mac/drawingml/2011/main" xmlns="" val="1"/>
             </a:ext>
           </a:extLst>
         </p:spPr>
@@ -48380,7 +48420,7 @@
           </a:ln>
           <a:extLst>
             <a:ext uri="{C572A759-6A51-4108-AA02-DFA0A04FC94B}">
-              <ma14:wrappingTextBoxFlag xmlns="" xmlns:ma14="http://schemas.microsoft.com/office/mac/drawingml/2011/main" val="1"/>
+              <ma14:wrappingTextBoxFlag xmlns:ma14="http://schemas.microsoft.com/office/mac/drawingml/2011/main" xmlns="" val="1"/>
             </a:ext>
           </a:extLst>
         </p:spPr>
@@ -48729,7 +48769,7 @@
           </a:ln>
           <a:extLst>
             <a:ext uri="{C572A759-6A51-4108-AA02-DFA0A04FC94B}">
-              <ma14:wrappingTextBoxFlag xmlns="" xmlns:ma14="http://schemas.microsoft.com/office/mac/drawingml/2011/main" val="1"/>
+              <ma14:wrappingTextBoxFlag xmlns:ma14="http://schemas.microsoft.com/office/mac/drawingml/2011/main" xmlns="" val="1"/>
             </a:ext>
           </a:extLst>
         </p:spPr>
@@ -49419,7 +49459,7 @@
           </a:ln>
           <a:extLst>
             <a:ext uri="{C572A759-6A51-4108-AA02-DFA0A04FC94B}">
-              <ma14:wrappingTextBoxFlag xmlns="" xmlns:ma14="http://schemas.microsoft.com/office/mac/drawingml/2011/main" val="1"/>
+              <ma14:wrappingTextBoxFlag xmlns:ma14="http://schemas.microsoft.com/office/mac/drawingml/2011/main" xmlns="" val="1"/>
             </a:ext>
           </a:extLst>
         </p:spPr>
@@ -50341,6 +50381,15 @@
 </file>
 
 <file path=customXml/item1.xml><?xml version="1.0" encoding="utf-8"?>
+<?mso-contentType ?>
+<FormTemplates xmlns="http://schemas.microsoft.com/sharepoint/v3/contenttype/forms">
+  <Display>DocumentLibraryForm</Display>
+  <Edit>DocumentLibraryForm</Edit>
+  <New>DocumentLibraryForm</New>
+</FormTemplates>
+</file>
+
+<file path=customXml/item2.xml><?xml version="1.0" encoding="utf-8"?>
 <ct:contentTypeSchema xmlns:ct="http://schemas.microsoft.com/office/2006/metadata/contentType" xmlns:ma="http://schemas.microsoft.com/office/2006/metadata/properties/metaAttributes" ct:_="" ma:_="" ma:contentTypeName="Document" ma:contentTypeID="0x010100F1325F46957A7D4694A8ACC888AA2621" ma:contentTypeVersion="7" ma:contentTypeDescription="Een nieuw document maken." ma:contentTypeScope="" ma:versionID="14c5700b56297cf9c66eff42b9f64bd4">
   <xsd:schema xmlns:xsd="http://www.w3.org/2001/XMLSchema" xmlns:xs="http://www.w3.org/2001/XMLSchema" xmlns:p="http://schemas.microsoft.com/office/2006/metadata/properties" xmlns:ns2="9b614674-bb2d-4c45-94ea-39f42762d3ae" targetNamespace="http://schemas.microsoft.com/office/2006/metadata/properties" ma:root="true" ma:fieldsID="4e421ba7028bb8b9c0acf45abfb7d816" ns2:_="">
     <xsd:import namespace="9b614674-bb2d-4c45-94ea-39f42762d3ae"/>
@@ -50500,15 +50549,6 @@
 </ct:contentTypeSchema>
 </file>
 
-<file path=customXml/item2.xml><?xml version="1.0" encoding="utf-8"?>
-<?mso-contentType ?>
-<FormTemplates xmlns="http://schemas.microsoft.com/sharepoint/v3/contenttype/forms">
-  <Display>DocumentLibraryForm</Display>
-  <Edit>DocumentLibraryForm</Edit>
-  <New>DocumentLibraryForm</New>
-</FormTemplates>
-</file>
-
 <file path=customXml/item3.xml><?xml version="1.0" encoding="utf-8"?>
 <p:properties xmlns:p="http://schemas.microsoft.com/office/2006/metadata/properties" xmlns:xsi="http://www.w3.org/2001/XMLSchema-instance" xmlns:pc="http://schemas.microsoft.com/office/infopath/2007/PartnerControls">
   <documentManagement>
@@ -50520,6 +50560,14 @@
 </file>
 
 <file path=customXml/itemProps1.xml><?xml version="1.0" encoding="utf-8"?>
+<ds:datastoreItem xmlns:ds="http://schemas.openxmlformats.org/officeDocument/2006/customXml" ds:itemID="{126BFA21-774C-45F5-BE3E-541B29302740}">
+  <ds:schemaRefs>
+    <ds:schemaRef ds:uri="http://schemas.microsoft.com/sharepoint/v3/contenttype/forms"/>
+  </ds:schemaRefs>
+</ds:datastoreItem>
+</file>
+
+<file path=customXml/itemProps2.xml><?xml version="1.0" encoding="utf-8"?>
 <ds:datastoreItem xmlns:ds="http://schemas.openxmlformats.org/officeDocument/2006/customXml" ds:itemID="{91A37897-CF46-4B8E-B11C-A11B11EC42BB}">
   <ds:schemaRefs>
     <ds:schemaRef ds:uri="http://schemas.microsoft.com/office/2006/metadata/contentType"/>
@@ -50537,14 +50585,6 @@
 </ds:datastoreItem>
 </file>
 
-<file path=customXml/itemProps2.xml><?xml version="1.0" encoding="utf-8"?>
-<ds:datastoreItem xmlns:ds="http://schemas.openxmlformats.org/officeDocument/2006/customXml" ds:itemID="{126BFA21-774C-45F5-BE3E-541B29302740}">
-  <ds:schemaRefs>
-    <ds:schemaRef ds:uri="http://schemas.microsoft.com/sharepoint/v3/contenttype/forms"/>
-  </ds:schemaRefs>
-</ds:datastoreItem>
-</file>
-
 <file path=customXml/itemProps3.xml><?xml version="1.0" encoding="utf-8"?>
 <ds:datastoreItem xmlns:ds="http://schemas.openxmlformats.org/officeDocument/2006/customXml" ds:itemID="{4B4D6183-A0C2-41B9-BD62-0CD29AC5B1EF}">
   <ds:schemaRefs>

--- a/03-iterators&comprehension/programming2_iterable.pptx
+++ b/03-iterators&comprehension/programming2_iterable.pptx
@@ -243,7 +243,7 @@
           <a:p>
             <a:fld id="{E2A76BDB-6153-47CC-BA45-D51AE7AEEC4D}" type="datetimeFigureOut">
               <a:rPr lang="en-US" smtClean="0"/>
-              <a:t>2/1/2023</a:t>
+              <a:t>2/12/2023</a:t>
             </a:fld>
             <a:endParaRPr lang="en-US"/>
           </a:p>
@@ -5389,7 +5389,7 @@
           <a:p>
             <a:fld id="{1CD1815E-B49F-43FE-B280-CDF6682C3964}" type="datetimeFigureOut">
               <a:rPr lang="nl-BE" smtClean="0"/>
-              <a:t>1/02/2023</a:t>
+              <a:t>12/02/2023</a:t>
             </a:fld>
             <a:endParaRPr lang="nl-BE"/>
           </a:p>
@@ -5589,7 +5589,7 @@
           <a:p>
             <a:fld id="{1CD1815E-B49F-43FE-B280-CDF6682C3964}" type="datetimeFigureOut">
               <a:rPr lang="nl-BE" smtClean="0"/>
-              <a:t>1/02/2023</a:t>
+              <a:t>12/02/2023</a:t>
             </a:fld>
             <a:endParaRPr lang="nl-BE"/>
           </a:p>
@@ -5799,7 +5799,7 @@
           <a:p>
             <a:fld id="{1CD1815E-B49F-43FE-B280-CDF6682C3964}" type="datetimeFigureOut">
               <a:rPr lang="nl-BE" smtClean="0"/>
-              <a:t>1/02/2023</a:t>
+              <a:t>12/02/2023</a:t>
             </a:fld>
             <a:endParaRPr lang="nl-BE"/>
           </a:p>
@@ -5941,7 +5941,7 @@
           <a:p>
             <a:fld id="{1CD1815E-B49F-43FE-B280-CDF6682C3964}" type="datetimeFigureOut">
               <a:rPr lang="nl-BE" smtClean="0"/>
-              <a:t>1/02/2023</a:t>
+              <a:t>12/02/2023</a:t>
             </a:fld>
             <a:endParaRPr lang="nl-BE"/>
           </a:p>
@@ -6141,7 +6141,7 @@
           <a:p>
             <a:fld id="{1CD1815E-B49F-43FE-B280-CDF6682C3964}" type="datetimeFigureOut">
               <a:rPr lang="nl-BE" smtClean="0"/>
-              <a:t>1/02/2023</a:t>
+              <a:t>12/02/2023</a:t>
             </a:fld>
             <a:endParaRPr lang="nl-BE"/>
           </a:p>
@@ -6417,7 +6417,7 @@
           <a:p>
             <a:fld id="{1CD1815E-B49F-43FE-B280-CDF6682C3964}" type="datetimeFigureOut">
               <a:rPr lang="nl-BE" smtClean="0"/>
-              <a:t>1/02/2023</a:t>
+              <a:t>12/02/2023</a:t>
             </a:fld>
             <a:endParaRPr lang="nl-BE"/>
           </a:p>
@@ -6685,7 +6685,7 @@
           <a:p>
             <a:fld id="{1CD1815E-B49F-43FE-B280-CDF6682C3964}" type="datetimeFigureOut">
               <a:rPr lang="nl-BE" smtClean="0"/>
-              <a:t>1/02/2023</a:t>
+              <a:t>12/02/2023</a:t>
             </a:fld>
             <a:endParaRPr lang="nl-BE"/>
           </a:p>
@@ -7100,7 +7100,7 @@
           <a:p>
             <a:fld id="{1CD1815E-B49F-43FE-B280-CDF6682C3964}" type="datetimeFigureOut">
               <a:rPr lang="nl-BE" smtClean="0"/>
-              <a:t>1/02/2023</a:t>
+              <a:t>12/02/2023</a:t>
             </a:fld>
             <a:endParaRPr lang="nl-BE"/>
           </a:p>
@@ -7242,7 +7242,7 @@
           <a:p>
             <a:fld id="{1CD1815E-B49F-43FE-B280-CDF6682C3964}" type="datetimeFigureOut">
               <a:rPr lang="nl-BE" smtClean="0"/>
-              <a:t>1/02/2023</a:t>
+              <a:t>12/02/2023</a:t>
             </a:fld>
             <a:endParaRPr lang="nl-BE"/>
           </a:p>
@@ -7355,7 +7355,7 @@
           <a:p>
             <a:fld id="{1CD1815E-B49F-43FE-B280-CDF6682C3964}" type="datetimeFigureOut">
               <a:rPr lang="nl-BE" smtClean="0"/>
-              <a:t>1/02/2023</a:t>
+              <a:t>12/02/2023</a:t>
             </a:fld>
             <a:endParaRPr lang="nl-BE"/>
           </a:p>
@@ -7668,7 +7668,7 @@
           <a:p>
             <a:fld id="{1CD1815E-B49F-43FE-B280-CDF6682C3964}" type="datetimeFigureOut">
               <a:rPr lang="nl-BE" smtClean="0"/>
-              <a:t>1/02/2023</a:t>
+              <a:t>12/02/2023</a:t>
             </a:fld>
             <a:endParaRPr lang="nl-BE"/>
           </a:p>
@@ -7911,7 +7911,7 @@
           <a:p>
             <a:fld id="{1CD1815E-B49F-43FE-B280-CDF6682C3964}" type="datetimeFigureOut">
               <a:rPr lang="nl-BE" smtClean="0"/>
-              <a:t>1/02/2023</a:t>
+              <a:t>12/02/2023</a:t>
             </a:fld>
             <a:endParaRPr lang="nl-BE"/>
           </a:p>
@@ -9821,7 +9821,7 @@
           </a:ln>
           <a:extLst>
             <a:ext uri="{C572A759-6A51-4108-AA02-DFA0A04FC94B}">
-              <ma14:wrappingTextBoxFlag xmlns:ma14="http://schemas.microsoft.com/office/mac/drawingml/2011/main" xmlns="" val="1"/>
+              <ma14:wrappingTextBoxFlag xmlns="" xmlns:ma14="http://schemas.microsoft.com/office/mac/drawingml/2011/main" val="1"/>
             </a:ext>
           </a:extLst>
         </p:spPr>
@@ -10511,7 +10511,7 @@
           </a:ln>
           <a:extLst>
             <a:ext uri="{C572A759-6A51-4108-AA02-DFA0A04FC94B}">
-              <ma14:wrappingTextBoxFlag xmlns:ma14="http://schemas.microsoft.com/office/mac/drawingml/2011/main" xmlns="" val="1"/>
+              <ma14:wrappingTextBoxFlag xmlns="" xmlns:ma14="http://schemas.microsoft.com/office/mac/drawingml/2011/main" val="1"/>
             </a:ext>
           </a:extLst>
         </p:spPr>
@@ -10857,7 +10857,7 @@
           </a:ln>
           <a:extLst>
             <a:ext uri="{C572A759-6A51-4108-AA02-DFA0A04FC94B}">
-              <ma14:wrappingTextBoxFlag xmlns:ma14="http://schemas.microsoft.com/office/mac/drawingml/2011/main" xmlns="" val="1"/>
+              <ma14:wrappingTextBoxFlag xmlns="" xmlns:ma14="http://schemas.microsoft.com/office/mac/drawingml/2011/main" val="1"/>
             </a:ext>
           </a:extLst>
         </p:spPr>
@@ -11518,7 +11518,7 @@
           </a:ln>
           <a:extLst>
             <a:ext uri="{C572A759-6A51-4108-AA02-DFA0A04FC94B}">
-              <ma14:wrappingTextBoxFlag xmlns:ma14="http://schemas.microsoft.com/office/mac/drawingml/2011/main" xmlns="" val="1"/>
+              <ma14:wrappingTextBoxFlag xmlns="" xmlns:ma14="http://schemas.microsoft.com/office/mac/drawingml/2011/main" val="1"/>
             </a:ext>
           </a:extLst>
         </p:spPr>
@@ -12379,7 +12379,7 @@
           </a:ln>
           <a:extLst>
             <a:ext uri="{C572A759-6A51-4108-AA02-DFA0A04FC94B}">
-              <ma14:wrappingTextBoxFlag xmlns:ma14="http://schemas.microsoft.com/office/mac/drawingml/2011/main" xmlns="" val="1"/>
+              <ma14:wrappingTextBoxFlag xmlns="" xmlns:ma14="http://schemas.microsoft.com/office/mac/drawingml/2011/main" val="1"/>
             </a:ext>
           </a:extLst>
         </p:spPr>
@@ -13189,7 +13189,7 @@
           </a:ln>
           <a:extLst>
             <a:ext uri="{C572A759-6A51-4108-AA02-DFA0A04FC94B}">
-              <ma14:wrappingTextBoxFlag xmlns:ma14="http://schemas.microsoft.com/office/mac/drawingml/2011/main" xmlns="" val="1"/>
+              <ma14:wrappingTextBoxFlag xmlns="" xmlns:ma14="http://schemas.microsoft.com/office/mac/drawingml/2011/main" val="1"/>
             </a:ext>
           </a:extLst>
         </p:spPr>
@@ -13527,7 +13527,7 @@
           </a:ln>
           <a:extLst>
             <a:ext uri="{C572A759-6A51-4108-AA02-DFA0A04FC94B}">
-              <ma14:wrappingTextBoxFlag xmlns:ma14="http://schemas.microsoft.com/office/mac/drawingml/2011/main" xmlns="" val="1"/>
+              <ma14:wrappingTextBoxFlag xmlns="" xmlns:ma14="http://schemas.microsoft.com/office/mac/drawingml/2011/main" val="1"/>
             </a:ext>
           </a:extLst>
         </p:spPr>
@@ -14302,7 +14302,7 @@
           </a:ln>
           <a:extLst>
             <a:ext uri="{C572A759-6A51-4108-AA02-DFA0A04FC94B}">
-              <ma14:wrappingTextBoxFlag xmlns:ma14="http://schemas.microsoft.com/office/mac/drawingml/2011/main" xmlns="" val="1"/>
+              <ma14:wrappingTextBoxFlag xmlns="" xmlns:ma14="http://schemas.microsoft.com/office/mac/drawingml/2011/main" val="1"/>
             </a:ext>
           </a:extLst>
         </p:spPr>
@@ -17104,7 +17104,7 @@
           </a:ln>
           <a:extLst>
             <a:ext uri="{C572A759-6A51-4108-AA02-DFA0A04FC94B}">
-              <ma14:wrappingTextBoxFlag xmlns:ma14="http://schemas.microsoft.com/office/mac/drawingml/2011/main" xmlns="" val="1"/>
+              <ma14:wrappingTextBoxFlag xmlns="" xmlns:ma14="http://schemas.microsoft.com/office/mac/drawingml/2011/main" val="1"/>
             </a:ext>
           </a:extLst>
         </p:spPr>
@@ -18242,7 +18242,7 @@
           </a:ln>
           <a:extLst>
             <a:ext uri="{C572A759-6A51-4108-AA02-DFA0A04FC94B}">
-              <ma14:wrappingTextBoxFlag xmlns:ma14="http://schemas.microsoft.com/office/mac/drawingml/2011/main" xmlns="" val="1"/>
+              <ma14:wrappingTextBoxFlag xmlns="" xmlns:ma14="http://schemas.microsoft.com/office/mac/drawingml/2011/main" val="1"/>
             </a:ext>
           </a:extLst>
         </p:spPr>
@@ -19600,7 +19600,7 @@
           </a:ln>
           <a:extLst>
             <a:ext uri="{C572A759-6A51-4108-AA02-DFA0A04FC94B}">
-              <ma14:wrappingTextBoxFlag xmlns:ma14="http://schemas.microsoft.com/office/mac/drawingml/2011/main" xmlns="" val="1"/>
+              <ma14:wrappingTextBoxFlag xmlns="" xmlns:ma14="http://schemas.microsoft.com/office/mac/drawingml/2011/main" val="1"/>
             </a:ext>
           </a:extLst>
         </p:spPr>
@@ -20768,7 +20768,7 @@
           </a:ln>
           <a:extLst>
             <a:ext uri="{C572A759-6A51-4108-AA02-DFA0A04FC94B}">
-              <ma14:wrappingTextBoxFlag xmlns:ma14="http://schemas.microsoft.com/office/mac/drawingml/2011/main" xmlns="" val="1"/>
+              <ma14:wrappingTextBoxFlag xmlns="" xmlns:ma14="http://schemas.microsoft.com/office/mac/drawingml/2011/main" val="1"/>
             </a:ext>
           </a:extLst>
         </p:spPr>
@@ -21464,7 +21464,7 @@
           </a:ln>
           <a:extLst>
             <a:ext uri="{C572A759-6A51-4108-AA02-DFA0A04FC94B}">
-              <ma14:wrappingTextBoxFlag xmlns:ma14="http://schemas.microsoft.com/office/mac/drawingml/2011/main" xmlns="" val="1"/>
+              <ma14:wrappingTextBoxFlag xmlns="" xmlns:ma14="http://schemas.microsoft.com/office/mac/drawingml/2011/main" val="1"/>
             </a:ext>
           </a:extLst>
         </p:spPr>
@@ -22632,7 +22632,7 @@
           </a:ln>
           <a:extLst>
             <a:ext uri="{C572A759-6A51-4108-AA02-DFA0A04FC94B}">
-              <ma14:wrappingTextBoxFlag xmlns:ma14="http://schemas.microsoft.com/office/mac/drawingml/2011/main" xmlns="" val="1"/>
+              <ma14:wrappingTextBoxFlag xmlns="" xmlns:ma14="http://schemas.microsoft.com/office/mac/drawingml/2011/main" val="1"/>
             </a:ext>
           </a:extLst>
         </p:spPr>
@@ -24831,7 +24831,7 @@
           </a:ln>
           <a:extLst>
             <a:ext uri="{C572A759-6A51-4108-AA02-DFA0A04FC94B}">
-              <ma14:wrappingTextBoxFlag xmlns:ma14="http://schemas.microsoft.com/office/mac/drawingml/2011/main" xmlns="" val="1"/>
+              <ma14:wrappingTextBoxFlag xmlns="" xmlns:ma14="http://schemas.microsoft.com/office/mac/drawingml/2011/main" val="1"/>
             </a:ext>
           </a:extLst>
         </p:spPr>
@@ -26091,7 +26091,7 @@
           </a:ln>
           <a:extLst>
             <a:ext uri="{C572A759-6A51-4108-AA02-DFA0A04FC94B}">
-              <ma14:wrappingTextBoxFlag xmlns:ma14="http://schemas.microsoft.com/office/mac/drawingml/2011/main" xmlns="" val="1"/>
+              <ma14:wrappingTextBoxFlag xmlns="" xmlns:ma14="http://schemas.microsoft.com/office/mac/drawingml/2011/main" val="1"/>
             </a:ext>
           </a:extLst>
         </p:spPr>
@@ -27903,7 +27903,7 @@
           </a:ln>
           <a:extLst>
             <a:ext uri="{C572A759-6A51-4108-AA02-DFA0A04FC94B}">
-              <ma14:wrappingTextBoxFlag xmlns:ma14="http://schemas.microsoft.com/office/mac/drawingml/2011/main" xmlns="" val="1"/>
+              <ma14:wrappingTextBoxFlag xmlns="" xmlns:ma14="http://schemas.microsoft.com/office/mac/drawingml/2011/main" val="1"/>
             </a:ext>
           </a:extLst>
         </p:spPr>
@@ -28857,7 +28857,7 @@
           </a:ln>
           <a:extLst>
             <a:ext uri="{C572A759-6A51-4108-AA02-DFA0A04FC94B}">
-              <ma14:wrappingTextBoxFlag xmlns:ma14="http://schemas.microsoft.com/office/mac/drawingml/2011/main" xmlns="" val="1"/>
+              <ma14:wrappingTextBoxFlag xmlns="" xmlns:ma14="http://schemas.microsoft.com/office/mac/drawingml/2011/main" val="1"/>
             </a:ext>
           </a:extLst>
         </p:spPr>
@@ -29368,7 +29368,7 @@
           </a:ln>
           <a:extLst>
             <a:ext uri="{C572A759-6A51-4108-AA02-DFA0A04FC94B}">
-              <ma14:wrappingTextBoxFlag xmlns:ma14="http://schemas.microsoft.com/office/mac/drawingml/2011/main" xmlns="" val="1"/>
+              <ma14:wrappingTextBoxFlag xmlns="" xmlns:ma14="http://schemas.microsoft.com/office/mac/drawingml/2011/main" val="1"/>
             </a:ext>
           </a:extLst>
         </p:spPr>
@@ -30292,7 +30292,7 @@
           </a:ln>
           <a:extLst>
             <a:ext uri="{C572A759-6A51-4108-AA02-DFA0A04FC94B}">
-              <ma14:wrappingTextBoxFlag xmlns:ma14="http://schemas.microsoft.com/office/mac/drawingml/2011/main" xmlns="" val="1"/>
+              <ma14:wrappingTextBoxFlag xmlns="" xmlns:ma14="http://schemas.microsoft.com/office/mac/drawingml/2011/main" val="1"/>
             </a:ext>
           </a:extLst>
         </p:spPr>
@@ -30728,7 +30728,7 @@
           </a:ln>
           <a:extLst>
             <a:ext uri="{C572A759-6A51-4108-AA02-DFA0A04FC94B}">
-              <ma14:wrappingTextBoxFlag xmlns:ma14="http://schemas.microsoft.com/office/mac/drawingml/2011/main" xmlns="" val="1"/>
+              <ma14:wrappingTextBoxFlag xmlns="" xmlns:ma14="http://schemas.microsoft.com/office/mac/drawingml/2011/main" val="1"/>
             </a:ext>
           </a:extLst>
         </p:spPr>
@@ -31220,7 +31220,7 @@
           </a:ln>
           <a:extLst>
             <a:ext uri="{C572A759-6A51-4108-AA02-DFA0A04FC94B}">
-              <ma14:wrappingTextBoxFlag xmlns:ma14="http://schemas.microsoft.com/office/mac/drawingml/2011/main" xmlns="" val="1"/>
+              <ma14:wrappingTextBoxFlag xmlns="" xmlns:ma14="http://schemas.microsoft.com/office/mac/drawingml/2011/main" val="1"/>
             </a:ext>
           </a:extLst>
         </p:spPr>
@@ -33197,7 +33197,7 @@
           </a:ln>
           <a:extLst>
             <a:ext uri="{C572A759-6A51-4108-AA02-DFA0A04FC94B}">
-              <ma14:wrappingTextBoxFlag xmlns:ma14="http://schemas.microsoft.com/office/mac/drawingml/2011/main" xmlns="" val="1"/>
+              <ma14:wrappingTextBoxFlag xmlns="" xmlns:ma14="http://schemas.microsoft.com/office/mac/drawingml/2011/main" val="1"/>
             </a:ext>
           </a:extLst>
         </p:spPr>
@@ -33820,7 +33820,7 @@
           </a:ln>
           <a:extLst>
             <a:ext uri="{C572A759-6A51-4108-AA02-DFA0A04FC94B}">
-              <ma14:wrappingTextBoxFlag xmlns:ma14="http://schemas.microsoft.com/office/mac/drawingml/2011/main" xmlns="" val="1"/>
+              <ma14:wrappingTextBoxFlag xmlns="" xmlns:ma14="http://schemas.microsoft.com/office/mac/drawingml/2011/main" val="1"/>
             </a:ext>
           </a:extLst>
         </p:spPr>
@@ -34616,7 +34616,7 @@
           </a:ln>
           <a:extLst>
             <a:ext uri="{C572A759-6A51-4108-AA02-DFA0A04FC94B}">
-              <ma14:wrappingTextBoxFlag xmlns:ma14="http://schemas.microsoft.com/office/mac/drawingml/2011/main" xmlns="" val="1"/>
+              <ma14:wrappingTextBoxFlag xmlns="" xmlns:ma14="http://schemas.microsoft.com/office/mac/drawingml/2011/main" val="1"/>
             </a:ext>
           </a:extLst>
         </p:spPr>
@@ -35185,7 +35185,7 @@
           </a:ln>
           <a:extLst>
             <a:ext uri="{C572A759-6A51-4108-AA02-DFA0A04FC94B}">
-              <ma14:wrappingTextBoxFlag xmlns:ma14="http://schemas.microsoft.com/office/mac/drawingml/2011/main" xmlns="" val="1"/>
+              <ma14:wrappingTextBoxFlag xmlns="" xmlns:ma14="http://schemas.microsoft.com/office/mac/drawingml/2011/main" val="1"/>
             </a:ext>
           </a:extLst>
         </p:spPr>
@@ -36584,7 +36584,7 @@
           </a:ln>
           <a:extLst>
             <a:ext uri="{C572A759-6A51-4108-AA02-DFA0A04FC94B}">
-              <ma14:wrappingTextBoxFlag xmlns:ma14="http://schemas.microsoft.com/office/mac/drawingml/2011/main" xmlns="" val="1"/>
+              <ma14:wrappingTextBoxFlag xmlns="" xmlns:ma14="http://schemas.microsoft.com/office/mac/drawingml/2011/main" val="1"/>
             </a:ext>
           </a:extLst>
         </p:spPr>
@@ -37892,7 +37892,7 @@
           </a:ln>
           <a:extLst>
             <a:ext uri="{C572A759-6A51-4108-AA02-DFA0A04FC94B}">
-              <ma14:wrappingTextBoxFlag xmlns:ma14="http://schemas.microsoft.com/office/mac/drawingml/2011/main" xmlns="" val="1"/>
+              <ma14:wrappingTextBoxFlag xmlns="" xmlns:ma14="http://schemas.microsoft.com/office/mac/drawingml/2011/main" val="1"/>
             </a:ext>
           </a:extLst>
         </p:spPr>
@@ -39139,7 +39139,7 @@
           </a:ln>
           <a:extLst>
             <a:ext uri="{C572A759-6A51-4108-AA02-DFA0A04FC94B}">
-              <ma14:wrappingTextBoxFlag xmlns:ma14="http://schemas.microsoft.com/office/mac/drawingml/2011/main" xmlns="" val="1"/>
+              <ma14:wrappingTextBoxFlag xmlns="" xmlns:ma14="http://schemas.microsoft.com/office/mac/drawingml/2011/main" val="1"/>
             </a:ext>
           </a:extLst>
         </p:spPr>
@@ -39828,7 +39828,7 @@
           </a:ln>
           <a:extLst>
             <a:ext uri="{C572A759-6A51-4108-AA02-DFA0A04FC94B}">
-              <ma14:wrappingTextBoxFlag xmlns:ma14="http://schemas.microsoft.com/office/mac/drawingml/2011/main" xmlns="" val="1"/>
+              <ma14:wrappingTextBoxFlag xmlns="" xmlns:ma14="http://schemas.microsoft.com/office/mac/drawingml/2011/main" val="1"/>
             </a:ext>
           </a:extLst>
         </p:spPr>
@@ -41044,7 +41044,7 @@
           </a:ln>
           <a:extLst>
             <a:ext uri="{C572A759-6A51-4108-AA02-DFA0A04FC94B}">
-              <ma14:wrappingTextBoxFlag xmlns:ma14="http://schemas.microsoft.com/office/mac/drawingml/2011/main" xmlns="" val="1"/>
+              <ma14:wrappingTextBoxFlag xmlns="" xmlns:ma14="http://schemas.microsoft.com/office/mac/drawingml/2011/main" val="1"/>
             </a:ext>
           </a:extLst>
         </p:spPr>
@@ -42202,7 +42202,7 @@
           </a:ln>
           <a:extLst>
             <a:ext uri="{C572A759-6A51-4108-AA02-DFA0A04FC94B}">
-              <ma14:wrappingTextBoxFlag xmlns:ma14="http://schemas.microsoft.com/office/mac/drawingml/2011/main" xmlns="" val="1"/>
+              <ma14:wrappingTextBoxFlag xmlns="" xmlns:ma14="http://schemas.microsoft.com/office/mac/drawingml/2011/main" val="1"/>
             </a:ext>
           </a:extLst>
         </p:spPr>
@@ -42845,7 +42845,7 @@
           </a:ln>
           <a:extLst>
             <a:ext uri="{C572A759-6A51-4108-AA02-DFA0A04FC94B}">
-              <ma14:wrappingTextBoxFlag xmlns:ma14="http://schemas.microsoft.com/office/mac/drawingml/2011/main" xmlns="" val="1"/>
+              <ma14:wrappingTextBoxFlag xmlns="" xmlns:ma14="http://schemas.microsoft.com/office/mac/drawingml/2011/main" val="1"/>
             </a:ext>
           </a:extLst>
         </p:spPr>
@@ -44039,7 +44039,7 @@
         </p:spPr>
         <p:txBody>
           <a:bodyPr>
-            <a:normAutofit lnSpcReduction="10000"/>
+            <a:normAutofit fontScale="85000" lnSpcReduction="20000"/>
           </a:bodyPr>
           <a:lstStyle>
             <a:lvl1pPr marL="228600" indent="-228600" algn="l" defTabSz="914400" rtl="0" eaLnBrk="1" latinLnBrk="0" hangingPunct="1">
@@ -44206,83 +44206,77 @@
             </a:lvl9pPr>
           </a:lstStyle>
           <a:p>
-            <a:r>
-              <a:rPr lang="nl-BE" dirty="0" err="1"/>
-              <a:t>What</a:t>
-            </a:r>
-            <a:r>
-              <a:rPr lang="nl-BE" dirty="0"/>
-              <a:t> is a </a:t>
-            </a:r>
-            <a:r>
-              <a:rPr lang="nl-BE" dirty="0" err="1"/>
-              <a:t>dictionary</a:t>
-            </a:r>
-            <a:r>
-              <a:rPr lang="nl-BE" dirty="0"/>
-              <a:t>?</a:t>
-            </a:r>
-          </a:p>
-          <a:p>
+            <a:pPr algn="just"/>
             <a:r>
               <a:rPr lang="en-US" dirty="0"/>
-              <a:t>Define the relationship between a key and its value.</a:t>
-            </a:r>
-          </a:p>
-          <a:p>
+              <a:t>What is the definition of a dictionary in Python?</a:t>
+            </a:r>
+          </a:p>
+          <a:p>
+            <a:pPr algn="just"/>
             <a:r>
               <a:rPr lang="en-US" dirty="0"/>
-              <a:t>How can you get a value out of a dictionary?</a:t>
-            </a:r>
-          </a:p>
-          <a:p>
+              <a:t>Describe the relationship between a key and its associated value in a Python dictionary.</a:t>
+            </a:r>
+          </a:p>
+          <a:p>
+            <a:pPr algn="just"/>
             <a:r>
               <a:rPr lang="en-US" dirty="0"/>
-              <a:t>How can you check if a key is within a dictionary</a:t>
-            </a:r>
-          </a:p>
-          <a:p>
+              <a:t>What is the method used to retrieve a value from a Python dictionary?</a:t>
+            </a:r>
+          </a:p>
+          <a:p>
+            <a:pPr algn="just"/>
             <a:r>
               <a:rPr lang="en-US" dirty="0"/>
-              <a:t>How can you add a value to a dictionary?</a:t>
-            </a:r>
-          </a:p>
-          <a:p>
+              <a:t>In Python, what is the technique used to determine if a key is present in a dictionary?</a:t>
+            </a:r>
+          </a:p>
+          <a:p>
+            <a:pPr algn="just"/>
             <a:r>
               <a:rPr lang="en-US" dirty="0"/>
-              <a:t>How can you delete a value to a dictionary?</a:t>
-            </a:r>
-          </a:p>
-          <a:p>
+              <a:t>How can you add a new key-value pair to an existing Python dictionary?</a:t>
+            </a:r>
+          </a:p>
+          <a:p>
+            <a:pPr algn="just"/>
             <a:r>
               <a:rPr lang="en-US" dirty="0"/>
-              <a:t>How can you filter in Python and give and example.</a:t>
-            </a:r>
-          </a:p>
-          <a:p>
+              <a:t>What is the process used to remove a key-value pair from a Python dictionary?</a:t>
+            </a:r>
+          </a:p>
+          <a:p>
+            <a:pPr algn="just"/>
             <a:r>
               <a:rPr lang="en-US" dirty="0"/>
-              <a:t>How does the Zip function work?</a:t>
-            </a:r>
-          </a:p>
-          <a:p>
+              <a:t>How can you implement filtering in Python? Provide an example.</a:t>
+            </a:r>
+          </a:p>
+          <a:p>
+            <a:pPr algn="just"/>
             <a:r>
               <a:rPr lang="en-US" dirty="0"/>
-              <a:t>Why are generators useful?</a:t>
-            </a:r>
-          </a:p>
-          <a:p>
+              <a:t>What is the functionality of the Zip function in Python?</a:t>
+            </a:r>
+          </a:p>
+          <a:p>
+            <a:pPr algn="just"/>
             <a:r>
               <a:rPr lang="en-US" dirty="0"/>
-              <a:t>How do you write a </a:t>
-            </a:r>
-            <a:r>
-              <a:rPr lang="en-US"/>
-              <a:t>comprehension expression?</a:t>
-            </a:r>
-            <a:endParaRPr lang="en-US" dirty="0"/>
-          </a:p>
-          <a:p>
+              <a:t>How are generators useful in Python?</a:t>
+            </a:r>
+          </a:p>
+          <a:p>
+            <a:pPr algn="just"/>
+            <a:r>
+              <a:rPr lang="en-US" dirty="0"/>
+              <a:t>What is the syntax for writing a comprehension expression in Python?</a:t>
+            </a:r>
+          </a:p>
+          <a:p>
+            <a:pPr algn="just"/>
             <a:endParaRPr lang="en-US" dirty="0"/>
           </a:p>
         </p:txBody>
@@ -45584,7 +45578,7 @@
           </a:ln>
           <a:extLst>
             <a:ext uri="{C572A759-6A51-4108-AA02-DFA0A04FC94B}">
-              <ma14:wrappingTextBoxFlag xmlns:ma14="http://schemas.microsoft.com/office/mac/drawingml/2011/main" xmlns="" val="1"/>
+              <ma14:wrappingTextBoxFlag xmlns="" xmlns:ma14="http://schemas.microsoft.com/office/mac/drawingml/2011/main" val="1"/>
             </a:ext>
           </a:extLst>
         </p:spPr>
@@ -46463,7 +46457,7 @@
           </a:ln>
           <a:extLst>
             <a:ext uri="{C572A759-6A51-4108-AA02-DFA0A04FC94B}">
-              <ma14:wrappingTextBoxFlag xmlns:ma14="http://schemas.microsoft.com/office/mac/drawingml/2011/main" xmlns="" val="1"/>
+              <ma14:wrappingTextBoxFlag xmlns="" xmlns:ma14="http://schemas.microsoft.com/office/mac/drawingml/2011/main" val="1"/>
             </a:ext>
           </a:extLst>
         </p:spPr>
@@ -47606,7 +47600,7 @@
           </a:ln>
           <a:extLst>
             <a:ext uri="{C572A759-6A51-4108-AA02-DFA0A04FC94B}">
-              <ma14:wrappingTextBoxFlag xmlns:ma14="http://schemas.microsoft.com/office/mac/drawingml/2011/main" xmlns="" val="1"/>
+              <ma14:wrappingTextBoxFlag xmlns="" xmlns:ma14="http://schemas.microsoft.com/office/mac/drawingml/2011/main" val="1"/>
             </a:ext>
           </a:extLst>
         </p:spPr>
@@ -48420,7 +48414,7 @@
           </a:ln>
           <a:extLst>
             <a:ext uri="{C572A759-6A51-4108-AA02-DFA0A04FC94B}">
-              <ma14:wrappingTextBoxFlag xmlns:ma14="http://schemas.microsoft.com/office/mac/drawingml/2011/main" xmlns="" val="1"/>
+              <ma14:wrappingTextBoxFlag xmlns="" xmlns:ma14="http://schemas.microsoft.com/office/mac/drawingml/2011/main" val="1"/>
             </a:ext>
           </a:extLst>
         </p:spPr>
@@ -48769,7 +48763,7 @@
           </a:ln>
           <a:extLst>
             <a:ext uri="{C572A759-6A51-4108-AA02-DFA0A04FC94B}">
-              <ma14:wrappingTextBoxFlag xmlns:ma14="http://schemas.microsoft.com/office/mac/drawingml/2011/main" xmlns="" val="1"/>
+              <ma14:wrappingTextBoxFlag xmlns="" xmlns:ma14="http://schemas.microsoft.com/office/mac/drawingml/2011/main" val="1"/>
             </a:ext>
           </a:extLst>
         </p:spPr>
@@ -49459,7 +49453,7 @@
           </a:ln>
           <a:extLst>
             <a:ext uri="{C572A759-6A51-4108-AA02-DFA0A04FC94B}">
-              <ma14:wrappingTextBoxFlag xmlns:ma14="http://schemas.microsoft.com/office/mac/drawingml/2011/main" xmlns="" val="1"/>
+              <ma14:wrappingTextBoxFlag xmlns="" xmlns:ma14="http://schemas.microsoft.com/office/mac/drawingml/2011/main" val="1"/>
             </a:ext>
           </a:extLst>
         </p:spPr>
@@ -50381,15 +50375,6 @@
 </file>
 
 <file path=customXml/item1.xml><?xml version="1.0" encoding="utf-8"?>
-<?mso-contentType ?>
-<FormTemplates xmlns="http://schemas.microsoft.com/sharepoint/v3/contenttype/forms">
-  <Display>DocumentLibraryForm</Display>
-  <Edit>DocumentLibraryForm</Edit>
-  <New>DocumentLibraryForm</New>
-</FormTemplates>
-</file>
-
-<file path=customXml/item2.xml><?xml version="1.0" encoding="utf-8"?>
 <ct:contentTypeSchema xmlns:ct="http://schemas.microsoft.com/office/2006/metadata/contentType" xmlns:ma="http://schemas.microsoft.com/office/2006/metadata/properties/metaAttributes" ct:_="" ma:_="" ma:contentTypeName="Document" ma:contentTypeID="0x010100F1325F46957A7D4694A8ACC888AA2621" ma:contentTypeVersion="7" ma:contentTypeDescription="Een nieuw document maken." ma:contentTypeScope="" ma:versionID="14c5700b56297cf9c66eff42b9f64bd4">
   <xsd:schema xmlns:xsd="http://www.w3.org/2001/XMLSchema" xmlns:xs="http://www.w3.org/2001/XMLSchema" xmlns:p="http://schemas.microsoft.com/office/2006/metadata/properties" xmlns:ns2="9b614674-bb2d-4c45-94ea-39f42762d3ae" targetNamespace="http://schemas.microsoft.com/office/2006/metadata/properties" ma:root="true" ma:fieldsID="4e421ba7028bb8b9c0acf45abfb7d816" ns2:_="">
     <xsd:import namespace="9b614674-bb2d-4c45-94ea-39f42762d3ae"/>
@@ -50549,6 +50534,15 @@
 </ct:contentTypeSchema>
 </file>
 
+<file path=customXml/item2.xml><?xml version="1.0" encoding="utf-8"?>
+<?mso-contentType ?>
+<FormTemplates xmlns="http://schemas.microsoft.com/sharepoint/v3/contenttype/forms">
+  <Display>DocumentLibraryForm</Display>
+  <Edit>DocumentLibraryForm</Edit>
+  <New>DocumentLibraryForm</New>
+</FormTemplates>
+</file>
+
 <file path=customXml/item3.xml><?xml version="1.0" encoding="utf-8"?>
 <p:properties xmlns:p="http://schemas.microsoft.com/office/2006/metadata/properties" xmlns:xsi="http://www.w3.org/2001/XMLSchema-instance" xmlns:pc="http://schemas.microsoft.com/office/infopath/2007/PartnerControls">
   <documentManagement>
@@ -50560,14 +50554,6 @@
 </file>
 
 <file path=customXml/itemProps1.xml><?xml version="1.0" encoding="utf-8"?>
-<ds:datastoreItem xmlns:ds="http://schemas.openxmlformats.org/officeDocument/2006/customXml" ds:itemID="{126BFA21-774C-45F5-BE3E-541B29302740}">
-  <ds:schemaRefs>
-    <ds:schemaRef ds:uri="http://schemas.microsoft.com/sharepoint/v3/contenttype/forms"/>
-  </ds:schemaRefs>
-</ds:datastoreItem>
-</file>
-
-<file path=customXml/itemProps2.xml><?xml version="1.0" encoding="utf-8"?>
 <ds:datastoreItem xmlns:ds="http://schemas.openxmlformats.org/officeDocument/2006/customXml" ds:itemID="{91A37897-CF46-4B8E-B11C-A11B11EC42BB}">
   <ds:schemaRefs>
     <ds:schemaRef ds:uri="http://schemas.microsoft.com/office/2006/metadata/contentType"/>
@@ -50585,6 +50571,14 @@
 </ds:datastoreItem>
 </file>
 
+<file path=customXml/itemProps2.xml><?xml version="1.0" encoding="utf-8"?>
+<ds:datastoreItem xmlns:ds="http://schemas.openxmlformats.org/officeDocument/2006/customXml" ds:itemID="{126BFA21-774C-45F5-BE3E-541B29302740}">
+  <ds:schemaRefs>
+    <ds:schemaRef ds:uri="http://schemas.microsoft.com/sharepoint/v3/contenttype/forms"/>
+  </ds:schemaRefs>
+</ds:datastoreItem>
+</file>
+
 <file path=customXml/itemProps3.xml><?xml version="1.0" encoding="utf-8"?>
 <ds:datastoreItem xmlns:ds="http://schemas.openxmlformats.org/officeDocument/2006/customXml" ds:itemID="{4B4D6183-A0C2-41B9-BD62-0CD29AC5B1EF}">
   <ds:schemaRefs>
